--- a/module-2/ppt/2.0-introduction.pptx
+++ b/module-2/ppt/2.0-introduction.pptx
@@ -3,19 +3,21 @@
 <p:presentation xmlns:a="http://schemas.openxmlformats.org/drawingml/2006/main" xmlns:r="http://schemas.openxmlformats.org/officeDocument/2006/relationships" xmlns:p="http://schemas.openxmlformats.org/presentationml/2006/main" saveSubsetFonts="1" autoCompressPictures="0">
   <p:sldMasterIdLst>
     <p:sldMasterId id="2147483660" r:id="rId1"/>
+    <p:sldMasterId id="2147483668" r:id="rId2"/>
   </p:sldMasterIdLst>
   <p:notesMasterIdLst>
-    <p:notesMasterId r:id="rId10"/>
+    <p:notesMasterId r:id="rId12"/>
   </p:notesMasterIdLst>
   <p:sldIdLst>
-    <p:sldId id="285" r:id="rId2"/>
-    <p:sldId id="368" r:id="rId3"/>
-    <p:sldId id="403" r:id="rId4"/>
-    <p:sldId id="458" r:id="rId5"/>
-    <p:sldId id="463" r:id="rId6"/>
-    <p:sldId id="460" r:id="rId7"/>
-    <p:sldId id="578" r:id="rId8"/>
-    <p:sldId id="2600" r:id="rId9"/>
+    <p:sldId id="285" r:id="rId3"/>
+    <p:sldId id="323" r:id="rId4"/>
+    <p:sldId id="403" r:id="rId5"/>
+    <p:sldId id="458" r:id="rId6"/>
+    <p:sldId id="463" r:id="rId7"/>
+    <p:sldId id="460" r:id="rId8"/>
+    <p:sldId id="578" r:id="rId9"/>
+    <p:sldId id="330" r:id="rId10"/>
+    <p:sldId id="2600" r:id="rId11"/>
   </p:sldIdLst>
   <p:sldSz cx="12192000" cy="6858000"/>
   <p:notesSz cx="6858000" cy="9144000"/>
@@ -210,7 +212,7 @@
           <a:p>
             <a:fld id="{A2472FB4-D3E2-AE43-B634-FEEAFFC420FD}" type="datetimeFigureOut">
               <a:rPr lang="en-US" smtClean="0"/>
-              <a:t>10/12/20</a:t>
+              <a:t>10/19/20</a:t>
             </a:fld>
             <a:endParaRPr lang="en-US"/>
           </a:p>
@@ -1479,6 +1481,182 @@
 </p:sldLayout>
 </file>
 
+<file path=ppt/slideLayouts/slideLayout5.xml><?xml version="1.0" encoding="utf-8"?>
+<p:sldLayout xmlns:a="http://schemas.openxmlformats.org/drawingml/2006/main" xmlns:r="http://schemas.openxmlformats.org/officeDocument/2006/relationships" xmlns:p="http://schemas.openxmlformats.org/presentationml/2006/main" userDrawn="1">
+  <p:cSld name="Title Slide">
+    <p:spTree>
+      <p:nvGrpSpPr>
+        <p:cNvPr id="1" name=""/>
+        <p:cNvGrpSpPr/>
+        <p:nvPr/>
+      </p:nvGrpSpPr>
+      <p:grpSpPr>
+        <a:xfrm>
+          <a:off x="0" y="0"/>
+          <a:ext cx="0" cy="0"/>
+          <a:chOff x="0" y="0"/>
+          <a:chExt cx="0" cy="0"/>
+        </a:xfrm>
+      </p:grpSpPr>
+      <p:sp>
+        <p:nvSpPr>
+          <p:cNvPr id="13" name="Title 1">
+            <a:extLst>
+              <a:ext uri="{FF2B5EF4-FFF2-40B4-BE49-F238E27FC236}">
+                <a16:creationId xmlns:a16="http://schemas.microsoft.com/office/drawing/2014/main" id="{7E669E2E-04D3-654B-8400-C1AD4BA1EDBA}"/>
+              </a:ext>
+            </a:extLst>
+          </p:cNvPr>
+          <p:cNvSpPr>
+            <a:spLocks noGrp="1"/>
+          </p:cNvSpPr>
+          <p:nvPr>
+            <p:ph type="ctrTitle" hasCustomPrompt="1"/>
+          </p:nvPr>
+        </p:nvSpPr>
+        <p:spPr>
+          <a:xfrm>
+            <a:off x="1760856" y="1611382"/>
+            <a:ext cx="8670287" cy="3074403"/>
+          </a:xfrm>
+          <a:prstGeom prst="rect">
+            <a:avLst/>
+          </a:prstGeom>
+        </p:spPr>
+        <p:txBody>
+          <a:bodyPr anchor="ctr" anchorCtr="0">
+            <a:normAutofit/>
+          </a:bodyPr>
+          <a:lstStyle>
+            <a:lvl1pPr algn="ctr">
+              <a:lnSpc>
+                <a:spcPct val="100000"/>
+              </a:lnSpc>
+              <a:defRPr sz="6000" b="1" i="0" cap="all" baseline="0">
+                <a:solidFill>
+                  <a:schemeClr val="bg1"/>
+                </a:solidFill>
+                <a:latin typeface="Arial" panose="020B0604020202020204" pitchFamily="34" charset="0"/>
+                <a:cs typeface="Arial" panose="020B0604020202020204" pitchFamily="34" charset="0"/>
+              </a:defRPr>
+            </a:lvl1pPr>
+          </a:lstStyle>
+          <a:p>
+            <a:r>
+              <a:rPr lang="en-US" dirty="0"/>
+              <a:t>Section Title</a:t>
+            </a:r>
+            <a:br>
+              <a:rPr lang="en-US" dirty="0"/>
+            </a:br>
+            <a:r>
+              <a:rPr lang="en-US" dirty="0"/>
+              <a:t>Goes Here</a:t>
+            </a:r>
+          </a:p>
+        </p:txBody>
+      </p:sp>
+    </p:spTree>
+    <p:extLst>
+      <p:ext uri="{BB962C8B-B14F-4D97-AF65-F5344CB8AC3E}">
+        <p14:creationId xmlns:p14="http://schemas.microsoft.com/office/powerpoint/2010/main" val="3726179362"/>
+      </p:ext>
+    </p:extLst>
+  </p:cSld>
+  <p:clrMapOvr>
+    <a:masterClrMapping/>
+  </p:clrMapOvr>
+</p:sldLayout>
+</file>
+
+<file path=ppt/slideLayouts/slideLayout6.xml><?xml version="1.0" encoding="utf-8"?>
+<p:sldLayout xmlns:a="http://schemas.openxmlformats.org/drawingml/2006/main" xmlns:r="http://schemas.openxmlformats.org/officeDocument/2006/relationships" xmlns:p="http://schemas.openxmlformats.org/presentationml/2006/main" preserve="1" userDrawn="1">
+  <p:cSld name="Title Slide">
+    <p:spTree>
+      <p:nvGrpSpPr>
+        <p:cNvPr id="1" name=""/>
+        <p:cNvGrpSpPr/>
+        <p:nvPr/>
+      </p:nvGrpSpPr>
+      <p:grpSpPr>
+        <a:xfrm>
+          <a:off x="0" y="0"/>
+          <a:ext cx="0" cy="0"/>
+          <a:chOff x="0" y="0"/>
+          <a:chExt cx="0" cy="0"/>
+        </a:xfrm>
+      </p:grpSpPr>
+      <p:sp>
+        <p:nvSpPr>
+          <p:cNvPr id="13" name="Title 1">
+            <a:extLst>
+              <a:ext uri="{FF2B5EF4-FFF2-40B4-BE49-F238E27FC236}">
+                <a16:creationId xmlns:a16="http://schemas.microsoft.com/office/drawing/2014/main" id="{7E669E2E-04D3-654B-8400-C1AD4BA1EDBA}"/>
+              </a:ext>
+            </a:extLst>
+          </p:cNvPr>
+          <p:cNvSpPr>
+            <a:spLocks noGrp="1"/>
+          </p:cNvSpPr>
+          <p:nvPr>
+            <p:ph type="ctrTitle" hasCustomPrompt="1"/>
+          </p:nvPr>
+        </p:nvSpPr>
+        <p:spPr>
+          <a:xfrm>
+            <a:off x="1760856" y="1611382"/>
+            <a:ext cx="8670287" cy="3074403"/>
+          </a:xfrm>
+          <a:prstGeom prst="rect">
+            <a:avLst/>
+          </a:prstGeom>
+        </p:spPr>
+        <p:txBody>
+          <a:bodyPr anchor="ctr" anchorCtr="0">
+            <a:normAutofit/>
+          </a:bodyPr>
+          <a:lstStyle>
+            <a:lvl1pPr algn="ctr">
+              <a:lnSpc>
+                <a:spcPct val="100000"/>
+              </a:lnSpc>
+              <a:defRPr sz="6000" b="1" i="0" cap="all" baseline="0">
+                <a:solidFill>
+                  <a:schemeClr val="bg1"/>
+                </a:solidFill>
+                <a:latin typeface="Arial" panose="020B0604020202020204" pitchFamily="34" charset="0"/>
+                <a:cs typeface="Arial" panose="020B0604020202020204" pitchFamily="34" charset="0"/>
+              </a:defRPr>
+            </a:lvl1pPr>
+          </a:lstStyle>
+          <a:p>
+            <a:r>
+              <a:rPr lang="en-US" dirty="0"/>
+              <a:t>Section Title</a:t>
+            </a:r>
+            <a:br>
+              <a:rPr lang="en-US" dirty="0"/>
+            </a:br>
+            <a:r>
+              <a:rPr lang="en-US" dirty="0"/>
+              <a:t>Goes Here</a:t>
+            </a:r>
+          </a:p>
+        </p:txBody>
+      </p:sp>
+    </p:spTree>
+    <p:extLst>
+      <p:ext uri="{BB962C8B-B14F-4D97-AF65-F5344CB8AC3E}">
+        <p14:creationId xmlns:p14="http://schemas.microsoft.com/office/powerpoint/2010/main" val="2223979266"/>
+      </p:ext>
+    </p:extLst>
+  </p:cSld>
+  <p:clrMapOvr>
+    <a:masterClrMapping/>
+  </p:clrMapOvr>
+</p:sldLayout>
+</file>
+
 <file path=ppt/slideMasters/slideMaster1.xml><?xml version="1.0" encoding="utf-8"?>
 <p:sldMaster xmlns:a="http://schemas.openxmlformats.org/drawingml/2006/main" xmlns:r="http://schemas.openxmlformats.org/officeDocument/2006/relationships" xmlns:p="http://schemas.openxmlformats.org/presentationml/2006/main" preserve="1">
   <p:cSld>
@@ -1724,7 +1902,7 @@
           <p:nvPr userDrawn="1"/>
         </p:nvPicPr>
         <p:blipFill>
-          <a:blip r:embed="rId6"/>
+          <a:blip r:embed="rId7"/>
           <a:stretch>
             <a:fillRect/>
           </a:stretch>
@@ -1752,6 +1930,7 @@
     <p:sldLayoutId id="2147483662" r:id="rId2"/>
     <p:sldLayoutId id="2147483663" r:id="rId3"/>
     <p:sldLayoutId id="2147483667" r:id="rId4"/>
+    <p:sldLayoutId id="2147483670" r:id="rId5"/>
   </p:sldLayoutIdLst>
   <p:hf hdr="0" ftr="0" dt="0"/>
   <p:txStyles>
@@ -2068,6 +2247,412 @@
 </p:sldMaster>
 </file>
 
+<file path=ppt/slideMasters/slideMaster2.xml><?xml version="1.0" encoding="utf-8"?>
+<p:sldMaster xmlns:a="http://schemas.openxmlformats.org/drawingml/2006/main" xmlns:r="http://schemas.openxmlformats.org/officeDocument/2006/relationships" xmlns:p="http://schemas.openxmlformats.org/presentationml/2006/main" preserve="1">
+  <p:cSld>
+    <p:bg>
+      <p:bgPr>
+        <a:gradFill flip="none" rotWithShape="1">
+          <a:gsLst>
+            <a:gs pos="0">
+              <a:schemeClr val="accent1">
+                <a:lumMod val="89000"/>
+              </a:schemeClr>
+            </a:gs>
+            <a:gs pos="23000">
+              <a:schemeClr val="accent1">
+                <a:lumMod val="89000"/>
+              </a:schemeClr>
+            </a:gs>
+            <a:gs pos="69000">
+              <a:schemeClr val="accent1">
+                <a:lumMod val="75000"/>
+              </a:schemeClr>
+            </a:gs>
+            <a:gs pos="97000">
+              <a:schemeClr val="accent1">
+                <a:lumMod val="70000"/>
+              </a:schemeClr>
+            </a:gs>
+          </a:gsLst>
+          <a:path path="circle">
+            <a:fillToRect l="50000" t="50000" r="50000" b="50000"/>
+          </a:path>
+          <a:tileRect/>
+        </a:gradFill>
+        <a:effectLst/>
+      </p:bgPr>
+    </p:bg>
+    <p:spTree>
+      <p:nvGrpSpPr>
+        <p:cNvPr id="1" name=""/>
+        <p:cNvGrpSpPr/>
+        <p:nvPr/>
+      </p:nvGrpSpPr>
+      <p:grpSpPr>
+        <a:xfrm>
+          <a:off x="0" y="0"/>
+          <a:ext cx="0" cy="0"/>
+          <a:chOff x="0" y="0"/>
+          <a:chExt cx="0" cy="0"/>
+        </a:xfrm>
+      </p:grpSpPr>
+      <p:pic>
+        <p:nvPicPr>
+          <p:cNvPr id="5" name="Picture 4">
+            <a:extLst>
+              <a:ext uri="{FF2B5EF4-FFF2-40B4-BE49-F238E27FC236}">
+                <a16:creationId xmlns:a16="http://schemas.microsoft.com/office/drawing/2014/main" id="{5AD9E77D-224D-8648-B3B1-DE9C90AFF508}"/>
+              </a:ext>
+            </a:extLst>
+          </p:cNvPr>
+          <p:cNvPicPr>
+            <a:picLocks noChangeAspect="1"/>
+          </p:cNvPicPr>
+          <p:nvPr userDrawn="1"/>
+        </p:nvPicPr>
+        <p:blipFill>
+          <a:blip r:embed="rId3"/>
+          <a:stretch>
+            <a:fillRect/>
+          </a:stretch>
+        </p:blipFill>
+        <p:spPr>
+          <a:xfrm>
+            <a:off x="4559200" y="1477264"/>
+            <a:ext cx="3073600" cy="3903472"/>
+          </a:xfrm>
+          <a:prstGeom prst="rect">
+            <a:avLst/>
+          </a:prstGeom>
+        </p:spPr>
+      </p:pic>
+    </p:spTree>
+    <p:extLst>
+      <p:ext uri="{BB962C8B-B14F-4D97-AF65-F5344CB8AC3E}">
+        <p14:creationId xmlns:p14="http://schemas.microsoft.com/office/powerpoint/2010/main" val="38848961"/>
+      </p:ext>
+    </p:extLst>
+  </p:cSld>
+  <p:clrMap bg1="lt1" tx1="dk1" bg2="lt2" tx2="dk2" accent1="accent1" accent2="accent2" accent3="accent3" accent4="accent4" accent5="accent5" accent6="accent6" hlink="hlink" folHlink="folHlink"/>
+  <p:sldLayoutIdLst>
+    <p:sldLayoutId id="2147483669" r:id="rId1"/>
+  </p:sldLayoutIdLst>
+  <p:hf hdr="0" ftr="0" dt="0"/>
+  <p:txStyles>
+    <p:titleStyle>
+      <a:lvl1pPr algn="l" defTabSz="914400" rtl="0" eaLnBrk="1" latinLnBrk="0" hangingPunct="1">
+        <a:lnSpc>
+          <a:spcPct val="90000"/>
+        </a:lnSpc>
+        <a:spcBef>
+          <a:spcPct val="0"/>
+        </a:spcBef>
+        <a:buNone/>
+        <a:defRPr sz="3600" b="1" kern="1200">
+          <a:solidFill>
+            <a:schemeClr val="accent1"/>
+          </a:solidFill>
+          <a:latin typeface="+mn-lt"/>
+          <a:ea typeface="+mj-ea"/>
+          <a:cs typeface="+mj-cs"/>
+        </a:defRPr>
+      </a:lvl1pPr>
+    </p:titleStyle>
+    <p:bodyStyle>
+      <a:lvl1pPr marL="228600" indent="-228600" algn="l" defTabSz="914400" rtl="0" eaLnBrk="1" latinLnBrk="0" hangingPunct="1">
+        <a:lnSpc>
+          <a:spcPct val="90000"/>
+        </a:lnSpc>
+        <a:spcBef>
+          <a:spcPts val="1000"/>
+        </a:spcBef>
+        <a:buClr>
+          <a:schemeClr val="accent1"/>
+        </a:buClr>
+        <a:buFont typeface="Arial" panose="020B0604020202020204" pitchFamily="34" charset="0"/>
+        <a:buChar char="•"/>
+        <a:defRPr sz="2800" kern="1200">
+          <a:solidFill>
+            <a:schemeClr val="tx1"/>
+          </a:solidFill>
+          <a:latin typeface="+mn-lt"/>
+          <a:ea typeface="+mn-ea"/>
+          <a:cs typeface="+mn-cs"/>
+        </a:defRPr>
+      </a:lvl1pPr>
+      <a:lvl2pPr marL="685800" indent="-228600" algn="l" defTabSz="914400" rtl="0" eaLnBrk="1" latinLnBrk="0" hangingPunct="1">
+        <a:lnSpc>
+          <a:spcPct val="90000"/>
+        </a:lnSpc>
+        <a:spcBef>
+          <a:spcPts val="500"/>
+        </a:spcBef>
+        <a:buClr>
+          <a:schemeClr val="accent1"/>
+        </a:buClr>
+        <a:buFont typeface="Arial" panose="020B0604020202020204" pitchFamily="34" charset="0"/>
+        <a:buChar char="•"/>
+        <a:defRPr sz="2400" kern="1200">
+          <a:solidFill>
+            <a:schemeClr val="tx1"/>
+          </a:solidFill>
+          <a:latin typeface="+mn-lt"/>
+          <a:ea typeface="+mn-ea"/>
+          <a:cs typeface="+mn-cs"/>
+        </a:defRPr>
+      </a:lvl2pPr>
+      <a:lvl3pPr marL="1143000" indent="-228600" algn="l" defTabSz="914400" rtl="0" eaLnBrk="1" latinLnBrk="0" hangingPunct="1">
+        <a:lnSpc>
+          <a:spcPct val="90000"/>
+        </a:lnSpc>
+        <a:spcBef>
+          <a:spcPts val="500"/>
+        </a:spcBef>
+        <a:buClr>
+          <a:schemeClr val="accent1"/>
+        </a:buClr>
+        <a:buFont typeface="Arial" panose="020B0604020202020204" pitchFamily="34" charset="0"/>
+        <a:buChar char="•"/>
+        <a:defRPr sz="2000" kern="1200">
+          <a:solidFill>
+            <a:schemeClr val="tx1"/>
+          </a:solidFill>
+          <a:latin typeface="+mn-lt"/>
+          <a:ea typeface="+mn-ea"/>
+          <a:cs typeface="+mn-cs"/>
+        </a:defRPr>
+      </a:lvl3pPr>
+      <a:lvl4pPr marL="1600200" indent="-228600" algn="l" defTabSz="914400" rtl="0" eaLnBrk="1" latinLnBrk="0" hangingPunct="1">
+        <a:lnSpc>
+          <a:spcPct val="90000"/>
+        </a:lnSpc>
+        <a:spcBef>
+          <a:spcPts val="500"/>
+        </a:spcBef>
+        <a:buClr>
+          <a:schemeClr val="accent1"/>
+        </a:buClr>
+        <a:buFont typeface="Arial" panose="020B0604020202020204" pitchFamily="34" charset="0"/>
+        <a:buChar char="•"/>
+        <a:defRPr sz="1800" kern="1200">
+          <a:solidFill>
+            <a:schemeClr val="tx1"/>
+          </a:solidFill>
+          <a:latin typeface="+mn-lt"/>
+          <a:ea typeface="+mn-ea"/>
+          <a:cs typeface="+mn-cs"/>
+        </a:defRPr>
+      </a:lvl4pPr>
+      <a:lvl5pPr marL="2057400" indent="-228600" algn="l" defTabSz="914400" rtl="0" eaLnBrk="1" latinLnBrk="0" hangingPunct="1">
+        <a:lnSpc>
+          <a:spcPct val="90000"/>
+        </a:lnSpc>
+        <a:spcBef>
+          <a:spcPts val="500"/>
+        </a:spcBef>
+        <a:buClr>
+          <a:schemeClr val="accent1"/>
+        </a:buClr>
+        <a:buFont typeface="Arial" panose="020B0604020202020204" pitchFamily="34" charset="0"/>
+        <a:buChar char="•"/>
+        <a:defRPr sz="1800" kern="1200">
+          <a:solidFill>
+            <a:schemeClr val="tx1"/>
+          </a:solidFill>
+          <a:latin typeface="+mn-lt"/>
+          <a:ea typeface="+mn-ea"/>
+          <a:cs typeface="+mn-cs"/>
+        </a:defRPr>
+      </a:lvl5pPr>
+      <a:lvl6pPr marL="2514600" indent="-228600" algn="l" defTabSz="914400" rtl="0" eaLnBrk="1" latinLnBrk="0" hangingPunct="1">
+        <a:lnSpc>
+          <a:spcPct val="90000"/>
+        </a:lnSpc>
+        <a:spcBef>
+          <a:spcPts val="500"/>
+        </a:spcBef>
+        <a:buFont typeface="Arial" panose="020B0604020202020204" pitchFamily="34" charset="0"/>
+        <a:buChar char="•"/>
+        <a:defRPr sz="1800" kern="1200">
+          <a:solidFill>
+            <a:schemeClr val="tx1"/>
+          </a:solidFill>
+          <a:latin typeface="+mn-lt"/>
+          <a:ea typeface="+mn-ea"/>
+          <a:cs typeface="+mn-cs"/>
+        </a:defRPr>
+      </a:lvl6pPr>
+      <a:lvl7pPr marL="2971800" indent="-228600" algn="l" defTabSz="914400" rtl="0" eaLnBrk="1" latinLnBrk="0" hangingPunct="1">
+        <a:lnSpc>
+          <a:spcPct val="90000"/>
+        </a:lnSpc>
+        <a:spcBef>
+          <a:spcPts val="500"/>
+        </a:spcBef>
+        <a:buFont typeface="Arial" panose="020B0604020202020204" pitchFamily="34" charset="0"/>
+        <a:buChar char="•"/>
+        <a:defRPr sz="1800" kern="1200">
+          <a:solidFill>
+            <a:schemeClr val="tx1"/>
+          </a:solidFill>
+          <a:latin typeface="+mn-lt"/>
+          <a:ea typeface="+mn-ea"/>
+          <a:cs typeface="+mn-cs"/>
+        </a:defRPr>
+      </a:lvl7pPr>
+      <a:lvl8pPr marL="3429000" indent="-228600" algn="l" defTabSz="914400" rtl="0" eaLnBrk="1" latinLnBrk="0" hangingPunct="1">
+        <a:lnSpc>
+          <a:spcPct val="90000"/>
+        </a:lnSpc>
+        <a:spcBef>
+          <a:spcPts val="500"/>
+        </a:spcBef>
+        <a:buFont typeface="Arial" panose="020B0604020202020204" pitchFamily="34" charset="0"/>
+        <a:buChar char="•"/>
+        <a:defRPr sz="1800" kern="1200">
+          <a:solidFill>
+            <a:schemeClr val="tx1"/>
+          </a:solidFill>
+          <a:latin typeface="+mn-lt"/>
+          <a:ea typeface="+mn-ea"/>
+          <a:cs typeface="+mn-cs"/>
+        </a:defRPr>
+      </a:lvl8pPr>
+      <a:lvl9pPr marL="3886200" indent="-228600" algn="l" defTabSz="914400" rtl="0" eaLnBrk="1" latinLnBrk="0" hangingPunct="1">
+        <a:lnSpc>
+          <a:spcPct val="90000"/>
+        </a:lnSpc>
+        <a:spcBef>
+          <a:spcPts val="500"/>
+        </a:spcBef>
+        <a:buFont typeface="Arial" panose="020B0604020202020204" pitchFamily="34" charset="0"/>
+        <a:buChar char="•"/>
+        <a:defRPr sz="1800" kern="1200">
+          <a:solidFill>
+            <a:schemeClr val="tx1"/>
+          </a:solidFill>
+          <a:latin typeface="+mn-lt"/>
+          <a:ea typeface="+mn-ea"/>
+          <a:cs typeface="+mn-cs"/>
+        </a:defRPr>
+      </a:lvl9pPr>
+    </p:bodyStyle>
+    <p:otherStyle>
+      <a:defPPr>
+        <a:defRPr lang="en-US"/>
+      </a:defPPr>
+      <a:lvl1pPr marL="0" algn="l" defTabSz="914400" rtl="0" eaLnBrk="1" latinLnBrk="0" hangingPunct="1">
+        <a:defRPr sz="1800" kern="1200">
+          <a:solidFill>
+            <a:schemeClr val="tx1"/>
+          </a:solidFill>
+          <a:latin typeface="+mn-lt"/>
+          <a:ea typeface="+mn-ea"/>
+          <a:cs typeface="+mn-cs"/>
+        </a:defRPr>
+      </a:lvl1pPr>
+      <a:lvl2pPr marL="457200" algn="l" defTabSz="914400" rtl="0" eaLnBrk="1" latinLnBrk="0" hangingPunct="1">
+        <a:defRPr sz="1800" kern="1200">
+          <a:solidFill>
+            <a:schemeClr val="tx1"/>
+          </a:solidFill>
+          <a:latin typeface="+mn-lt"/>
+          <a:ea typeface="+mn-ea"/>
+          <a:cs typeface="+mn-cs"/>
+        </a:defRPr>
+      </a:lvl2pPr>
+      <a:lvl3pPr marL="914400" algn="l" defTabSz="914400" rtl="0" eaLnBrk="1" latinLnBrk="0" hangingPunct="1">
+        <a:defRPr sz="1800" kern="1200">
+          <a:solidFill>
+            <a:schemeClr val="tx1"/>
+          </a:solidFill>
+          <a:latin typeface="+mn-lt"/>
+          <a:ea typeface="+mn-ea"/>
+          <a:cs typeface="+mn-cs"/>
+        </a:defRPr>
+      </a:lvl3pPr>
+      <a:lvl4pPr marL="1371600" algn="l" defTabSz="914400" rtl="0" eaLnBrk="1" latinLnBrk="0" hangingPunct="1">
+        <a:defRPr sz="1800" kern="1200">
+          <a:solidFill>
+            <a:schemeClr val="tx1"/>
+          </a:solidFill>
+          <a:latin typeface="+mn-lt"/>
+          <a:ea typeface="+mn-ea"/>
+          <a:cs typeface="+mn-cs"/>
+        </a:defRPr>
+      </a:lvl4pPr>
+      <a:lvl5pPr marL="1828800" algn="l" defTabSz="914400" rtl="0" eaLnBrk="1" latinLnBrk="0" hangingPunct="1">
+        <a:defRPr sz="1800" kern="1200">
+          <a:solidFill>
+            <a:schemeClr val="tx1"/>
+          </a:solidFill>
+          <a:latin typeface="+mn-lt"/>
+          <a:ea typeface="+mn-ea"/>
+          <a:cs typeface="+mn-cs"/>
+        </a:defRPr>
+      </a:lvl5pPr>
+      <a:lvl6pPr marL="2286000" algn="l" defTabSz="914400" rtl="0" eaLnBrk="1" latinLnBrk="0" hangingPunct="1">
+        <a:defRPr sz="1800" kern="1200">
+          <a:solidFill>
+            <a:schemeClr val="tx1"/>
+          </a:solidFill>
+          <a:latin typeface="+mn-lt"/>
+          <a:ea typeface="+mn-ea"/>
+          <a:cs typeface="+mn-cs"/>
+        </a:defRPr>
+      </a:lvl6pPr>
+      <a:lvl7pPr marL="2743200" algn="l" defTabSz="914400" rtl="0" eaLnBrk="1" latinLnBrk="0" hangingPunct="1">
+        <a:defRPr sz="1800" kern="1200">
+          <a:solidFill>
+            <a:schemeClr val="tx1"/>
+          </a:solidFill>
+          <a:latin typeface="+mn-lt"/>
+          <a:ea typeface="+mn-ea"/>
+          <a:cs typeface="+mn-cs"/>
+        </a:defRPr>
+      </a:lvl7pPr>
+      <a:lvl8pPr marL="3200400" algn="l" defTabSz="914400" rtl="0" eaLnBrk="1" latinLnBrk="0" hangingPunct="1">
+        <a:defRPr sz="1800" kern="1200">
+          <a:solidFill>
+            <a:schemeClr val="tx1"/>
+          </a:solidFill>
+          <a:latin typeface="+mn-lt"/>
+          <a:ea typeface="+mn-ea"/>
+          <a:cs typeface="+mn-cs"/>
+        </a:defRPr>
+      </a:lvl8pPr>
+      <a:lvl9pPr marL="3657600" algn="l" defTabSz="914400" rtl="0" eaLnBrk="1" latinLnBrk="0" hangingPunct="1">
+        <a:defRPr sz="1800" kern="1200">
+          <a:solidFill>
+            <a:schemeClr val="tx1"/>
+          </a:solidFill>
+          <a:latin typeface="+mn-lt"/>
+          <a:ea typeface="+mn-ea"/>
+          <a:cs typeface="+mn-cs"/>
+        </a:defRPr>
+      </a:lvl9pPr>
+    </p:otherStyle>
+  </p:txStyles>
+  <p:extLst>
+    <p:ext uri="{27BBF7A9-308A-43DC-89C8-2F10F3537804}">
+      <p15:sldGuideLst xmlns:p15="http://schemas.microsoft.com/office/powerpoint/2012/main">
+        <p15:guide id="1" orient="horz" pos="4200">
+          <p15:clr>
+            <a:srgbClr val="F26B43"/>
+          </p15:clr>
+        </p15:guide>
+        <p15:guide id="2" pos="528">
+          <p15:clr>
+            <a:srgbClr val="F26B43"/>
+          </p15:clr>
+        </p15:guide>
+      </p15:sldGuideLst>
+    </p:ext>
+  </p:extLst>
+</p:sldMaster>
+</file>
+
 <file path=ppt/slides/slide1.xml><?xml version="1.0" encoding="utf-8"?>
 <p:sld xmlns:a="http://schemas.openxmlformats.org/drawingml/2006/main" xmlns:r="http://schemas.openxmlformats.org/officeDocument/2006/relationships" xmlns:p="http://schemas.openxmlformats.org/presentationml/2006/main">
   <p:cSld>
@@ -2168,25 +2753,57 @@
               </a:lnSpc>
             </a:pPr>
             <a:r>
-              <a:rPr lang="en-US" sz="4400" dirty="0">
+              <a:rPr lang="en-US" sz="3600" dirty="0">
                 <a:latin typeface="Arial" panose="020B0604020202020204" pitchFamily="34" charset="0"/>
                 <a:cs typeface="Arial" panose="020B0604020202020204" pitchFamily="34" charset="0"/>
               </a:rPr>
-              <a:t>Machine Learning </a:t>
+              <a:t>Module 2:</a:t>
             </a:r>
             <a:br>
-              <a:rPr lang="en-US" sz="4400" dirty="0">
+              <a:rPr lang="en-US" sz="3600" dirty="0">
                 <a:latin typeface="Arial" panose="020B0604020202020204" pitchFamily="34" charset="0"/>
                 <a:cs typeface="Arial" panose="020B0604020202020204" pitchFamily="34" charset="0"/>
               </a:rPr>
             </a:br>
             <a:r>
-              <a:rPr lang="en-US" sz="4400" dirty="0">
+              <a:rPr lang="en-US" sz="3600" dirty="0">
                 <a:latin typeface="Arial" panose="020B0604020202020204" pitchFamily="34" charset="0"/>
                 <a:cs typeface="Arial" panose="020B0604020202020204" pitchFamily="34" charset="0"/>
               </a:rPr>
-              <a:t>for Cybersecurity</a:t>
-            </a:r>
+              <a:t>Overview</a:t>
+            </a:r>
+          </a:p>
+          <a:p>
+            <a:pPr algn="l"/>
+            <a:r>
+              <a:rPr lang="en-US" sz="3600" b="0" dirty="0">
+                <a:latin typeface="Arial" panose="020B0604020202020204" pitchFamily="34" charset="0"/>
+                <a:cs typeface="Arial" panose="020B0604020202020204" pitchFamily="34" charset="0"/>
+              </a:rPr>
+              <a:t>Applications of ML </a:t>
+            </a:r>
+            <a:r>
+              <a:rPr lang="en-US" sz="3600" b="0">
+                <a:latin typeface="Arial" panose="020B0604020202020204" pitchFamily="34" charset="0"/>
+                <a:cs typeface="Arial" panose="020B0604020202020204" pitchFamily="34" charset="0"/>
+              </a:rPr>
+              <a:t>in Security</a:t>
+            </a:r>
+            <a:endParaRPr lang="en-US" sz="3600" b="0" dirty="0">
+              <a:latin typeface="Arial" panose="020B0604020202020204" pitchFamily="34" charset="0"/>
+              <a:cs typeface="Arial" panose="020B0604020202020204" pitchFamily="34" charset="0"/>
+            </a:endParaRPr>
+          </a:p>
+          <a:p>
+            <a:pPr algn="l">
+              <a:lnSpc>
+                <a:spcPct val="100000"/>
+              </a:lnSpc>
+            </a:pPr>
+            <a:endParaRPr lang="en-US" sz="3600" dirty="0">
+              <a:latin typeface="Arial" panose="020B0604020202020204" pitchFamily="34" charset="0"/>
+              <a:cs typeface="Arial" panose="020B0604020202020204" pitchFamily="34" charset="0"/>
+            </a:endParaRPr>
           </a:p>
         </p:txBody>
       </p:sp>
@@ -2411,7 +3028,7 @@
                 <a:latin typeface="Adobe Garamond Pro" panose="02020502060506020403" pitchFamily="18" charset="77"/>
                 <a:cs typeface="Gotham Bold" pitchFamily="2" charset="0"/>
               </a:rPr>
-              <a:t>University of Chicago</a:t>
+              <a:t>ML for Cybersecurity</a:t>
             </a:r>
             <a:endParaRPr lang="en-US" sz="2200" b="1" i="0" kern="1200" dirty="0">
               <a:solidFill>
@@ -2477,10 +3094,10 @@
       </p:grpSpPr>
       <p:sp>
         <p:nvSpPr>
-          <p:cNvPr id="2" name="Title 1">
+          <p:cNvPr id="5" name="Title 4">
             <a:extLst>
               <a:ext uri="{FF2B5EF4-FFF2-40B4-BE49-F238E27FC236}">
-                <a16:creationId xmlns:a16="http://schemas.microsoft.com/office/drawing/2014/main" id="{93CD7FD4-3AE8-4547-8D9C-FDBA0E1F18E5}"/>
+                <a16:creationId xmlns:a16="http://schemas.microsoft.com/office/drawing/2014/main" id="{3C485A7A-6D4C-6449-95D3-D40C9E876BB6}"/>
               </a:ext>
             </a:extLst>
           </p:cNvPr>
@@ -2488,158 +3105,25 @@
             <a:spLocks noGrp="1"/>
           </p:cNvSpPr>
           <p:nvPr>
-            <p:ph type="title"/>
+            <p:ph type="ctrTitle"/>
           </p:nvPr>
         </p:nvSpPr>
-        <p:spPr>
-          <a:xfrm>
-            <a:off x="4942368" y="0"/>
-            <a:ext cx="6586491" cy="1286160"/>
-          </a:xfrm>
-        </p:spPr>
+        <p:spPr/>
         <p:txBody>
-          <a:bodyPr anchor="b">
-            <a:normAutofit/>
-          </a:bodyPr>
+          <a:bodyPr/>
           <a:lstStyle/>
           <a:p>
             <a:r>
               <a:rPr lang="en-US" dirty="0"/>
-              <a:t>Who Am I?</a:t>
+              <a:t>Module Overview</a:t>
             </a:r>
           </a:p>
         </p:txBody>
       </p:sp>
-      <p:sp>
-        <p:nvSpPr>
-          <p:cNvPr id="3" name="Content Placeholder 2">
-            <a:extLst>
-              <a:ext uri="{FF2B5EF4-FFF2-40B4-BE49-F238E27FC236}">
-                <a16:creationId xmlns:a16="http://schemas.microsoft.com/office/drawing/2014/main" id="{B9A64589-6255-984D-AB50-D4777C3762E9}"/>
-              </a:ext>
-            </a:extLst>
-          </p:cNvPr>
-          <p:cNvSpPr>
-            <a:spLocks noGrp="1"/>
-          </p:cNvSpPr>
-          <p:nvPr>
-            <p:ph idx="1"/>
-          </p:nvPr>
-        </p:nvSpPr>
-        <p:spPr>
-          <a:xfrm>
-            <a:off x="4942368" y="1536290"/>
-            <a:ext cx="6586489" cy="4289976"/>
-          </a:xfrm>
-        </p:spPr>
-        <p:txBody>
-          <a:bodyPr>
-            <a:normAutofit lnSpcReduction="10000"/>
-          </a:bodyPr>
-          <a:lstStyle/>
-          <a:p>
-            <a:r>
-              <a:rPr lang="en-US" b="1" dirty="0"/>
-              <a:t>Neubauer Professor Nick Feamster</a:t>
-            </a:r>
-            <a:br>
-              <a:rPr lang="en-US" b="1" dirty="0"/>
-            </a:br>
-            <a:endParaRPr lang="en-US" b="1" dirty="0"/>
-          </a:p>
-          <a:p>
-            <a:r>
-              <a:rPr lang="en-US" b="1" dirty="0"/>
-              <a:t>Network Performance and Security</a:t>
-            </a:r>
-          </a:p>
-          <a:p>
-            <a:pPr lvl="1"/>
-            <a:r>
-              <a:rPr lang="en-US" dirty="0"/>
-              <a:t>Data-Driven Approach</a:t>
-            </a:r>
-          </a:p>
-          <a:p>
-            <a:pPr lvl="1"/>
-            <a:r>
-              <a:rPr lang="en-US" dirty="0"/>
-              <a:t>Measurement, Inference, Telemetry</a:t>
-            </a:r>
-          </a:p>
-          <a:p>
-            <a:endParaRPr lang="en-US" sz="2400" dirty="0"/>
-          </a:p>
-          <a:p>
-            <a:r>
-              <a:rPr lang="en-US" sz="2400" b="1" dirty="0"/>
-              <a:t>Applications of Machine Learning</a:t>
-            </a:r>
-          </a:p>
-          <a:p>
-            <a:pPr lvl="1"/>
-            <a:r>
-              <a:rPr lang="en-US" sz="1600" dirty="0"/>
-              <a:t>Performance analysis and prediction</a:t>
-            </a:r>
-          </a:p>
-          <a:p>
-            <a:pPr lvl="1"/>
-            <a:r>
-              <a:rPr lang="en-US" sz="1600" dirty="0"/>
-              <a:t>Automated provisioning and troubleshooting</a:t>
-            </a:r>
-          </a:p>
-          <a:p>
-            <a:pPr lvl="1"/>
-            <a:r>
-              <a:rPr lang="en-US" sz="1600" dirty="0"/>
-              <a:t>Anomaly detection</a:t>
-            </a:r>
-          </a:p>
-          <a:p>
-            <a:pPr lvl="1"/>
-            <a:r>
-              <a:rPr lang="en-US" sz="1600" dirty="0"/>
-              <a:t>Intrusion detection</a:t>
-            </a:r>
-          </a:p>
-        </p:txBody>
-      </p:sp>
-      <p:pic>
-        <p:nvPicPr>
-          <p:cNvPr id="4" name="Picture 3">
-            <a:extLst>
-              <a:ext uri="{FF2B5EF4-FFF2-40B4-BE49-F238E27FC236}">
-                <a16:creationId xmlns:a16="http://schemas.microsoft.com/office/drawing/2014/main" id="{B938AEA9-F1F8-6E49-A2F8-4DB690CA6908}"/>
-              </a:ext>
-            </a:extLst>
-          </p:cNvPr>
-          <p:cNvPicPr>
-            <a:picLocks noChangeAspect="1"/>
-          </p:cNvPicPr>
-          <p:nvPr/>
-        </p:nvPicPr>
-        <p:blipFill rotWithShape="1">
-          <a:blip r:embed="rId2"/>
-          <a:srcRect r="1" b="3468"/>
-          <a:stretch/>
-        </p:blipFill>
-        <p:spPr>
-          <a:xfrm>
-            <a:off x="20" y="10"/>
-            <a:ext cx="4635571" cy="6857990"/>
-          </a:xfrm>
-          <a:prstGeom prst="rect">
-            <a:avLst/>
-          </a:prstGeom>
-          <a:effectLst/>
-        </p:spPr>
-      </p:pic>
     </p:spTree>
     <p:extLst>
       <p:ext uri="{BB962C8B-B14F-4D97-AF65-F5344CB8AC3E}">
-        <p14:creationId xmlns:p14="http://schemas.microsoft.com/office/powerpoint/2010/main" val="676409506"/>
+        <p14:creationId xmlns:p14="http://schemas.microsoft.com/office/powerpoint/2010/main" val="1702494444"/>
       </p:ext>
     </p:extLst>
   </p:cSld>
@@ -3442,7 +3926,7 @@
           <a:p>
             <a:r>
               <a:rPr lang="en-US" dirty="0"/>
-              <a:t>Performance Anomalies</a:t>
+              <a:t>Other Applications: Performance Anomalies</a:t>
             </a:r>
           </a:p>
         </p:txBody>
@@ -3721,6 +4205,64 @@
       </p:grpSpPr>
       <p:sp>
         <p:nvSpPr>
+          <p:cNvPr id="5" name="Title 4">
+            <a:extLst>
+              <a:ext uri="{FF2B5EF4-FFF2-40B4-BE49-F238E27FC236}">
+                <a16:creationId xmlns:a16="http://schemas.microsoft.com/office/drawing/2014/main" id="{3C485A7A-6D4C-6449-95D3-D40C9E876BB6}"/>
+              </a:ext>
+            </a:extLst>
+          </p:cNvPr>
+          <p:cNvSpPr>
+            <a:spLocks noGrp="1"/>
+          </p:cNvSpPr>
+          <p:nvPr>
+            <p:ph type="ctrTitle"/>
+          </p:nvPr>
+        </p:nvSpPr>
+        <p:spPr/>
+        <p:txBody>
+          <a:bodyPr/>
+          <a:lstStyle/>
+          <a:p>
+            <a:r>
+              <a:rPr lang="en-US" dirty="0"/>
+              <a:t>Learning Objective</a:t>
+            </a:r>
+          </a:p>
+        </p:txBody>
+      </p:sp>
+    </p:spTree>
+    <p:extLst>
+      <p:ext uri="{BB962C8B-B14F-4D97-AF65-F5344CB8AC3E}">
+        <p14:creationId xmlns:p14="http://schemas.microsoft.com/office/powerpoint/2010/main" val="3961800190"/>
+      </p:ext>
+    </p:extLst>
+  </p:cSld>
+  <p:clrMapOvr>
+    <a:masterClrMapping/>
+  </p:clrMapOvr>
+</p:sld>
+</file>
+
+<file path=ppt/slides/slide9.xml><?xml version="1.0" encoding="utf-8"?>
+<p:sld xmlns:a="http://schemas.openxmlformats.org/drawingml/2006/main" xmlns:r="http://schemas.openxmlformats.org/officeDocument/2006/relationships" xmlns:p="http://schemas.openxmlformats.org/presentationml/2006/main">
+  <p:cSld>
+    <p:spTree>
+      <p:nvGrpSpPr>
+        <p:cNvPr id="1" name=""/>
+        <p:cNvGrpSpPr/>
+        <p:nvPr/>
+      </p:nvGrpSpPr>
+      <p:grpSpPr>
+        <a:xfrm>
+          <a:off x="0" y="0"/>
+          <a:ext cx="0" cy="0"/>
+          <a:chOff x="0" y="0"/>
+          <a:chExt cx="0" cy="0"/>
+        </a:xfrm>
+      </p:grpSpPr>
+      <p:sp>
+        <p:nvSpPr>
           <p:cNvPr id="2" name="Picture Placeholder 1">
             <a:extLst>
               <a:ext uri="{FF2B5EF4-FFF2-40B4-BE49-F238E27FC236}">
@@ -3846,7 +4388,7 @@
             <a:fld id="{256CE055-ECFD-9048-9FD8-7E2D8656A4F7}" type="slidenum">
               <a:rPr lang="en-US" smtClean="0"/>
               <a:pPr/>
-              <a:t>8</a:t>
+              <a:t>9</a:t>
             </a:fld>
             <a:endParaRPr lang="en-US" dirty="0"/>
           </a:p>
@@ -4127,6 +4669,267 @@
 </file>
 
 <file path=ppt/theme/theme2.xml><?xml version="1.0" encoding="utf-8"?>
+<a:theme xmlns:a="http://schemas.openxmlformats.org/drawingml/2006/main" name="2_Office Theme">
+  <a:themeElements>
+    <a:clrScheme name="UChicago Palette">
+      <a:dk1>
+        <a:srgbClr val="000000"/>
+      </a:dk1>
+      <a:lt1>
+        <a:srgbClr val="FFFFFF"/>
+      </a:lt1>
+      <a:dk2>
+        <a:srgbClr val="727372"/>
+      </a:dk2>
+      <a:lt2>
+        <a:srgbClr val="D8D9D8"/>
+      </a:lt2>
+      <a:accent1>
+        <a:srgbClr val="800000"/>
+      </a:accent1>
+      <a:accent2>
+        <a:srgbClr val="EAAA00"/>
+      </a:accent2>
+      <a:accent3>
+        <a:srgbClr val="DE7C00"/>
+      </a:accent3>
+      <a:accent4>
+        <a:srgbClr val="789D49"/>
+      </a:accent4>
+      <a:accent5>
+        <a:srgbClr val="007396"/>
+      </a:accent5>
+      <a:accent6>
+        <a:srgbClr val="59305F"/>
+      </a:accent6>
+      <a:hlink>
+        <a:srgbClr val="002A3A"/>
+      </a:hlink>
+      <a:folHlink>
+        <a:srgbClr val="41273B"/>
+      </a:folHlink>
+    </a:clrScheme>
+    <a:fontScheme name="Arial Black-Arial">
+      <a:majorFont>
+        <a:latin typeface="Arial Black" panose="020B0A04020102020204"/>
+        <a:ea typeface=""/>
+        <a:cs typeface=""/>
+        <a:font script="Jpan" typeface="ＭＳ ゴシック"/>
+        <a:font script="Hang" typeface="굴림"/>
+        <a:font script="Hans" typeface="微软雅黑"/>
+        <a:font script="Hant" typeface="微軟正黑體"/>
+        <a:font script="Arab" typeface="Tahoma"/>
+        <a:font script="Hebr" typeface="Tahoma"/>
+        <a:font script="Thai" typeface="FreesiaUPC"/>
+        <a:font script="Ethi" typeface="Nyala"/>
+        <a:font script="Beng" typeface="Vrinda"/>
+        <a:font script="Gujr" typeface="Shruti"/>
+        <a:font script="Khmr" typeface="DaunPenh"/>
+        <a:font script="Knda" typeface="Tunga"/>
+        <a:font script="Guru" typeface="Raavi"/>
+        <a:font script="Cans" typeface="Euphemia"/>
+        <a:font script="Cher" typeface="Plantagenet Cherokee"/>
+        <a:font script="Yiii" typeface="Microsoft Yi Baiti"/>
+        <a:font script="Tibt" typeface="Microsoft Himalaya"/>
+        <a:font script="Thaa" typeface="MV Boli"/>
+        <a:font script="Deva" typeface="Mangal"/>
+        <a:font script="Telu" typeface="Gautami"/>
+        <a:font script="Taml" typeface="Latha"/>
+        <a:font script="Syrc" typeface="Estrangelo Edessa"/>
+        <a:font script="Orya" typeface="Kalinga"/>
+        <a:font script="Mlym" typeface="Kartika"/>
+        <a:font script="Laoo" typeface="DokChampa"/>
+        <a:font script="Sinh" typeface="Iskoola Pota"/>
+        <a:font script="Mong" typeface="Mongolian Baiti"/>
+        <a:font script="Viet" typeface="Verdana"/>
+        <a:font script="Uigh" typeface="Microsoft Uighur"/>
+        <a:font script="Geor" typeface="Sylfaen"/>
+      </a:majorFont>
+      <a:minorFont>
+        <a:latin typeface="Arial" panose="020B0604020202020204"/>
+        <a:ea typeface=""/>
+        <a:cs typeface=""/>
+        <a:font script="Jpan" typeface="ＭＳ Ｐゴシック"/>
+        <a:font script="Hang" typeface="굴림"/>
+        <a:font script="Hans" typeface="黑体"/>
+        <a:font script="Hant" typeface="微軟正黑體"/>
+        <a:font script="Arab" typeface="Arial"/>
+        <a:font script="Hebr" typeface="Arial"/>
+        <a:font script="Thai" typeface="Cordia New"/>
+        <a:font script="Ethi" typeface="Nyala"/>
+        <a:font script="Beng" typeface="Vrinda"/>
+        <a:font script="Gujr" typeface="Shruti"/>
+        <a:font script="Khmr" typeface="DaunPenh"/>
+        <a:font script="Knda" typeface="Tunga"/>
+        <a:font script="Guru" typeface="Raavi"/>
+        <a:font script="Cans" typeface="Euphemia"/>
+        <a:font script="Cher" typeface="Plantagenet Cherokee"/>
+        <a:font script="Yiii" typeface="Microsoft Yi Baiti"/>
+        <a:font script="Tibt" typeface="Microsoft Himalaya"/>
+        <a:font script="Thaa" typeface="MV Boli"/>
+        <a:font script="Deva" typeface="Mangal"/>
+        <a:font script="Telu" typeface="Gautami"/>
+        <a:font script="Taml" typeface="Latha"/>
+        <a:font script="Syrc" typeface="Estrangelo Edessa"/>
+        <a:font script="Orya" typeface="Kalinga"/>
+        <a:font script="Mlym" typeface="Kartika"/>
+        <a:font script="Laoo" typeface="DokChampa"/>
+        <a:font script="Sinh" typeface="Iskoola Pota"/>
+        <a:font script="Mong" typeface="Mongolian Baiti"/>
+        <a:font script="Viet" typeface="Arial"/>
+        <a:font script="Uigh" typeface="Microsoft Uighur"/>
+        <a:font script="Geor" typeface="Sylfaen"/>
+      </a:minorFont>
+    </a:fontScheme>
+    <a:fmtScheme name="Office">
+      <a:fillStyleLst>
+        <a:solidFill>
+          <a:schemeClr val="phClr"/>
+        </a:solidFill>
+        <a:gradFill rotWithShape="1">
+          <a:gsLst>
+            <a:gs pos="0">
+              <a:schemeClr val="phClr">
+                <a:lumMod val="110000"/>
+                <a:satMod val="105000"/>
+                <a:tint val="67000"/>
+              </a:schemeClr>
+            </a:gs>
+            <a:gs pos="50000">
+              <a:schemeClr val="phClr">
+                <a:lumMod val="105000"/>
+                <a:satMod val="103000"/>
+                <a:tint val="73000"/>
+              </a:schemeClr>
+            </a:gs>
+            <a:gs pos="100000">
+              <a:schemeClr val="phClr">
+                <a:lumMod val="105000"/>
+                <a:satMod val="109000"/>
+                <a:tint val="81000"/>
+              </a:schemeClr>
+            </a:gs>
+          </a:gsLst>
+          <a:lin ang="5400000" scaled="0"/>
+        </a:gradFill>
+        <a:gradFill rotWithShape="1">
+          <a:gsLst>
+            <a:gs pos="0">
+              <a:schemeClr val="phClr">
+                <a:satMod val="103000"/>
+                <a:lumMod val="102000"/>
+                <a:tint val="94000"/>
+              </a:schemeClr>
+            </a:gs>
+            <a:gs pos="50000">
+              <a:schemeClr val="phClr">
+                <a:satMod val="110000"/>
+                <a:lumMod val="100000"/>
+                <a:shade val="100000"/>
+              </a:schemeClr>
+            </a:gs>
+            <a:gs pos="100000">
+              <a:schemeClr val="phClr">
+                <a:lumMod val="99000"/>
+                <a:satMod val="120000"/>
+                <a:shade val="78000"/>
+              </a:schemeClr>
+            </a:gs>
+          </a:gsLst>
+          <a:lin ang="5400000" scaled="0"/>
+        </a:gradFill>
+      </a:fillStyleLst>
+      <a:lnStyleLst>
+        <a:ln w="6350" cap="flat" cmpd="sng" algn="ctr">
+          <a:solidFill>
+            <a:schemeClr val="phClr"/>
+          </a:solidFill>
+          <a:prstDash val="solid"/>
+          <a:miter lim="800000"/>
+        </a:ln>
+        <a:ln w="12700" cap="flat" cmpd="sng" algn="ctr">
+          <a:solidFill>
+            <a:schemeClr val="phClr"/>
+          </a:solidFill>
+          <a:prstDash val="solid"/>
+          <a:miter lim="800000"/>
+        </a:ln>
+        <a:ln w="19050" cap="flat" cmpd="sng" algn="ctr">
+          <a:solidFill>
+            <a:schemeClr val="phClr"/>
+          </a:solidFill>
+          <a:prstDash val="solid"/>
+          <a:miter lim="800000"/>
+        </a:ln>
+      </a:lnStyleLst>
+      <a:effectStyleLst>
+        <a:effectStyle>
+          <a:effectLst/>
+        </a:effectStyle>
+        <a:effectStyle>
+          <a:effectLst/>
+        </a:effectStyle>
+        <a:effectStyle>
+          <a:effectLst>
+            <a:outerShdw blurRad="57150" dist="19050" dir="5400000" algn="ctr" rotWithShape="0">
+              <a:srgbClr val="000000">
+                <a:alpha val="63000"/>
+              </a:srgbClr>
+            </a:outerShdw>
+          </a:effectLst>
+        </a:effectStyle>
+      </a:effectStyleLst>
+      <a:bgFillStyleLst>
+        <a:solidFill>
+          <a:schemeClr val="phClr"/>
+        </a:solidFill>
+        <a:solidFill>
+          <a:schemeClr val="phClr">
+            <a:tint val="95000"/>
+            <a:satMod val="170000"/>
+          </a:schemeClr>
+        </a:solidFill>
+        <a:gradFill rotWithShape="1">
+          <a:gsLst>
+            <a:gs pos="0">
+              <a:schemeClr val="phClr">
+                <a:tint val="93000"/>
+                <a:satMod val="150000"/>
+                <a:shade val="98000"/>
+                <a:lumMod val="102000"/>
+              </a:schemeClr>
+            </a:gs>
+            <a:gs pos="50000">
+              <a:schemeClr val="phClr">
+                <a:tint val="98000"/>
+                <a:satMod val="130000"/>
+                <a:shade val="90000"/>
+                <a:lumMod val="103000"/>
+              </a:schemeClr>
+            </a:gs>
+            <a:gs pos="100000">
+              <a:schemeClr val="phClr">
+                <a:shade val="63000"/>
+                <a:satMod val="120000"/>
+              </a:schemeClr>
+            </a:gs>
+          </a:gsLst>
+          <a:lin ang="5400000" scaled="0"/>
+        </a:gradFill>
+      </a:bgFillStyleLst>
+    </a:fmtScheme>
+  </a:themeElements>
+  <a:objectDefaults/>
+  <a:extraClrSchemeLst/>
+  <a:extLst>
+    <a:ext uri="{05A4C25C-085E-4340-85A3-A5531E510DB2}">
+      <thm15:themeFamily xmlns:thm15="http://schemas.microsoft.com/office/thememl/2012/main" name="Office Theme" id="{62F939B6-93AF-4DB8-9C6B-D6C7DFDC589F}" vid="{4A3C46E8-61CC-4603-A589-7422A47A8E4A}"/>
+    </a:ext>
+  </a:extLst>
+</a:theme>
+</file>
+
+<file path=ppt/theme/theme3.xml><?xml version="1.0" encoding="utf-8"?>
 <a:theme xmlns:a="http://schemas.openxmlformats.org/drawingml/2006/main" name="Office Theme">
   <a:themeElements>
     <a:clrScheme name="Office">

--- a/module-2/ppt/2.0-introduction.pptx
+++ b/module-2/ppt/2.0-introduction.pptx
@@ -212,7 +212,7 @@
           <a:p>
             <a:fld id="{A2472FB4-D3E2-AE43-B634-FEEAFFC420FD}" type="datetimeFigureOut">
               <a:rPr lang="en-US" smtClean="0"/>
-              <a:t>10/19/20</a:t>
+              <a:t>11/16/20</a:t>
             </a:fld>
             <a:endParaRPr lang="en-US"/>
           </a:p>
@@ -4263,24 +4263,6 @@
       </p:grpSpPr>
       <p:sp>
         <p:nvSpPr>
-          <p:cNvPr id="2" name="Picture Placeholder 1">
-            <a:extLst>
-              <a:ext uri="{FF2B5EF4-FFF2-40B4-BE49-F238E27FC236}">
-                <a16:creationId xmlns:a16="http://schemas.microsoft.com/office/drawing/2014/main" id="{213C6985-EE72-0A43-AAEA-6945E231951C}"/>
-              </a:ext>
-            </a:extLst>
-          </p:cNvPr>
-          <p:cNvSpPr>
-            <a:spLocks noGrp="1"/>
-          </p:cNvSpPr>
-          <p:nvPr>
-            <p:ph type="pic" sz="quarter" idx="13"/>
-          </p:nvPr>
-        </p:nvSpPr>
-        <p:spPr/>
-      </p:sp>
-      <p:sp>
-        <p:nvSpPr>
           <p:cNvPr id="3" name="Title 2">
             <a:extLst>
               <a:ext uri="{FF2B5EF4-FFF2-40B4-BE49-F238E27FC236}">
@@ -4332,34 +4314,25 @@
           <a:p>
             <a:r>
               <a:rPr lang="en-US" dirty="0"/>
-              <a:t>Internet basics</a:t>
-            </a:r>
-          </a:p>
-          <a:p>
-            <a:endParaRPr lang="en-US" dirty="0"/>
+              <a:t>Describe the basic architecture of the internet and the mechanics of networked communications </a:t>
+            </a:r>
           </a:p>
           <a:p>
             <a:r>
               <a:rPr lang="en-US" dirty="0"/>
-              <a:t>Data acquisition</a:t>
-            </a:r>
-          </a:p>
-          <a:p>
-            <a:endParaRPr lang="en-US" dirty="0"/>
+              <a:t>Acquire and represent data for modeling and analysis</a:t>
+            </a:r>
           </a:p>
           <a:p>
             <a:r>
               <a:rPr lang="en-US" dirty="0"/>
-              <a:t>Application of (simple) models</a:t>
-            </a:r>
-          </a:p>
-          <a:p>
-            <a:endParaRPr lang="en-US" dirty="0"/>
-          </a:p>
-          <a:p>
-            <a:r>
-              <a:rPr lang="en-US" dirty="0"/>
-              <a:t>More complex applications</a:t>
+              <a:t>Implement simple supervised machine-learning models for cybersecurity applications</a:t>
+            </a:r>
+          </a:p>
+          <a:p>
+            <a:r>
+              <a:rPr lang="en-US"/>
+              <a:t>Analyze network traffic using unsupervised learning techniques, such as PCA and clustering</a:t>
             </a:r>
           </a:p>
         </p:txBody>

--- a/module-2/ppt/2.0-introduction.pptx
+++ b/module-2/ppt/2.0-introduction.pptx
@@ -4314,7 +4314,15 @@
           <a:p>
             <a:r>
               <a:rPr lang="en-US" dirty="0"/>
-              <a:t>Describe the basic architecture of the internet and the mechanics of networked communications </a:t>
+              <a:t>Describe the basic architecture of </a:t>
+            </a:r>
+            <a:r>
+              <a:rPr lang="en-US"/>
+              <a:t>the Internet </a:t>
+            </a:r>
+            <a:r>
+              <a:rPr lang="en-US" dirty="0"/>
+              <a:t>and the mechanics of networked communications </a:t>
             </a:r>
           </a:p>
           <a:p>
@@ -4331,7 +4339,7 @@
           </a:p>
           <a:p>
             <a:r>
-              <a:rPr lang="en-US"/>
+              <a:rPr lang="en-US" dirty="0"/>
               <a:t>Analyze network traffic using unsupervised learning techniques, such as PCA and clustering</a:t>
             </a:r>
           </a:p>

--- a/module-2/ppt/2.0-introduction.pptx
+++ b/module-2/ppt/2.0-introduction.pptx
@@ -6,18 +6,20 @@
     <p:sldMasterId id="2147483668" r:id="rId2"/>
   </p:sldMasterIdLst>
   <p:notesMasterIdLst>
-    <p:notesMasterId r:id="rId12"/>
+    <p:notesMasterId r:id="rId14"/>
   </p:notesMasterIdLst>
   <p:sldIdLst>
     <p:sldId id="285" r:id="rId3"/>
-    <p:sldId id="323" r:id="rId4"/>
-    <p:sldId id="403" r:id="rId5"/>
-    <p:sldId id="458" r:id="rId6"/>
-    <p:sldId id="463" r:id="rId7"/>
-    <p:sldId id="460" r:id="rId8"/>
-    <p:sldId id="578" r:id="rId9"/>
-    <p:sldId id="330" r:id="rId10"/>
-    <p:sldId id="2600" r:id="rId11"/>
+    <p:sldId id="327" r:id="rId4"/>
+    <p:sldId id="333" r:id="rId5"/>
+    <p:sldId id="323" r:id="rId6"/>
+    <p:sldId id="403" r:id="rId7"/>
+    <p:sldId id="458" r:id="rId8"/>
+    <p:sldId id="463" r:id="rId9"/>
+    <p:sldId id="460" r:id="rId10"/>
+    <p:sldId id="578" r:id="rId11"/>
+    <p:sldId id="330" r:id="rId12"/>
+    <p:sldId id="2600" r:id="rId13"/>
   </p:sldIdLst>
   <p:sldSz cx="12192000" cy="6858000"/>
   <p:notesSz cx="6858000" cy="9144000"/>
@@ -212,7 +214,7 @@
           <a:p>
             <a:fld id="{A2472FB4-D3E2-AE43-B634-FEEAFFC420FD}" type="datetimeFigureOut">
               <a:rPr lang="en-US" smtClean="0"/>
-              <a:t>11/16/20</a:t>
+              <a:t>2/8/21</a:t>
             </a:fld>
             <a:endParaRPr lang="en-US"/>
           </a:p>
@@ -523,7 +525,86 @@
           <a:bodyPr/>
           <a:lstStyle/>
           <a:p>
+            <a:pPr marL="0" marR="0" lvl="0" indent="0" algn="l" defTabSz="914400" rtl="0" eaLnBrk="1" fontAlgn="auto" latinLnBrk="0" hangingPunct="1">
+              <a:lnSpc>
+                <a:spcPct val="100000"/>
+              </a:lnSpc>
+              <a:spcBef>
+                <a:spcPts val="0"/>
+              </a:spcBef>
+              <a:spcAft>
+                <a:spcPts val="0"/>
+              </a:spcAft>
+              <a:buClrTx/>
+              <a:buSzTx/>
+              <a:buFontTx/>
+              <a:buNone/>
+              <a:tabLst/>
+              <a:defRPr/>
+            </a:pPr>
+            <a:r>
+              <a:rPr lang="en-US" dirty="0"/>
+              <a:t>A module focused on </a:t>
+            </a:r>
+            <a:r>
+              <a:rPr lang="en-US" b="1" dirty="0"/>
+              <a:t>machine learning fundamentals</a:t>
+            </a:r>
+            <a:r>
+              <a:rPr lang="en-US" dirty="0"/>
+              <a:t>, with </a:t>
+            </a:r>
+            <a:r>
+              <a:rPr lang="en-US" b="1" dirty="0"/>
+              <a:t>applications to security</a:t>
+            </a:r>
+            <a:r>
+              <a:rPr lang="en-US" dirty="0"/>
+              <a:t>. Introduction to the data science pipeline, and teach fundamental building blocks, from data ingestion and feature engineering to machine learning model selection. </a:t>
+            </a:r>
+          </a:p>
+          <a:p>
+            <a:pPr marL="0" marR="0" lvl="0" indent="0" algn="l" defTabSz="914400" rtl="0" eaLnBrk="1" fontAlgn="auto" latinLnBrk="0" hangingPunct="1">
+              <a:lnSpc>
+                <a:spcPct val="100000"/>
+              </a:lnSpc>
+              <a:spcBef>
+                <a:spcPts val="0"/>
+              </a:spcBef>
+              <a:spcAft>
+                <a:spcPts val="0"/>
+              </a:spcAft>
+              <a:buClrTx/>
+              <a:buSzTx/>
+              <a:buFontTx/>
+              <a:buNone/>
+              <a:tabLst/>
+              <a:defRPr/>
+            </a:pPr>
             <a:endParaRPr lang="en-US" dirty="0"/>
+          </a:p>
+          <a:p>
+            <a:pPr marL="0" marR="0" lvl="0" indent="0" algn="l" defTabSz="914400" rtl="0" eaLnBrk="1" fontAlgn="auto" latinLnBrk="0" hangingPunct="1">
+              <a:lnSpc>
+                <a:spcPct val="100000"/>
+              </a:lnSpc>
+              <a:spcBef>
+                <a:spcPts val="0"/>
+              </a:spcBef>
+              <a:spcAft>
+                <a:spcPts val="0"/>
+              </a:spcAft>
+              <a:buClrTx/>
+              <a:buSzTx/>
+              <a:buFontTx/>
+              <a:buNone/>
+              <a:tabLst/>
+              <a:defRPr/>
+            </a:pPr>
+            <a:r>
+              <a:rPr lang="en-US" dirty="0"/>
+              <a:t>Modeling; Representation; Environment; Constraints (?)</a:t>
+            </a:r>
           </a:p>
         </p:txBody>
       </p:sp>
@@ -542,9 +623,256 @@
           <a:bodyPr/>
           <a:lstStyle/>
           <a:p>
+            <a:fld id="{5707DA70-B503-1645-A111-858C3E791C84}" type="slidenum">
+              <a:rPr lang="en-US" smtClean="0"/>
+              <a:t>2</a:t>
+            </a:fld>
+            <a:endParaRPr lang="en-US"/>
+          </a:p>
+        </p:txBody>
+      </p:sp>
+    </p:spTree>
+    <p:extLst>
+      <p:ext uri="{BB962C8B-B14F-4D97-AF65-F5344CB8AC3E}">
+        <p14:creationId xmlns:p14="http://schemas.microsoft.com/office/powerpoint/2010/main" val="1944069232"/>
+      </p:ext>
+    </p:extLst>
+  </p:cSld>
+  <p:clrMapOvr>
+    <a:masterClrMapping/>
+  </p:clrMapOvr>
+</p:notes>
+</file>
+
+<file path=ppt/notesSlides/notesSlide2.xml><?xml version="1.0" encoding="utf-8"?>
+<p:notes xmlns:a="http://schemas.openxmlformats.org/drawingml/2006/main" xmlns:r="http://schemas.openxmlformats.org/officeDocument/2006/relationships" xmlns:p="http://schemas.openxmlformats.org/presentationml/2006/main">
+  <p:cSld>
+    <p:spTree>
+      <p:nvGrpSpPr>
+        <p:cNvPr id="1" name=""/>
+        <p:cNvGrpSpPr/>
+        <p:nvPr/>
+      </p:nvGrpSpPr>
+      <p:grpSpPr>
+        <a:xfrm>
+          <a:off x="0" y="0"/>
+          <a:ext cx="0" cy="0"/>
+          <a:chOff x="0" y="0"/>
+          <a:chExt cx="0" cy="0"/>
+        </a:xfrm>
+      </p:grpSpPr>
+      <p:sp>
+        <p:nvSpPr>
+          <p:cNvPr id="2" name="Slide Image Placeholder 1"/>
+          <p:cNvSpPr>
+            <a:spLocks noGrp="1" noRot="1" noChangeAspect="1"/>
+          </p:cNvSpPr>
+          <p:nvPr>
+            <p:ph type="sldImg"/>
+          </p:nvPr>
+        </p:nvSpPr>
+        <p:spPr/>
+      </p:sp>
+      <p:sp>
+        <p:nvSpPr>
+          <p:cNvPr id="3" name="Notes Placeholder 2"/>
+          <p:cNvSpPr>
+            <a:spLocks noGrp="1"/>
+          </p:cNvSpPr>
+          <p:nvPr>
+            <p:ph type="body" idx="1"/>
+          </p:nvPr>
+        </p:nvSpPr>
+        <p:spPr/>
+        <p:txBody>
+          <a:bodyPr/>
+          <a:lstStyle/>
+          <a:p>
+            <a:pPr marL="0" marR="0" lvl="0" indent="0" algn="l" defTabSz="914400" rtl="0" eaLnBrk="1" fontAlgn="auto" latinLnBrk="0" hangingPunct="1">
+              <a:lnSpc>
+                <a:spcPct val="100000"/>
+              </a:lnSpc>
+              <a:spcBef>
+                <a:spcPts val="0"/>
+              </a:spcBef>
+              <a:spcAft>
+                <a:spcPts val="0"/>
+              </a:spcAft>
+              <a:buClrTx/>
+              <a:buSzTx/>
+              <a:buFontTx/>
+              <a:buNone/>
+              <a:tabLst/>
+              <a:defRPr/>
+            </a:pPr>
+            <a:r>
+              <a:rPr lang="en-US" dirty="0"/>
+              <a:t>A module focused on </a:t>
+            </a:r>
+            <a:r>
+              <a:rPr lang="en-US" b="1" dirty="0"/>
+              <a:t>machine learning fundamentals</a:t>
+            </a:r>
+            <a:r>
+              <a:rPr lang="en-US" dirty="0"/>
+              <a:t>, with </a:t>
+            </a:r>
+            <a:r>
+              <a:rPr lang="en-US" b="1" dirty="0"/>
+              <a:t>applications to security</a:t>
+            </a:r>
+            <a:r>
+              <a:rPr lang="en-US" dirty="0"/>
+              <a:t>. Introduction to the data science pipeline, and teach fundamental building blocks, from data ingestion and feature engineering to machine learning model selection. </a:t>
+            </a:r>
+          </a:p>
+          <a:p>
+            <a:pPr marL="0" marR="0" lvl="0" indent="0" algn="l" defTabSz="914400" rtl="0" eaLnBrk="1" fontAlgn="auto" latinLnBrk="0" hangingPunct="1">
+              <a:lnSpc>
+                <a:spcPct val="100000"/>
+              </a:lnSpc>
+              <a:spcBef>
+                <a:spcPts val="0"/>
+              </a:spcBef>
+              <a:spcAft>
+                <a:spcPts val="0"/>
+              </a:spcAft>
+              <a:buClrTx/>
+              <a:buSzTx/>
+              <a:buFontTx/>
+              <a:buNone/>
+              <a:tabLst/>
+              <a:defRPr/>
+            </a:pPr>
+            <a:endParaRPr lang="en-US" dirty="0"/>
+          </a:p>
+          <a:p>
+            <a:pPr marL="0" marR="0" lvl="0" indent="0" algn="l" defTabSz="914400" rtl="0" eaLnBrk="1" fontAlgn="auto" latinLnBrk="0" hangingPunct="1">
+              <a:lnSpc>
+                <a:spcPct val="100000"/>
+              </a:lnSpc>
+              <a:spcBef>
+                <a:spcPts val="0"/>
+              </a:spcBef>
+              <a:spcAft>
+                <a:spcPts val="0"/>
+              </a:spcAft>
+              <a:buClrTx/>
+              <a:buSzTx/>
+              <a:buFontTx/>
+              <a:buNone/>
+              <a:tabLst/>
+              <a:defRPr/>
+            </a:pPr>
+            <a:r>
+              <a:rPr lang="en-US" dirty="0"/>
+              <a:t>Modeling; Representation; Environment; Constraints (?)</a:t>
+            </a:r>
+          </a:p>
+        </p:txBody>
+      </p:sp>
+      <p:sp>
+        <p:nvSpPr>
+          <p:cNvPr id="4" name="Slide Number Placeholder 3"/>
+          <p:cNvSpPr>
+            <a:spLocks noGrp="1"/>
+          </p:cNvSpPr>
+          <p:nvPr>
+            <p:ph type="sldNum" sz="quarter" idx="5"/>
+          </p:nvPr>
+        </p:nvSpPr>
+        <p:spPr/>
+        <p:txBody>
+          <a:bodyPr/>
+          <a:lstStyle/>
+          <a:p>
+            <a:fld id="{5707DA70-B503-1645-A111-858C3E791C84}" type="slidenum">
+              <a:rPr lang="en-US" smtClean="0"/>
+              <a:t>3</a:t>
+            </a:fld>
+            <a:endParaRPr lang="en-US"/>
+          </a:p>
+        </p:txBody>
+      </p:sp>
+    </p:spTree>
+    <p:extLst>
+      <p:ext uri="{BB962C8B-B14F-4D97-AF65-F5344CB8AC3E}">
+        <p14:creationId xmlns:p14="http://schemas.microsoft.com/office/powerpoint/2010/main" val="633243233"/>
+      </p:ext>
+    </p:extLst>
+  </p:cSld>
+  <p:clrMapOvr>
+    <a:masterClrMapping/>
+  </p:clrMapOvr>
+</p:notes>
+</file>
+
+<file path=ppt/notesSlides/notesSlide3.xml><?xml version="1.0" encoding="utf-8"?>
+<p:notes xmlns:a="http://schemas.openxmlformats.org/drawingml/2006/main" xmlns:r="http://schemas.openxmlformats.org/officeDocument/2006/relationships" xmlns:p="http://schemas.openxmlformats.org/presentationml/2006/main">
+  <p:cSld>
+    <p:spTree>
+      <p:nvGrpSpPr>
+        <p:cNvPr id="1" name=""/>
+        <p:cNvGrpSpPr/>
+        <p:nvPr/>
+      </p:nvGrpSpPr>
+      <p:grpSpPr>
+        <a:xfrm>
+          <a:off x="0" y="0"/>
+          <a:ext cx="0" cy="0"/>
+          <a:chOff x="0" y="0"/>
+          <a:chExt cx="0" cy="0"/>
+        </a:xfrm>
+      </p:grpSpPr>
+      <p:sp>
+        <p:nvSpPr>
+          <p:cNvPr id="2" name="Slide Image Placeholder 1"/>
+          <p:cNvSpPr>
+            <a:spLocks noGrp="1" noRot="1" noChangeAspect="1"/>
+          </p:cNvSpPr>
+          <p:nvPr>
+            <p:ph type="sldImg"/>
+          </p:nvPr>
+        </p:nvSpPr>
+        <p:spPr/>
+      </p:sp>
+      <p:sp>
+        <p:nvSpPr>
+          <p:cNvPr id="3" name="Notes Placeholder 2"/>
+          <p:cNvSpPr>
+            <a:spLocks noGrp="1"/>
+          </p:cNvSpPr>
+          <p:nvPr>
+            <p:ph type="body" idx="1"/>
+          </p:nvPr>
+        </p:nvSpPr>
+        <p:spPr/>
+        <p:txBody>
+          <a:bodyPr/>
+          <a:lstStyle/>
+          <a:p>
+            <a:endParaRPr lang="en-US" dirty="0"/>
+          </a:p>
+        </p:txBody>
+      </p:sp>
+      <p:sp>
+        <p:nvSpPr>
+          <p:cNvPr id="4" name="Slide Number Placeholder 3"/>
+          <p:cNvSpPr>
+            <a:spLocks noGrp="1"/>
+          </p:cNvSpPr>
+          <p:nvPr>
+            <p:ph type="sldNum" sz="quarter" idx="5"/>
+          </p:nvPr>
+        </p:nvSpPr>
+        <p:spPr/>
+        <p:txBody>
+          <a:bodyPr/>
+          <a:lstStyle/>
+          <a:p>
             <a:fld id="{12EABA4F-8584-FC4D-A7FB-0E68FC6C5183}" type="slidenum">
               <a:rPr lang="en-US" smtClean="0"/>
-              <a:t>7</a:t>
+              <a:t>9</a:t>
             </a:fld>
             <a:endParaRPr lang="en-US"/>
           </a:p>
@@ -3075,7 +3403,7 @@
 </p:sld>
 </file>
 
-<file path=ppt/slides/slide2.xml><?xml version="1.0" encoding="utf-8"?>
+<file path=ppt/slides/slide10.xml><?xml version="1.0" encoding="utf-8"?>
 <p:sld xmlns:a="http://schemas.openxmlformats.org/drawingml/2006/main" xmlns:r="http://schemas.openxmlformats.org/officeDocument/2006/relationships" xmlns:p="http://schemas.openxmlformats.org/presentationml/2006/main">
   <p:cSld>
     <p:spTree>
@@ -3115,6 +3443,2037 @@
           <a:p>
             <a:r>
               <a:rPr lang="en-US" dirty="0"/>
+              <a:t>Learning Objective</a:t>
+            </a:r>
+          </a:p>
+        </p:txBody>
+      </p:sp>
+    </p:spTree>
+    <p:extLst>
+      <p:ext uri="{BB962C8B-B14F-4D97-AF65-F5344CB8AC3E}">
+        <p14:creationId xmlns:p14="http://schemas.microsoft.com/office/powerpoint/2010/main" val="3961800190"/>
+      </p:ext>
+    </p:extLst>
+  </p:cSld>
+  <p:clrMapOvr>
+    <a:masterClrMapping/>
+  </p:clrMapOvr>
+</p:sld>
+</file>
+
+<file path=ppt/slides/slide11.xml><?xml version="1.0" encoding="utf-8"?>
+<p:sld xmlns:a="http://schemas.openxmlformats.org/drawingml/2006/main" xmlns:r="http://schemas.openxmlformats.org/officeDocument/2006/relationships" xmlns:p="http://schemas.openxmlformats.org/presentationml/2006/main">
+  <p:cSld>
+    <p:spTree>
+      <p:nvGrpSpPr>
+        <p:cNvPr id="1" name=""/>
+        <p:cNvGrpSpPr/>
+        <p:nvPr/>
+      </p:nvGrpSpPr>
+      <p:grpSpPr>
+        <a:xfrm>
+          <a:off x="0" y="0"/>
+          <a:ext cx="0" cy="0"/>
+          <a:chOff x="0" y="0"/>
+          <a:chExt cx="0" cy="0"/>
+        </a:xfrm>
+      </p:grpSpPr>
+      <p:sp>
+        <p:nvSpPr>
+          <p:cNvPr id="3" name="Title 2">
+            <a:extLst>
+              <a:ext uri="{FF2B5EF4-FFF2-40B4-BE49-F238E27FC236}">
+                <a16:creationId xmlns:a16="http://schemas.microsoft.com/office/drawing/2014/main" id="{57C85427-507A-F24A-B84C-839F4AA7755A}"/>
+              </a:ext>
+            </a:extLst>
+          </p:cNvPr>
+          <p:cNvSpPr>
+            <a:spLocks noGrp="1"/>
+          </p:cNvSpPr>
+          <p:nvPr>
+            <p:ph type="title"/>
+          </p:nvPr>
+        </p:nvSpPr>
+        <p:spPr/>
+        <p:txBody>
+          <a:bodyPr/>
+          <a:lstStyle/>
+          <a:p>
+            <a:r>
+              <a:rPr lang="en-US" dirty="0"/>
+              <a:t>Learning Objectives</a:t>
+            </a:r>
+          </a:p>
+        </p:txBody>
+      </p:sp>
+      <p:sp>
+        <p:nvSpPr>
+          <p:cNvPr id="4" name="Content Placeholder 3">
+            <a:extLst>
+              <a:ext uri="{FF2B5EF4-FFF2-40B4-BE49-F238E27FC236}">
+                <a16:creationId xmlns:a16="http://schemas.microsoft.com/office/drawing/2014/main" id="{20EF5A74-EDD2-A446-9DBF-9F27EEECF714}"/>
+              </a:ext>
+            </a:extLst>
+          </p:cNvPr>
+          <p:cNvSpPr>
+            <a:spLocks noGrp="1"/>
+          </p:cNvSpPr>
+          <p:nvPr>
+            <p:ph idx="1"/>
+          </p:nvPr>
+        </p:nvSpPr>
+        <p:spPr/>
+        <p:txBody>
+          <a:bodyPr>
+            <a:normAutofit/>
+          </a:bodyPr>
+          <a:lstStyle/>
+          <a:p>
+            <a:r>
+              <a:rPr lang="en-US" dirty="0"/>
+              <a:t>Describe the basic architecture of </a:t>
+            </a:r>
+            <a:r>
+              <a:rPr lang="en-US"/>
+              <a:t>the Internet </a:t>
+            </a:r>
+            <a:r>
+              <a:rPr lang="en-US" dirty="0"/>
+              <a:t>and the mechanics of networked communications </a:t>
+            </a:r>
+          </a:p>
+          <a:p>
+            <a:r>
+              <a:rPr lang="en-US" dirty="0"/>
+              <a:t>Acquire and represent data for modeling and analysis</a:t>
+            </a:r>
+          </a:p>
+          <a:p>
+            <a:r>
+              <a:rPr lang="en-US" dirty="0"/>
+              <a:t>Implement simple supervised machine-learning models for cybersecurity applications</a:t>
+            </a:r>
+          </a:p>
+          <a:p>
+            <a:r>
+              <a:rPr lang="en-US" dirty="0"/>
+              <a:t>Analyze network traffic using unsupervised learning techniques, such as PCA and clustering</a:t>
+            </a:r>
+          </a:p>
+        </p:txBody>
+      </p:sp>
+      <p:sp>
+        <p:nvSpPr>
+          <p:cNvPr id="5" name="Slide Number Placeholder 4">
+            <a:extLst>
+              <a:ext uri="{FF2B5EF4-FFF2-40B4-BE49-F238E27FC236}">
+                <a16:creationId xmlns:a16="http://schemas.microsoft.com/office/drawing/2014/main" id="{BCDEC3A3-1E34-4043-BB7E-8DF537EE3C66}"/>
+              </a:ext>
+            </a:extLst>
+          </p:cNvPr>
+          <p:cNvSpPr>
+            <a:spLocks noGrp="1"/>
+          </p:cNvSpPr>
+          <p:nvPr>
+            <p:ph type="sldNum" sz="quarter" idx="12"/>
+          </p:nvPr>
+        </p:nvSpPr>
+        <p:spPr/>
+        <p:txBody>
+          <a:bodyPr/>
+          <a:lstStyle/>
+          <a:p>
+            <a:fld id="{256CE055-ECFD-9048-9FD8-7E2D8656A4F7}" type="slidenum">
+              <a:rPr lang="en-US" smtClean="0"/>
+              <a:pPr/>
+              <a:t>11</a:t>
+            </a:fld>
+            <a:endParaRPr lang="en-US" dirty="0"/>
+          </a:p>
+        </p:txBody>
+      </p:sp>
+    </p:spTree>
+    <p:extLst>
+      <p:ext uri="{BB962C8B-B14F-4D97-AF65-F5344CB8AC3E}">
+        <p14:creationId xmlns:p14="http://schemas.microsoft.com/office/powerpoint/2010/main" val="99915697"/>
+      </p:ext>
+    </p:extLst>
+  </p:cSld>
+  <p:clrMapOvr>
+    <a:masterClrMapping/>
+  </p:clrMapOvr>
+</p:sld>
+</file>
+
+<file path=ppt/slides/slide2.xml><?xml version="1.0" encoding="utf-8"?>
+<p:sld xmlns:a="http://schemas.openxmlformats.org/drawingml/2006/main" xmlns:r="http://schemas.openxmlformats.org/officeDocument/2006/relationships" xmlns:p="http://schemas.openxmlformats.org/presentationml/2006/main">
+  <p:cSld>
+    <p:spTree>
+      <p:nvGrpSpPr>
+        <p:cNvPr id="1" name=""/>
+        <p:cNvGrpSpPr/>
+        <p:nvPr/>
+      </p:nvGrpSpPr>
+      <p:grpSpPr>
+        <a:xfrm>
+          <a:off x="0" y="0"/>
+          <a:ext cx="0" cy="0"/>
+          <a:chOff x="0" y="0"/>
+          <a:chExt cx="0" cy="0"/>
+        </a:xfrm>
+      </p:grpSpPr>
+      <p:sp>
+        <p:nvSpPr>
+          <p:cNvPr id="3" name="Title 2">
+            <a:extLst>
+              <a:ext uri="{FF2B5EF4-FFF2-40B4-BE49-F238E27FC236}">
+                <a16:creationId xmlns:a16="http://schemas.microsoft.com/office/drawing/2014/main" id="{46CF8940-0BF1-3C42-B43C-B740AFF4239A}"/>
+              </a:ext>
+            </a:extLst>
+          </p:cNvPr>
+          <p:cNvSpPr>
+            <a:spLocks noGrp="1"/>
+          </p:cNvSpPr>
+          <p:nvPr>
+            <p:ph type="title"/>
+          </p:nvPr>
+        </p:nvSpPr>
+        <p:spPr/>
+        <p:txBody>
+          <a:bodyPr/>
+          <a:lstStyle/>
+          <a:p>
+            <a:r>
+              <a:rPr lang="en-US" dirty="0"/>
+              <a:t>When Data Science Meets Cybersecurity</a:t>
+            </a:r>
+          </a:p>
+        </p:txBody>
+      </p:sp>
+      <p:grpSp>
+        <p:nvGrpSpPr>
+          <p:cNvPr id="19" name="Group 18">
+            <a:extLst>
+              <a:ext uri="{FF2B5EF4-FFF2-40B4-BE49-F238E27FC236}">
+                <a16:creationId xmlns:a16="http://schemas.microsoft.com/office/drawing/2014/main" id="{02F9FB7A-3BC2-534D-8330-D4D991DFDFB3}"/>
+              </a:ext>
+            </a:extLst>
+          </p:cNvPr>
+          <p:cNvGrpSpPr/>
+          <p:nvPr/>
+        </p:nvGrpSpPr>
+        <p:grpSpPr>
+          <a:xfrm>
+            <a:off x="398812" y="2152802"/>
+            <a:ext cx="2023614" cy="1833908"/>
+            <a:chOff x="2537459" y="1445872"/>
+            <a:chExt cx="2240281" cy="1332378"/>
+          </a:xfrm>
+        </p:grpSpPr>
+        <p:sp>
+          <p:nvSpPr>
+            <p:cNvPr id="20" name="Rectangle 19">
+              <a:extLst>
+                <a:ext uri="{FF2B5EF4-FFF2-40B4-BE49-F238E27FC236}">
+                  <a16:creationId xmlns:a16="http://schemas.microsoft.com/office/drawing/2014/main" id="{1167E967-47E3-4F4B-A160-0D3DE0D030C8}"/>
+                </a:ext>
+              </a:extLst>
+            </p:cNvPr>
+            <p:cNvSpPr/>
+            <p:nvPr/>
+          </p:nvSpPr>
+          <p:spPr>
+            <a:xfrm>
+              <a:off x="2537460" y="1445872"/>
+              <a:ext cx="2240280" cy="542949"/>
+            </a:xfrm>
+            <a:prstGeom prst="rect">
+              <a:avLst/>
+            </a:prstGeom>
+          </p:spPr>
+          <p:style>
+            <a:lnRef idx="2">
+              <a:schemeClr val="accent1">
+                <a:shade val="50000"/>
+              </a:schemeClr>
+            </a:lnRef>
+            <a:fillRef idx="1">
+              <a:schemeClr val="accent1"/>
+            </a:fillRef>
+            <a:effectRef idx="0">
+              <a:schemeClr val="accent1"/>
+            </a:effectRef>
+            <a:fontRef idx="minor">
+              <a:schemeClr val="lt1"/>
+            </a:fontRef>
+          </p:style>
+          <p:txBody>
+            <a:bodyPr rtlCol="0" anchor="ctr"/>
+            <a:lstStyle/>
+            <a:p>
+              <a:pPr algn="ctr"/>
+              <a:r>
+                <a:rPr lang="en-US" b="1" dirty="0"/>
+                <a:t>Data Collection</a:t>
+              </a:r>
+            </a:p>
+          </p:txBody>
+        </p:sp>
+        <p:sp>
+          <p:nvSpPr>
+            <p:cNvPr id="21" name="Rectangle 20">
+              <a:extLst>
+                <a:ext uri="{FF2B5EF4-FFF2-40B4-BE49-F238E27FC236}">
+                  <a16:creationId xmlns:a16="http://schemas.microsoft.com/office/drawing/2014/main" id="{69608ED0-9D95-194B-9573-C66D9DFAE3A7}"/>
+                </a:ext>
+              </a:extLst>
+            </p:cNvPr>
+            <p:cNvSpPr/>
+            <p:nvPr/>
+          </p:nvSpPr>
+          <p:spPr>
+            <a:xfrm>
+              <a:off x="2537459" y="1988820"/>
+              <a:ext cx="2240280" cy="789430"/>
+            </a:xfrm>
+            <a:prstGeom prst="rect">
+              <a:avLst/>
+            </a:prstGeom>
+            <a:solidFill>
+              <a:schemeClr val="bg1"/>
+            </a:solidFill>
+          </p:spPr>
+          <p:style>
+            <a:lnRef idx="2">
+              <a:schemeClr val="accent1">
+                <a:shade val="50000"/>
+              </a:schemeClr>
+            </a:lnRef>
+            <a:fillRef idx="1">
+              <a:schemeClr val="accent1"/>
+            </a:fillRef>
+            <a:effectRef idx="0">
+              <a:schemeClr val="accent1"/>
+            </a:effectRef>
+            <a:fontRef idx="minor">
+              <a:schemeClr val="lt1"/>
+            </a:fontRef>
+          </p:style>
+          <p:txBody>
+            <a:bodyPr rtlCol="0" anchor="ctr"/>
+            <a:lstStyle/>
+            <a:p>
+              <a:pPr algn="ctr"/>
+              <a:r>
+                <a:rPr lang="en-US" sz="1600" dirty="0">
+                  <a:solidFill>
+                    <a:schemeClr val="bg2">
+                      <a:lumMod val="75000"/>
+                    </a:schemeClr>
+                  </a:solidFill>
+                </a:rPr>
+                <a:t>Missing data</a:t>
+              </a:r>
+            </a:p>
+            <a:p>
+              <a:pPr algn="ctr"/>
+              <a:r>
+                <a:rPr lang="en-US" sz="1600" dirty="0">
+                  <a:solidFill>
+                    <a:schemeClr val="bg2">
+                      <a:lumMod val="75000"/>
+                    </a:schemeClr>
+                  </a:solidFill>
+                </a:rPr>
+                <a:t>Acquisition cost</a:t>
+              </a:r>
+            </a:p>
+            <a:p>
+              <a:pPr algn="ctr"/>
+              <a:r>
+                <a:rPr lang="en-US" sz="1600" dirty="0">
+                  <a:solidFill>
+                    <a:schemeClr val="bg2">
+                      <a:lumMod val="75000"/>
+                    </a:schemeClr>
+                  </a:solidFill>
+                </a:rPr>
+                <a:t>…</a:t>
+              </a:r>
+            </a:p>
+          </p:txBody>
+        </p:sp>
+      </p:grpSp>
+      <p:grpSp>
+        <p:nvGrpSpPr>
+          <p:cNvPr id="22" name="Group 21">
+            <a:extLst>
+              <a:ext uri="{FF2B5EF4-FFF2-40B4-BE49-F238E27FC236}">
+                <a16:creationId xmlns:a16="http://schemas.microsoft.com/office/drawing/2014/main" id="{CD6C8C76-A8D9-5941-8473-744D21E2D642}"/>
+              </a:ext>
+            </a:extLst>
+          </p:cNvPr>
+          <p:cNvGrpSpPr/>
+          <p:nvPr/>
+        </p:nvGrpSpPr>
+        <p:grpSpPr>
+          <a:xfrm>
+            <a:off x="3043979" y="2169709"/>
+            <a:ext cx="2183671" cy="1854377"/>
+            <a:chOff x="2537460" y="1431001"/>
+            <a:chExt cx="2240280" cy="1347250"/>
+          </a:xfrm>
+        </p:grpSpPr>
+        <p:sp>
+          <p:nvSpPr>
+            <p:cNvPr id="23" name="Rectangle 22">
+              <a:extLst>
+                <a:ext uri="{FF2B5EF4-FFF2-40B4-BE49-F238E27FC236}">
+                  <a16:creationId xmlns:a16="http://schemas.microsoft.com/office/drawing/2014/main" id="{CB1FDD5D-8653-D743-BF37-D0CBA23AD517}"/>
+                </a:ext>
+              </a:extLst>
+            </p:cNvPr>
+            <p:cNvSpPr/>
+            <p:nvPr/>
+          </p:nvSpPr>
+          <p:spPr>
+            <a:xfrm>
+              <a:off x="2537460" y="1431001"/>
+              <a:ext cx="2240280" cy="557819"/>
+            </a:xfrm>
+            <a:prstGeom prst="rect">
+              <a:avLst/>
+            </a:prstGeom>
+          </p:spPr>
+          <p:style>
+            <a:lnRef idx="2">
+              <a:schemeClr val="accent1">
+                <a:shade val="50000"/>
+              </a:schemeClr>
+            </a:lnRef>
+            <a:fillRef idx="1">
+              <a:schemeClr val="accent1"/>
+            </a:fillRef>
+            <a:effectRef idx="0">
+              <a:schemeClr val="accent1"/>
+            </a:effectRef>
+            <a:fontRef idx="minor">
+              <a:schemeClr val="lt1"/>
+            </a:fontRef>
+          </p:style>
+          <p:txBody>
+            <a:bodyPr rtlCol="0" anchor="ctr"/>
+            <a:lstStyle/>
+            <a:p>
+              <a:pPr algn="ctr"/>
+              <a:r>
+                <a:rPr lang="en-US" b="1" dirty="0"/>
+                <a:t>Data Representation</a:t>
+              </a:r>
+            </a:p>
+          </p:txBody>
+        </p:sp>
+        <p:sp>
+          <p:nvSpPr>
+            <p:cNvPr id="24" name="Rectangle 23">
+              <a:extLst>
+                <a:ext uri="{FF2B5EF4-FFF2-40B4-BE49-F238E27FC236}">
+                  <a16:creationId xmlns:a16="http://schemas.microsoft.com/office/drawing/2014/main" id="{CAF8320A-7356-6448-9973-2621BAC424A3}"/>
+                </a:ext>
+              </a:extLst>
+            </p:cNvPr>
+            <p:cNvSpPr/>
+            <p:nvPr/>
+          </p:nvSpPr>
+          <p:spPr>
+            <a:xfrm>
+              <a:off x="2537460" y="1988821"/>
+              <a:ext cx="2240280" cy="789430"/>
+            </a:xfrm>
+            <a:prstGeom prst="rect">
+              <a:avLst/>
+            </a:prstGeom>
+            <a:solidFill>
+              <a:schemeClr val="bg1"/>
+            </a:solidFill>
+          </p:spPr>
+          <p:style>
+            <a:lnRef idx="2">
+              <a:schemeClr val="accent1">
+                <a:shade val="50000"/>
+              </a:schemeClr>
+            </a:lnRef>
+            <a:fillRef idx="1">
+              <a:schemeClr val="accent1"/>
+            </a:fillRef>
+            <a:effectRef idx="0">
+              <a:schemeClr val="accent1"/>
+            </a:effectRef>
+            <a:fontRef idx="minor">
+              <a:schemeClr val="lt1"/>
+            </a:fontRef>
+          </p:style>
+          <p:txBody>
+            <a:bodyPr rtlCol="0" anchor="ctr"/>
+            <a:lstStyle/>
+            <a:p>
+              <a:pPr algn="ctr"/>
+              <a:r>
+                <a:rPr lang="en-US" sz="1600" dirty="0">
+                  <a:solidFill>
+                    <a:schemeClr val="bg2">
+                      <a:lumMod val="75000"/>
+                    </a:schemeClr>
+                  </a:solidFill>
+                </a:rPr>
+                <a:t>Interpretability; Fairness;</a:t>
+              </a:r>
+            </a:p>
+            <a:p>
+              <a:pPr algn="ctr"/>
+              <a:r>
+                <a:rPr lang="en-US" sz="1600" dirty="0">
+                  <a:solidFill>
+                    <a:schemeClr val="bg2">
+                      <a:lumMod val="75000"/>
+                    </a:schemeClr>
+                  </a:solidFill>
+                </a:rPr>
+                <a:t>Anonymization</a:t>
+              </a:r>
+            </a:p>
+          </p:txBody>
+        </p:sp>
+      </p:grpSp>
+      <p:grpSp>
+        <p:nvGrpSpPr>
+          <p:cNvPr id="25" name="Group 24">
+            <a:extLst>
+              <a:ext uri="{FF2B5EF4-FFF2-40B4-BE49-F238E27FC236}">
+                <a16:creationId xmlns:a16="http://schemas.microsoft.com/office/drawing/2014/main" id="{1C9F1B78-0C81-104D-B52D-DB6A0FD8453C}"/>
+              </a:ext>
+            </a:extLst>
+          </p:cNvPr>
+          <p:cNvGrpSpPr/>
+          <p:nvPr/>
+        </p:nvGrpSpPr>
+        <p:grpSpPr>
+          <a:xfrm>
+            <a:off x="5813140" y="2169710"/>
+            <a:ext cx="2379873" cy="1854376"/>
+            <a:chOff x="2537460" y="1431001"/>
+            <a:chExt cx="2240280" cy="1347250"/>
+          </a:xfrm>
+        </p:grpSpPr>
+        <p:sp>
+          <p:nvSpPr>
+            <p:cNvPr id="26" name="Rectangle 25">
+              <a:extLst>
+                <a:ext uri="{FF2B5EF4-FFF2-40B4-BE49-F238E27FC236}">
+                  <a16:creationId xmlns:a16="http://schemas.microsoft.com/office/drawing/2014/main" id="{7355A74D-D0BF-1644-95CC-85F1F54E13E8}"/>
+                </a:ext>
+              </a:extLst>
+            </p:cNvPr>
+            <p:cNvSpPr/>
+            <p:nvPr/>
+          </p:nvSpPr>
+          <p:spPr>
+            <a:xfrm>
+              <a:off x="2537460" y="1431001"/>
+              <a:ext cx="2240280" cy="557819"/>
+            </a:xfrm>
+            <a:prstGeom prst="rect">
+              <a:avLst/>
+            </a:prstGeom>
+          </p:spPr>
+          <p:style>
+            <a:lnRef idx="2">
+              <a:schemeClr val="accent1">
+                <a:shade val="50000"/>
+              </a:schemeClr>
+            </a:lnRef>
+            <a:fillRef idx="1">
+              <a:schemeClr val="accent1"/>
+            </a:fillRef>
+            <a:effectRef idx="0">
+              <a:schemeClr val="accent1"/>
+            </a:effectRef>
+            <a:fontRef idx="minor">
+              <a:schemeClr val="lt1"/>
+            </a:fontRef>
+          </p:style>
+          <p:txBody>
+            <a:bodyPr rtlCol="0" anchor="ctr"/>
+            <a:lstStyle/>
+            <a:p>
+              <a:pPr algn="ctr"/>
+              <a:r>
+                <a:rPr lang="en-US" b="1" dirty="0"/>
+                <a:t>Modeling</a:t>
+              </a:r>
+            </a:p>
+          </p:txBody>
+        </p:sp>
+        <p:sp>
+          <p:nvSpPr>
+            <p:cNvPr id="27" name="Rectangle 26">
+              <a:extLst>
+                <a:ext uri="{FF2B5EF4-FFF2-40B4-BE49-F238E27FC236}">
+                  <a16:creationId xmlns:a16="http://schemas.microsoft.com/office/drawing/2014/main" id="{895D29CC-01C3-4643-96B3-42E682A7D55A}"/>
+                </a:ext>
+              </a:extLst>
+            </p:cNvPr>
+            <p:cNvSpPr/>
+            <p:nvPr/>
+          </p:nvSpPr>
+          <p:spPr>
+            <a:xfrm>
+              <a:off x="2537460" y="1988821"/>
+              <a:ext cx="2240280" cy="789430"/>
+            </a:xfrm>
+            <a:prstGeom prst="rect">
+              <a:avLst/>
+            </a:prstGeom>
+            <a:solidFill>
+              <a:schemeClr val="bg1"/>
+            </a:solidFill>
+          </p:spPr>
+          <p:style>
+            <a:lnRef idx="2">
+              <a:schemeClr val="accent1">
+                <a:shade val="50000"/>
+              </a:schemeClr>
+            </a:lnRef>
+            <a:fillRef idx="1">
+              <a:schemeClr val="accent1"/>
+            </a:fillRef>
+            <a:effectRef idx="0">
+              <a:schemeClr val="accent1"/>
+            </a:effectRef>
+            <a:fontRef idx="minor">
+              <a:schemeClr val="lt1"/>
+            </a:fontRef>
+          </p:style>
+          <p:txBody>
+            <a:bodyPr rtlCol="0" anchor="ctr"/>
+            <a:lstStyle/>
+            <a:p>
+              <a:pPr algn="ctr"/>
+              <a:r>
+                <a:rPr lang="en-US" sz="1600" dirty="0">
+                  <a:solidFill>
+                    <a:schemeClr val="bg2">
+                      <a:lumMod val="75000"/>
+                    </a:schemeClr>
+                  </a:solidFill>
+                </a:rPr>
+                <a:t>Efficiency; Accuracy; Interpretability; Adversarial resistance;</a:t>
+              </a:r>
+            </a:p>
+            <a:p>
+              <a:pPr algn="ctr"/>
+              <a:r>
+                <a:rPr lang="en-US" sz="1600" dirty="0">
+                  <a:solidFill>
+                    <a:schemeClr val="bg2">
+                      <a:lumMod val="75000"/>
+                    </a:schemeClr>
+                  </a:solidFill>
+                </a:rPr>
+                <a:t>…</a:t>
+              </a:r>
+            </a:p>
+          </p:txBody>
+        </p:sp>
+      </p:grpSp>
+      <p:grpSp>
+        <p:nvGrpSpPr>
+          <p:cNvPr id="28" name="Group 27">
+            <a:extLst>
+              <a:ext uri="{FF2B5EF4-FFF2-40B4-BE49-F238E27FC236}">
+                <a16:creationId xmlns:a16="http://schemas.microsoft.com/office/drawing/2014/main" id="{C8682C49-164B-EF45-9AB8-0CC87262B6A4}"/>
+              </a:ext>
+            </a:extLst>
+          </p:cNvPr>
+          <p:cNvGrpSpPr/>
+          <p:nvPr/>
+        </p:nvGrpSpPr>
+        <p:grpSpPr>
+          <a:xfrm>
+            <a:off x="8814567" y="2152801"/>
+            <a:ext cx="2379873" cy="1833912"/>
+            <a:chOff x="2537460" y="1444323"/>
+            <a:chExt cx="2240280" cy="933120"/>
+          </a:xfrm>
+        </p:grpSpPr>
+        <p:sp>
+          <p:nvSpPr>
+            <p:cNvPr id="29" name="Rectangle 28">
+              <a:extLst>
+                <a:ext uri="{FF2B5EF4-FFF2-40B4-BE49-F238E27FC236}">
+                  <a16:creationId xmlns:a16="http://schemas.microsoft.com/office/drawing/2014/main" id="{67E86DE2-D770-0347-916D-DD0AC3062C46}"/>
+                </a:ext>
+              </a:extLst>
+            </p:cNvPr>
+            <p:cNvSpPr/>
+            <p:nvPr/>
+          </p:nvSpPr>
+          <p:spPr>
+            <a:xfrm>
+              <a:off x="2537460" y="1444323"/>
+              <a:ext cx="2240280" cy="390663"/>
+            </a:xfrm>
+            <a:prstGeom prst="rect">
+              <a:avLst/>
+            </a:prstGeom>
+          </p:spPr>
+          <p:style>
+            <a:lnRef idx="2">
+              <a:schemeClr val="accent1">
+                <a:shade val="50000"/>
+              </a:schemeClr>
+            </a:lnRef>
+            <a:fillRef idx="1">
+              <a:schemeClr val="accent1"/>
+            </a:fillRef>
+            <a:effectRef idx="0">
+              <a:schemeClr val="accent1"/>
+            </a:effectRef>
+            <a:fontRef idx="minor">
+              <a:schemeClr val="lt1"/>
+            </a:fontRef>
+          </p:style>
+          <p:txBody>
+            <a:bodyPr rtlCol="0" anchor="ctr"/>
+            <a:lstStyle/>
+            <a:p>
+              <a:pPr algn="ctr"/>
+              <a:r>
+                <a:rPr lang="en-US" b="1" dirty="0"/>
+                <a:t>Deployment</a:t>
+              </a:r>
+            </a:p>
+          </p:txBody>
+        </p:sp>
+        <p:sp>
+          <p:nvSpPr>
+            <p:cNvPr id="30" name="Rectangle 29">
+              <a:extLst>
+                <a:ext uri="{FF2B5EF4-FFF2-40B4-BE49-F238E27FC236}">
+                  <a16:creationId xmlns:a16="http://schemas.microsoft.com/office/drawing/2014/main" id="{D1E57660-43FC-8A44-8043-C10FB1545BC1}"/>
+                </a:ext>
+              </a:extLst>
+            </p:cNvPr>
+            <p:cNvSpPr/>
+            <p:nvPr/>
+          </p:nvSpPr>
+          <p:spPr>
+            <a:xfrm>
+              <a:off x="2537460" y="1834987"/>
+              <a:ext cx="2240280" cy="542456"/>
+            </a:xfrm>
+            <a:prstGeom prst="rect">
+              <a:avLst/>
+            </a:prstGeom>
+            <a:solidFill>
+              <a:schemeClr val="bg1"/>
+            </a:solidFill>
+          </p:spPr>
+          <p:style>
+            <a:lnRef idx="2">
+              <a:schemeClr val="accent1">
+                <a:shade val="50000"/>
+              </a:schemeClr>
+            </a:lnRef>
+            <a:fillRef idx="1">
+              <a:schemeClr val="accent1"/>
+            </a:fillRef>
+            <a:effectRef idx="0">
+              <a:schemeClr val="accent1"/>
+            </a:effectRef>
+            <a:fontRef idx="minor">
+              <a:schemeClr val="lt1"/>
+            </a:fontRef>
+          </p:style>
+          <p:txBody>
+            <a:bodyPr rtlCol="0" anchor="ctr"/>
+            <a:lstStyle/>
+            <a:p>
+              <a:pPr algn="ctr"/>
+              <a:r>
+                <a:rPr lang="en-US" sz="1600" dirty="0">
+                  <a:solidFill>
+                    <a:schemeClr val="bg2">
+                      <a:lumMod val="75000"/>
+                    </a:schemeClr>
+                  </a:solidFill>
+                </a:rPr>
+                <a:t>Ethics, Fairness, Responsibility, </a:t>
+              </a:r>
+            </a:p>
+            <a:p>
+              <a:pPr algn="ctr"/>
+              <a:r>
+                <a:rPr lang="en-US" sz="1600" dirty="0">
+                  <a:solidFill>
+                    <a:schemeClr val="bg2">
+                      <a:lumMod val="75000"/>
+                    </a:schemeClr>
+                  </a:solidFill>
+                </a:rPr>
+                <a:t>and Transparency</a:t>
+              </a:r>
+            </a:p>
+          </p:txBody>
+        </p:sp>
+      </p:grpSp>
+      <p:sp>
+        <p:nvSpPr>
+          <p:cNvPr id="31" name="Right Arrow 30">
+            <a:extLst>
+              <a:ext uri="{FF2B5EF4-FFF2-40B4-BE49-F238E27FC236}">
+                <a16:creationId xmlns:a16="http://schemas.microsoft.com/office/drawing/2014/main" id="{687043B9-15BB-644E-9165-FCDFD4C554A5}"/>
+              </a:ext>
+            </a:extLst>
+          </p:cNvPr>
+          <p:cNvSpPr/>
+          <p:nvPr/>
+        </p:nvSpPr>
+        <p:spPr>
+          <a:xfrm>
+            <a:off x="2574903" y="2900125"/>
+            <a:ext cx="323125" cy="196770"/>
+          </a:xfrm>
+          <a:prstGeom prst="rightArrow">
+            <a:avLst/>
+          </a:prstGeom>
+        </p:spPr>
+        <p:style>
+          <a:lnRef idx="2">
+            <a:schemeClr val="accent1">
+              <a:shade val="50000"/>
+            </a:schemeClr>
+          </a:lnRef>
+          <a:fillRef idx="1">
+            <a:schemeClr val="accent1"/>
+          </a:fillRef>
+          <a:effectRef idx="0">
+            <a:schemeClr val="accent1"/>
+          </a:effectRef>
+          <a:fontRef idx="minor">
+            <a:schemeClr val="lt1"/>
+          </a:fontRef>
+        </p:style>
+        <p:txBody>
+          <a:bodyPr rtlCol="0" anchor="ctr"/>
+          <a:lstStyle/>
+          <a:p>
+            <a:pPr algn="ctr"/>
+            <a:endParaRPr lang="en-US"/>
+          </a:p>
+        </p:txBody>
+      </p:sp>
+      <p:sp>
+        <p:nvSpPr>
+          <p:cNvPr id="32" name="Right Arrow 31">
+            <a:extLst>
+              <a:ext uri="{FF2B5EF4-FFF2-40B4-BE49-F238E27FC236}">
+                <a16:creationId xmlns:a16="http://schemas.microsoft.com/office/drawing/2014/main" id="{6E2AF713-7698-934E-BA9F-8E69AD3C6A01}"/>
+              </a:ext>
+            </a:extLst>
+          </p:cNvPr>
+          <p:cNvSpPr/>
+          <p:nvPr/>
+        </p:nvSpPr>
+        <p:spPr>
+          <a:xfrm>
+            <a:off x="5373601" y="2900122"/>
+            <a:ext cx="328928" cy="196773"/>
+          </a:xfrm>
+          <a:prstGeom prst="rightArrow">
+            <a:avLst/>
+          </a:prstGeom>
+        </p:spPr>
+        <p:style>
+          <a:lnRef idx="2">
+            <a:schemeClr val="accent1">
+              <a:shade val="50000"/>
+            </a:schemeClr>
+          </a:lnRef>
+          <a:fillRef idx="1">
+            <a:schemeClr val="accent1"/>
+          </a:fillRef>
+          <a:effectRef idx="0">
+            <a:schemeClr val="accent1"/>
+          </a:effectRef>
+          <a:fontRef idx="minor">
+            <a:schemeClr val="lt1"/>
+          </a:fontRef>
+        </p:style>
+        <p:txBody>
+          <a:bodyPr rtlCol="0" anchor="ctr"/>
+          <a:lstStyle/>
+          <a:p>
+            <a:pPr algn="ctr"/>
+            <a:endParaRPr lang="en-US"/>
+          </a:p>
+        </p:txBody>
+      </p:sp>
+      <p:sp>
+        <p:nvSpPr>
+          <p:cNvPr id="4" name="Bent-Up Arrow 3">
+            <a:extLst>
+              <a:ext uri="{FF2B5EF4-FFF2-40B4-BE49-F238E27FC236}">
+                <a16:creationId xmlns:a16="http://schemas.microsoft.com/office/drawing/2014/main" id="{28682DEA-3711-9F44-B2F0-6550FE62E21C}"/>
+              </a:ext>
+            </a:extLst>
+          </p:cNvPr>
+          <p:cNvSpPr/>
+          <p:nvPr/>
+        </p:nvSpPr>
+        <p:spPr>
+          <a:xfrm flipH="1">
+            <a:off x="1148374" y="4274500"/>
+            <a:ext cx="10205425" cy="902527"/>
+          </a:xfrm>
+          <a:prstGeom prst="bentUpArrow">
+            <a:avLst>
+              <a:gd name="adj1" fmla="val 16041"/>
+              <a:gd name="adj2" fmla="val 20207"/>
+              <a:gd name="adj3" fmla="val 25170"/>
+            </a:avLst>
+          </a:prstGeom>
+        </p:spPr>
+        <p:style>
+          <a:lnRef idx="2">
+            <a:schemeClr val="accent1">
+              <a:shade val="50000"/>
+            </a:schemeClr>
+          </a:lnRef>
+          <a:fillRef idx="1">
+            <a:schemeClr val="accent1"/>
+          </a:fillRef>
+          <a:effectRef idx="0">
+            <a:schemeClr val="accent1"/>
+          </a:effectRef>
+          <a:fontRef idx="minor">
+            <a:schemeClr val="lt1"/>
+          </a:fontRef>
+        </p:style>
+        <p:txBody>
+          <a:bodyPr rtlCol="0" anchor="ctr"/>
+          <a:lstStyle/>
+          <a:p>
+            <a:pPr algn="ctr"/>
+            <a:endParaRPr lang="en-US"/>
+          </a:p>
+        </p:txBody>
+      </p:sp>
+      <p:sp>
+        <p:nvSpPr>
+          <p:cNvPr id="42" name="Right Arrow 41">
+            <a:extLst>
+              <a:ext uri="{FF2B5EF4-FFF2-40B4-BE49-F238E27FC236}">
+                <a16:creationId xmlns:a16="http://schemas.microsoft.com/office/drawing/2014/main" id="{E59032F9-AEB3-194D-9B50-C5B0D0C27507}"/>
+              </a:ext>
+            </a:extLst>
+          </p:cNvPr>
+          <p:cNvSpPr/>
+          <p:nvPr/>
+        </p:nvSpPr>
+        <p:spPr>
+          <a:xfrm>
+            <a:off x="8339326" y="2903487"/>
+            <a:ext cx="328928" cy="196773"/>
+          </a:xfrm>
+          <a:prstGeom prst="rightArrow">
+            <a:avLst/>
+          </a:prstGeom>
+        </p:spPr>
+        <p:style>
+          <a:lnRef idx="2">
+            <a:schemeClr val="accent1">
+              <a:shade val="50000"/>
+            </a:schemeClr>
+          </a:lnRef>
+          <a:fillRef idx="1">
+            <a:schemeClr val="accent1"/>
+          </a:fillRef>
+          <a:effectRef idx="0">
+            <a:schemeClr val="accent1"/>
+          </a:effectRef>
+          <a:fontRef idx="minor">
+            <a:schemeClr val="lt1"/>
+          </a:fontRef>
+        </p:style>
+        <p:txBody>
+          <a:bodyPr rtlCol="0" anchor="ctr"/>
+          <a:lstStyle/>
+          <a:p>
+            <a:pPr algn="ctr"/>
+            <a:endParaRPr lang="en-US"/>
+          </a:p>
+        </p:txBody>
+      </p:sp>
+      <p:sp>
+        <p:nvSpPr>
+          <p:cNvPr id="46" name="U-Turn Arrow 45">
+            <a:extLst>
+              <a:ext uri="{FF2B5EF4-FFF2-40B4-BE49-F238E27FC236}">
+                <a16:creationId xmlns:a16="http://schemas.microsoft.com/office/drawing/2014/main" id="{89B0BE2E-48D4-0241-8B00-E376230C5315}"/>
+              </a:ext>
+            </a:extLst>
+          </p:cNvPr>
+          <p:cNvSpPr/>
+          <p:nvPr/>
+        </p:nvSpPr>
+        <p:spPr>
+          <a:xfrm rot="5400000">
+            <a:off x="10382294" y="3870094"/>
+            <a:ext cx="2270714" cy="439390"/>
+          </a:xfrm>
+          <a:prstGeom prst="uturnArrow">
+            <a:avLst>
+              <a:gd name="adj1" fmla="val 28221"/>
+              <a:gd name="adj2" fmla="val 25000"/>
+              <a:gd name="adj3" fmla="val 25000"/>
+              <a:gd name="adj4" fmla="val 43750"/>
+              <a:gd name="adj5" fmla="val 75000"/>
+            </a:avLst>
+          </a:prstGeom>
+        </p:spPr>
+        <p:style>
+          <a:lnRef idx="2">
+            <a:schemeClr val="accent1">
+              <a:shade val="50000"/>
+            </a:schemeClr>
+          </a:lnRef>
+          <a:fillRef idx="1">
+            <a:schemeClr val="accent1"/>
+          </a:fillRef>
+          <a:effectRef idx="0">
+            <a:schemeClr val="accent1"/>
+          </a:effectRef>
+          <a:fontRef idx="minor">
+            <a:schemeClr val="lt1"/>
+          </a:fontRef>
+        </p:style>
+        <p:txBody>
+          <a:bodyPr rtlCol="0" anchor="ctr"/>
+          <a:lstStyle/>
+          <a:p>
+            <a:pPr algn="ctr"/>
+            <a:endParaRPr lang="en-US">
+              <a:solidFill>
+                <a:schemeClr val="tx1"/>
+              </a:solidFill>
+            </a:endParaRPr>
+          </a:p>
+        </p:txBody>
+      </p:sp>
+      <p:sp>
+        <p:nvSpPr>
+          <p:cNvPr id="2" name="Left Brace 1">
+            <a:extLst>
+              <a:ext uri="{FF2B5EF4-FFF2-40B4-BE49-F238E27FC236}">
+                <a16:creationId xmlns:a16="http://schemas.microsoft.com/office/drawing/2014/main" id="{E5AED0CF-06E6-A741-BB61-59565F7A4361}"/>
+              </a:ext>
+            </a:extLst>
+          </p:cNvPr>
+          <p:cNvSpPr/>
+          <p:nvPr/>
+        </p:nvSpPr>
+        <p:spPr>
+          <a:xfrm rot="5400000">
+            <a:off x="6837337" y="1085814"/>
+            <a:ext cx="294440" cy="1777115"/>
+          </a:xfrm>
+          <a:prstGeom prst="leftBrace">
+            <a:avLst>
+              <a:gd name="adj1" fmla="val 66327"/>
+              <a:gd name="adj2" fmla="val 52421"/>
+            </a:avLst>
+          </a:prstGeom>
+          <a:noFill/>
+          <a:ln w="47625">
+            <a:solidFill>
+              <a:srgbClr val="800000"/>
+            </a:solidFill>
+          </a:ln>
+        </p:spPr>
+        <p:style>
+          <a:lnRef idx="2">
+            <a:schemeClr val="accent3"/>
+          </a:lnRef>
+          <a:fillRef idx="0">
+            <a:schemeClr val="accent3"/>
+          </a:fillRef>
+          <a:effectRef idx="1">
+            <a:schemeClr val="accent3"/>
+          </a:effectRef>
+          <a:fontRef idx="minor">
+            <a:schemeClr val="tx1"/>
+          </a:fontRef>
+        </p:style>
+        <p:txBody>
+          <a:bodyPr rtlCol="0" anchor="ctr"/>
+          <a:lstStyle/>
+          <a:p>
+            <a:pPr algn="ctr"/>
+            <a:endParaRPr lang="en-US">
+              <a:ln>
+                <a:solidFill>
+                  <a:schemeClr val="accent1">
+                    <a:lumMod val="60000"/>
+                    <a:lumOff val="40000"/>
+                  </a:schemeClr>
+                </a:solidFill>
+              </a:ln>
+            </a:endParaRPr>
+          </a:p>
+        </p:txBody>
+      </p:sp>
+      <p:sp>
+        <p:nvSpPr>
+          <p:cNvPr id="5" name="TextBox 4">
+            <a:extLst>
+              <a:ext uri="{FF2B5EF4-FFF2-40B4-BE49-F238E27FC236}">
+                <a16:creationId xmlns:a16="http://schemas.microsoft.com/office/drawing/2014/main" id="{2FB07946-146B-5542-B4C9-211A1FF77CEA}"/>
+              </a:ext>
+            </a:extLst>
+          </p:cNvPr>
+          <p:cNvSpPr txBox="1"/>
+          <p:nvPr/>
+        </p:nvSpPr>
+        <p:spPr>
+          <a:xfrm>
+            <a:off x="6417735" y="1428684"/>
+            <a:ext cx="1133644" cy="369332"/>
+          </a:xfrm>
+          <a:prstGeom prst="rect">
+            <a:avLst/>
+          </a:prstGeom>
+          <a:noFill/>
+        </p:spPr>
+        <p:txBody>
+          <a:bodyPr wrap="none" rtlCol="0">
+            <a:spAutoFit/>
+          </a:bodyPr>
+          <a:lstStyle/>
+          <a:p>
+            <a:r>
+              <a:rPr lang="en-US" dirty="0"/>
+              <a:t>Module 1</a:t>
+            </a:r>
+          </a:p>
+        </p:txBody>
+      </p:sp>
+      <p:sp>
+        <p:nvSpPr>
+          <p:cNvPr id="33" name="TextBox 32">
+            <a:extLst>
+              <a:ext uri="{FF2B5EF4-FFF2-40B4-BE49-F238E27FC236}">
+                <a16:creationId xmlns:a16="http://schemas.microsoft.com/office/drawing/2014/main" id="{7B349268-6D52-3F4A-B9E9-5C3456882036}"/>
+              </a:ext>
+            </a:extLst>
+          </p:cNvPr>
+          <p:cNvSpPr txBox="1"/>
+          <p:nvPr/>
+        </p:nvSpPr>
+        <p:spPr>
+          <a:xfrm>
+            <a:off x="10214502" y="4463523"/>
+            <a:ext cx="1133644" cy="369332"/>
+          </a:xfrm>
+          <a:prstGeom prst="rect">
+            <a:avLst/>
+          </a:prstGeom>
+          <a:noFill/>
+        </p:spPr>
+        <p:txBody>
+          <a:bodyPr wrap="none" rtlCol="0">
+            <a:spAutoFit/>
+          </a:bodyPr>
+          <a:lstStyle/>
+          <a:p>
+            <a:r>
+              <a:rPr lang="en-US" dirty="0"/>
+              <a:t>Module 4</a:t>
+            </a:r>
+          </a:p>
+        </p:txBody>
+      </p:sp>
+      <p:sp>
+        <p:nvSpPr>
+          <p:cNvPr id="34" name="Left Brace 33">
+            <a:extLst>
+              <a:ext uri="{FF2B5EF4-FFF2-40B4-BE49-F238E27FC236}">
+                <a16:creationId xmlns:a16="http://schemas.microsoft.com/office/drawing/2014/main" id="{95277AF3-F10B-6F4F-A7CC-E7276D8BD2BD}"/>
+              </a:ext>
+            </a:extLst>
+          </p:cNvPr>
+          <p:cNvSpPr/>
+          <p:nvPr/>
+        </p:nvSpPr>
+        <p:spPr>
+          <a:xfrm rot="5400000">
+            <a:off x="2719571" y="-399496"/>
+            <a:ext cx="310567" cy="4705592"/>
+          </a:xfrm>
+          <a:prstGeom prst="leftBrace">
+            <a:avLst>
+              <a:gd name="adj1" fmla="val 66327"/>
+              <a:gd name="adj2" fmla="val 52421"/>
+            </a:avLst>
+          </a:prstGeom>
+          <a:noFill/>
+          <a:ln w="47625">
+            <a:solidFill>
+              <a:srgbClr val="800000"/>
+            </a:solidFill>
+          </a:ln>
+        </p:spPr>
+        <p:style>
+          <a:lnRef idx="2">
+            <a:schemeClr val="accent3"/>
+          </a:lnRef>
+          <a:fillRef idx="0">
+            <a:schemeClr val="accent3"/>
+          </a:fillRef>
+          <a:effectRef idx="1">
+            <a:schemeClr val="accent3"/>
+          </a:effectRef>
+          <a:fontRef idx="minor">
+            <a:schemeClr val="tx1"/>
+          </a:fontRef>
+        </p:style>
+        <p:txBody>
+          <a:bodyPr rtlCol="0" anchor="ctr"/>
+          <a:lstStyle/>
+          <a:p>
+            <a:pPr algn="ctr"/>
+            <a:endParaRPr lang="en-US">
+              <a:ln>
+                <a:solidFill>
+                  <a:schemeClr val="accent1">
+                    <a:lumMod val="60000"/>
+                    <a:lumOff val="40000"/>
+                  </a:schemeClr>
+                </a:solidFill>
+              </a:ln>
+            </a:endParaRPr>
+          </a:p>
+        </p:txBody>
+      </p:sp>
+      <p:sp>
+        <p:nvSpPr>
+          <p:cNvPr id="35" name="Left Brace 34">
+            <a:extLst>
+              <a:ext uri="{FF2B5EF4-FFF2-40B4-BE49-F238E27FC236}">
+                <a16:creationId xmlns:a16="http://schemas.microsoft.com/office/drawing/2014/main" id="{71336F3B-61B1-244F-8DBB-B8198997DB34}"/>
+              </a:ext>
+            </a:extLst>
+          </p:cNvPr>
+          <p:cNvSpPr/>
+          <p:nvPr/>
+        </p:nvSpPr>
+        <p:spPr>
+          <a:xfrm rot="5400000" flipH="1">
+            <a:off x="5374836" y="1927986"/>
+            <a:ext cx="381986" cy="4705592"/>
+          </a:xfrm>
+          <a:prstGeom prst="leftBrace">
+            <a:avLst>
+              <a:gd name="adj1" fmla="val 66327"/>
+              <a:gd name="adj2" fmla="val 52421"/>
+            </a:avLst>
+          </a:prstGeom>
+          <a:noFill/>
+          <a:ln w="47625">
+            <a:solidFill>
+              <a:srgbClr val="800000"/>
+            </a:solidFill>
+          </a:ln>
+        </p:spPr>
+        <p:style>
+          <a:lnRef idx="2">
+            <a:schemeClr val="accent3"/>
+          </a:lnRef>
+          <a:fillRef idx="0">
+            <a:schemeClr val="accent3"/>
+          </a:fillRef>
+          <a:effectRef idx="1">
+            <a:schemeClr val="accent3"/>
+          </a:effectRef>
+          <a:fontRef idx="minor">
+            <a:schemeClr val="tx1"/>
+          </a:fontRef>
+        </p:style>
+        <p:txBody>
+          <a:bodyPr rtlCol="0" anchor="ctr"/>
+          <a:lstStyle/>
+          <a:p>
+            <a:pPr algn="ctr"/>
+            <a:endParaRPr lang="en-US">
+              <a:ln>
+                <a:solidFill>
+                  <a:schemeClr val="accent1">
+                    <a:lumMod val="60000"/>
+                    <a:lumOff val="40000"/>
+                  </a:schemeClr>
+                </a:solidFill>
+              </a:ln>
+            </a:endParaRPr>
+          </a:p>
+        </p:txBody>
+      </p:sp>
+      <p:sp>
+        <p:nvSpPr>
+          <p:cNvPr id="36" name="TextBox 35">
+            <a:extLst>
+              <a:ext uri="{FF2B5EF4-FFF2-40B4-BE49-F238E27FC236}">
+                <a16:creationId xmlns:a16="http://schemas.microsoft.com/office/drawing/2014/main" id="{A93D2CE0-C6B4-9042-8459-F8320BA142D3}"/>
+              </a:ext>
+            </a:extLst>
+          </p:cNvPr>
+          <p:cNvSpPr txBox="1"/>
+          <p:nvPr/>
+        </p:nvSpPr>
+        <p:spPr>
+          <a:xfrm>
+            <a:off x="2169643" y="1454521"/>
+            <a:ext cx="1133644" cy="369332"/>
+          </a:xfrm>
+          <a:prstGeom prst="rect">
+            <a:avLst/>
+          </a:prstGeom>
+          <a:noFill/>
+        </p:spPr>
+        <p:txBody>
+          <a:bodyPr wrap="none" rtlCol="0">
+            <a:spAutoFit/>
+          </a:bodyPr>
+          <a:lstStyle/>
+          <a:p>
+            <a:r>
+              <a:rPr lang="en-US" dirty="0"/>
+              <a:t>Module 2</a:t>
+            </a:r>
+          </a:p>
+        </p:txBody>
+      </p:sp>
+      <p:sp>
+        <p:nvSpPr>
+          <p:cNvPr id="37" name="TextBox 36">
+            <a:extLst>
+              <a:ext uri="{FF2B5EF4-FFF2-40B4-BE49-F238E27FC236}">
+                <a16:creationId xmlns:a16="http://schemas.microsoft.com/office/drawing/2014/main" id="{8EC02717-612C-3F45-9BC2-1E15CA0FCD9D}"/>
+              </a:ext>
+            </a:extLst>
+          </p:cNvPr>
+          <p:cNvSpPr txBox="1"/>
+          <p:nvPr/>
+        </p:nvSpPr>
+        <p:spPr>
+          <a:xfrm>
+            <a:off x="4903332" y="4486788"/>
+            <a:ext cx="1133644" cy="369332"/>
+          </a:xfrm>
+          <a:prstGeom prst="rect">
+            <a:avLst/>
+          </a:prstGeom>
+          <a:noFill/>
+        </p:spPr>
+        <p:txBody>
+          <a:bodyPr wrap="none" rtlCol="0">
+            <a:spAutoFit/>
+          </a:bodyPr>
+          <a:lstStyle/>
+          <a:p>
+            <a:r>
+              <a:rPr lang="en-US" dirty="0"/>
+              <a:t>Module 3</a:t>
+            </a:r>
+          </a:p>
+        </p:txBody>
+      </p:sp>
+    </p:spTree>
+    <p:extLst>
+      <p:ext uri="{BB962C8B-B14F-4D97-AF65-F5344CB8AC3E}">
+        <p14:creationId xmlns:p14="http://schemas.microsoft.com/office/powerpoint/2010/main" val="3872930338"/>
+      </p:ext>
+    </p:extLst>
+  </p:cSld>
+  <p:clrMapOvr>
+    <a:masterClrMapping/>
+  </p:clrMapOvr>
+</p:sld>
+</file>
+
+<file path=ppt/slides/slide3.xml><?xml version="1.0" encoding="utf-8"?>
+<p:sld xmlns:a="http://schemas.openxmlformats.org/drawingml/2006/main" xmlns:r="http://schemas.openxmlformats.org/officeDocument/2006/relationships" xmlns:p="http://schemas.openxmlformats.org/presentationml/2006/main">
+  <p:cSld>
+    <p:spTree>
+      <p:nvGrpSpPr>
+        <p:cNvPr id="1" name=""/>
+        <p:cNvGrpSpPr/>
+        <p:nvPr/>
+      </p:nvGrpSpPr>
+      <p:grpSpPr>
+        <a:xfrm>
+          <a:off x="0" y="0"/>
+          <a:ext cx="0" cy="0"/>
+          <a:chOff x="0" y="0"/>
+          <a:chExt cx="0" cy="0"/>
+        </a:xfrm>
+      </p:grpSpPr>
+      <p:sp>
+        <p:nvSpPr>
+          <p:cNvPr id="3" name="Title 2">
+            <a:extLst>
+              <a:ext uri="{FF2B5EF4-FFF2-40B4-BE49-F238E27FC236}">
+                <a16:creationId xmlns:a16="http://schemas.microsoft.com/office/drawing/2014/main" id="{46CF8940-0BF1-3C42-B43C-B740AFF4239A}"/>
+              </a:ext>
+            </a:extLst>
+          </p:cNvPr>
+          <p:cNvSpPr>
+            <a:spLocks noGrp="1"/>
+          </p:cNvSpPr>
+          <p:nvPr>
+            <p:ph type="title"/>
+          </p:nvPr>
+        </p:nvSpPr>
+        <p:spPr/>
+        <p:txBody>
+          <a:bodyPr/>
+          <a:lstStyle/>
+          <a:p>
+            <a:r>
+              <a:rPr lang="en-US" dirty="0"/>
+              <a:t>Where Are We?</a:t>
+            </a:r>
+          </a:p>
+        </p:txBody>
+      </p:sp>
+      <p:grpSp>
+        <p:nvGrpSpPr>
+          <p:cNvPr id="7" name="Group 6">
+            <a:extLst>
+              <a:ext uri="{FF2B5EF4-FFF2-40B4-BE49-F238E27FC236}">
+                <a16:creationId xmlns:a16="http://schemas.microsoft.com/office/drawing/2014/main" id="{9C2BC92F-D59C-1742-B77A-54E4075E2388}"/>
+              </a:ext>
+            </a:extLst>
+          </p:cNvPr>
+          <p:cNvGrpSpPr/>
+          <p:nvPr/>
+        </p:nvGrpSpPr>
+        <p:grpSpPr>
+          <a:xfrm>
+            <a:off x="1559625" y="1657349"/>
+            <a:ext cx="3916680" cy="1771651"/>
+            <a:chOff x="2537460" y="1268729"/>
+            <a:chExt cx="2240280" cy="1771651"/>
+          </a:xfrm>
+        </p:grpSpPr>
+        <p:sp>
+          <p:nvSpPr>
+            <p:cNvPr id="6" name="Rectangle 5">
+              <a:extLst>
+                <a:ext uri="{FF2B5EF4-FFF2-40B4-BE49-F238E27FC236}">
+                  <a16:creationId xmlns:a16="http://schemas.microsoft.com/office/drawing/2014/main" id="{A7C5C2FE-563E-E94F-A187-2447E6D11539}"/>
+                </a:ext>
+              </a:extLst>
+            </p:cNvPr>
+            <p:cNvSpPr/>
+            <p:nvPr/>
+          </p:nvSpPr>
+          <p:spPr>
+            <a:xfrm>
+              <a:off x="2537460" y="1268729"/>
+              <a:ext cx="2240280" cy="720091"/>
+            </a:xfrm>
+            <a:prstGeom prst="rect">
+              <a:avLst/>
+            </a:prstGeom>
+            <a:solidFill>
+              <a:schemeClr val="bg2">
+                <a:lumMod val="75000"/>
+              </a:schemeClr>
+            </a:solidFill>
+          </p:spPr>
+          <p:style>
+            <a:lnRef idx="2">
+              <a:schemeClr val="accent1">
+                <a:shade val="50000"/>
+              </a:schemeClr>
+            </a:lnRef>
+            <a:fillRef idx="1">
+              <a:schemeClr val="accent1"/>
+            </a:fillRef>
+            <a:effectRef idx="0">
+              <a:schemeClr val="accent1"/>
+            </a:effectRef>
+            <a:fontRef idx="minor">
+              <a:schemeClr val="lt1"/>
+            </a:fontRef>
+          </p:style>
+          <p:txBody>
+            <a:bodyPr rtlCol="0" anchor="ctr"/>
+            <a:lstStyle/>
+            <a:p>
+              <a:pPr algn="ctr"/>
+              <a:r>
+                <a:rPr lang="en-US" b="1" dirty="0"/>
+                <a:t>Module 1: “Statistical Modeling”</a:t>
+              </a:r>
+            </a:p>
+          </p:txBody>
+        </p:sp>
+        <p:sp>
+          <p:nvSpPr>
+            <p:cNvPr id="8" name="Rectangle 7">
+              <a:extLst>
+                <a:ext uri="{FF2B5EF4-FFF2-40B4-BE49-F238E27FC236}">
+                  <a16:creationId xmlns:a16="http://schemas.microsoft.com/office/drawing/2014/main" id="{55B7FEC2-35C6-3F4E-86BC-354E38BBD25F}"/>
+                </a:ext>
+              </a:extLst>
+            </p:cNvPr>
+            <p:cNvSpPr/>
+            <p:nvPr/>
+          </p:nvSpPr>
+          <p:spPr>
+            <a:xfrm>
+              <a:off x="2537460" y="1988820"/>
+              <a:ext cx="2240280" cy="1051560"/>
+            </a:xfrm>
+            <a:prstGeom prst="rect">
+              <a:avLst/>
+            </a:prstGeom>
+            <a:solidFill>
+              <a:schemeClr val="bg1"/>
+            </a:solidFill>
+          </p:spPr>
+          <p:style>
+            <a:lnRef idx="2">
+              <a:schemeClr val="accent1">
+                <a:shade val="50000"/>
+              </a:schemeClr>
+            </a:lnRef>
+            <a:fillRef idx="1">
+              <a:schemeClr val="accent1"/>
+            </a:fillRef>
+            <a:effectRef idx="0">
+              <a:schemeClr val="accent1"/>
+            </a:effectRef>
+            <a:fontRef idx="minor">
+              <a:schemeClr val="lt1"/>
+            </a:fontRef>
+          </p:style>
+          <p:txBody>
+            <a:bodyPr rtlCol="0" anchor="ctr"/>
+            <a:lstStyle/>
+            <a:p>
+              <a:pPr algn="ctr"/>
+              <a:r>
+                <a:rPr lang="en-US" sz="1600" dirty="0">
+                  <a:solidFill>
+                    <a:schemeClr val="tx1">
+                      <a:lumMod val="75000"/>
+                      <a:lumOff val="25000"/>
+                    </a:schemeClr>
+                  </a:solidFill>
+                </a:rPr>
+                <a:t>Foundations of ML and Data Science for Cybersecurity</a:t>
+              </a:r>
+            </a:p>
+          </p:txBody>
+        </p:sp>
+      </p:grpSp>
+      <p:grpSp>
+        <p:nvGrpSpPr>
+          <p:cNvPr id="10" name="Group 9">
+            <a:extLst>
+              <a:ext uri="{FF2B5EF4-FFF2-40B4-BE49-F238E27FC236}">
+                <a16:creationId xmlns:a16="http://schemas.microsoft.com/office/drawing/2014/main" id="{17D397C2-C1AC-8443-BCC8-B3192F1DB1B1}"/>
+              </a:ext>
+            </a:extLst>
+          </p:cNvPr>
+          <p:cNvGrpSpPr/>
+          <p:nvPr/>
+        </p:nvGrpSpPr>
+        <p:grpSpPr>
+          <a:xfrm>
+            <a:off x="6554535" y="1657349"/>
+            <a:ext cx="3916680" cy="1771651"/>
+            <a:chOff x="2537460" y="1268729"/>
+            <a:chExt cx="2240280" cy="1771651"/>
+          </a:xfrm>
+        </p:grpSpPr>
+        <p:sp>
+          <p:nvSpPr>
+            <p:cNvPr id="11" name="Rectangle 10">
+              <a:extLst>
+                <a:ext uri="{FF2B5EF4-FFF2-40B4-BE49-F238E27FC236}">
+                  <a16:creationId xmlns:a16="http://schemas.microsoft.com/office/drawing/2014/main" id="{D419C000-4AF2-B84F-A9A4-EF6101B3B9D3}"/>
+                </a:ext>
+              </a:extLst>
+            </p:cNvPr>
+            <p:cNvSpPr/>
+            <p:nvPr/>
+          </p:nvSpPr>
+          <p:spPr>
+            <a:xfrm>
+              <a:off x="2537460" y="1268729"/>
+              <a:ext cx="2240280" cy="720091"/>
+            </a:xfrm>
+            <a:prstGeom prst="rect">
+              <a:avLst/>
+            </a:prstGeom>
+            <a:solidFill>
+              <a:schemeClr val="accent1"/>
+            </a:solidFill>
+          </p:spPr>
+          <p:style>
+            <a:lnRef idx="2">
+              <a:schemeClr val="accent1">
+                <a:shade val="50000"/>
+              </a:schemeClr>
+            </a:lnRef>
+            <a:fillRef idx="1">
+              <a:schemeClr val="accent1"/>
+            </a:fillRef>
+            <a:effectRef idx="0">
+              <a:schemeClr val="accent1"/>
+            </a:effectRef>
+            <a:fontRef idx="minor">
+              <a:schemeClr val="lt1"/>
+            </a:fontRef>
+          </p:style>
+          <p:txBody>
+            <a:bodyPr rtlCol="0" anchor="ctr"/>
+            <a:lstStyle/>
+            <a:p>
+              <a:pPr algn="ctr"/>
+              <a:r>
+                <a:rPr lang="en-US" b="1" dirty="0"/>
+                <a:t>Module 2: “Data Collection/ Representation”</a:t>
+              </a:r>
+            </a:p>
+          </p:txBody>
+        </p:sp>
+        <p:sp>
+          <p:nvSpPr>
+            <p:cNvPr id="12" name="Rectangle 11">
+              <a:extLst>
+                <a:ext uri="{FF2B5EF4-FFF2-40B4-BE49-F238E27FC236}">
+                  <a16:creationId xmlns:a16="http://schemas.microsoft.com/office/drawing/2014/main" id="{486ED732-D656-D049-9465-79E32B5BD2A4}"/>
+                </a:ext>
+              </a:extLst>
+            </p:cNvPr>
+            <p:cNvSpPr/>
+            <p:nvPr/>
+          </p:nvSpPr>
+          <p:spPr>
+            <a:xfrm>
+              <a:off x="2537460" y="1988820"/>
+              <a:ext cx="2240280" cy="1051560"/>
+            </a:xfrm>
+            <a:prstGeom prst="rect">
+              <a:avLst/>
+            </a:prstGeom>
+            <a:solidFill>
+              <a:schemeClr val="bg1"/>
+            </a:solidFill>
+          </p:spPr>
+          <p:style>
+            <a:lnRef idx="2">
+              <a:schemeClr val="accent1">
+                <a:shade val="50000"/>
+              </a:schemeClr>
+            </a:lnRef>
+            <a:fillRef idx="1">
+              <a:schemeClr val="accent1"/>
+            </a:fillRef>
+            <a:effectRef idx="0">
+              <a:schemeClr val="accent1"/>
+            </a:effectRef>
+            <a:fontRef idx="minor">
+              <a:schemeClr val="lt1"/>
+            </a:fontRef>
+          </p:style>
+          <p:txBody>
+            <a:bodyPr rtlCol="0" anchor="ctr"/>
+            <a:lstStyle/>
+            <a:p>
+              <a:pPr algn="ctr"/>
+              <a:r>
+                <a:rPr lang="en-US" sz="1600" dirty="0">
+                  <a:solidFill>
+                    <a:schemeClr val="tx1"/>
+                  </a:solidFill>
+                </a:rPr>
+                <a:t>Data-Driven Network and </a:t>
+              </a:r>
+            </a:p>
+            <a:p>
+              <a:pPr algn="ctr"/>
+              <a:r>
+                <a:rPr lang="en-US" sz="1600" dirty="0">
+                  <a:solidFill>
+                    <a:schemeClr val="tx1"/>
+                  </a:solidFill>
+                </a:rPr>
+                <a:t>Computer Security</a:t>
+              </a:r>
+            </a:p>
+          </p:txBody>
+        </p:sp>
+      </p:grpSp>
+      <p:grpSp>
+        <p:nvGrpSpPr>
+          <p:cNvPr id="13" name="Group 12">
+            <a:extLst>
+              <a:ext uri="{FF2B5EF4-FFF2-40B4-BE49-F238E27FC236}">
+                <a16:creationId xmlns:a16="http://schemas.microsoft.com/office/drawing/2014/main" id="{0C165D56-7EF5-2842-AF2B-077507BB97C1}"/>
+              </a:ext>
+            </a:extLst>
+          </p:cNvPr>
+          <p:cNvGrpSpPr/>
+          <p:nvPr/>
+        </p:nvGrpSpPr>
+        <p:grpSpPr>
+          <a:xfrm>
+            <a:off x="1559625" y="3794761"/>
+            <a:ext cx="3916680" cy="1771650"/>
+            <a:chOff x="2537460" y="1268730"/>
+            <a:chExt cx="2240280" cy="1771650"/>
+          </a:xfrm>
+        </p:grpSpPr>
+        <p:sp>
+          <p:nvSpPr>
+            <p:cNvPr id="14" name="Rectangle 13">
+              <a:extLst>
+                <a:ext uri="{FF2B5EF4-FFF2-40B4-BE49-F238E27FC236}">
+                  <a16:creationId xmlns:a16="http://schemas.microsoft.com/office/drawing/2014/main" id="{12974E87-8022-CF42-8E3C-774FC4A88BE8}"/>
+                </a:ext>
+              </a:extLst>
+            </p:cNvPr>
+            <p:cNvSpPr/>
+            <p:nvPr/>
+          </p:nvSpPr>
+          <p:spPr>
+            <a:xfrm>
+              <a:off x="2537460" y="1268730"/>
+              <a:ext cx="2240280" cy="720090"/>
+            </a:xfrm>
+            <a:prstGeom prst="rect">
+              <a:avLst/>
+            </a:prstGeom>
+            <a:solidFill>
+              <a:schemeClr val="bg2">
+                <a:lumMod val="75000"/>
+              </a:schemeClr>
+            </a:solidFill>
+          </p:spPr>
+          <p:style>
+            <a:lnRef idx="2">
+              <a:schemeClr val="accent1">
+                <a:shade val="50000"/>
+              </a:schemeClr>
+            </a:lnRef>
+            <a:fillRef idx="1">
+              <a:schemeClr val="accent1"/>
+            </a:fillRef>
+            <a:effectRef idx="0">
+              <a:schemeClr val="accent1"/>
+            </a:effectRef>
+            <a:fontRef idx="minor">
+              <a:schemeClr val="lt1"/>
+            </a:fontRef>
+          </p:style>
+          <p:txBody>
+            <a:bodyPr rtlCol="0" anchor="ctr"/>
+            <a:lstStyle/>
+            <a:p>
+              <a:pPr algn="ctr"/>
+              <a:r>
+                <a:rPr lang="en-US" b="1" dirty="0"/>
+                <a:t>Module 3: “Attacks and Defenses”</a:t>
+              </a:r>
+            </a:p>
+          </p:txBody>
+        </p:sp>
+        <p:sp>
+          <p:nvSpPr>
+            <p:cNvPr id="15" name="Rectangle 14">
+              <a:extLst>
+                <a:ext uri="{FF2B5EF4-FFF2-40B4-BE49-F238E27FC236}">
+                  <a16:creationId xmlns:a16="http://schemas.microsoft.com/office/drawing/2014/main" id="{09FD43F6-9BE7-0841-BB40-A797A3AD7D72}"/>
+                </a:ext>
+              </a:extLst>
+            </p:cNvPr>
+            <p:cNvSpPr/>
+            <p:nvPr/>
+          </p:nvSpPr>
+          <p:spPr>
+            <a:xfrm>
+              <a:off x="2537460" y="1988820"/>
+              <a:ext cx="2240280" cy="1051560"/>
+            </a:xfrm>
+            <a:prstGeom prst="rect">
+              <a:avLst/>
+            </a:prstGeom>
+            <a:solidFill>
+              <a:schemeClr val="bg1"/>
+            </a:solidFill>
+          </p:spPr>
+          <p:style>
+            <a:lnRef idx="2">
+              <a:schemeClr val="accent1">
+                <a:shade val="50000"/>
+              </a:schemeClr>
+            </a:lnRef>
+            <a:fillRef idx="1">
+              <a:schemeClr val="accent1"/>
+            </a:fillRef>
+            <a:effectRef idx="0">
+              <a:schemeClr val="accent1"/>
+            </a:effectRef>
+            <a:fontRef idx="minor">
+              <a:schemeClr val="lt1"/>
+            </a:fontRef>
+          </p:style>
+          <p:txBody>
+            <a:bodyPr rtlCol="0" anchor="ctr"/>
+            <a:lstStyle/>
+            <a:p>
+              <a:pPr algn="ctr"/>
+              <a:r>
+                <a:rPr lang="en-US" sz="1600" dirty="0">
+                  <a:solidFill>
+                    <a:schemeClr val="bg2">
+                      <a:lumMod val="75000"/>
+                    </a:schemeClr>
+                  </a:solidFill>
+                </a:rPr>
+                <a:t>Machine Learning in the Presence of Adversaries in Security Applications</a:t>
+              </a:r>
+            </a:p>
+          </p:txBody>
+        </p:sp>
+      </p:grpSp>
+      <p:grpSp>
+        <p:nvGrpSpPr>
+          <p:cNvPr id="16" name="Group 15">
+            <a:extLst>
+              <a:ext uri="{FF2B5EF4-FFF2-40B4-BE49-F238E27FC236}">
+                <a16:creationId xmlns:a16="http://schemas.microsoft.com/office/drawing/2014/main" id="{33E18057-F666-7A42-A6F2-06CB66711196}"/>
+              </a:ext>
+            </a:extLst>
+          </p:cNvPr>
+          <p:cNvGrpSpPr/>
+          <p:nvPr/>
+        </p:nvGrpSpPr>
+        <p:grpSpPr>
+          <a:xfrm>
+            <a:off x="6554535" y="3794761"/>
+            <a:ext cx="3916680" cy="1771650"/>
+            <a:chOff x="2537460" y="1268730"/>
+            <a:chExt cx="2240280" cy="1771650"/>
+          </a:xfrm>
+        </p:grpSpPr>
+        <p:sp>
+          <p:nvSpPr>
+            <p:cNvPr id="17" name="Rectangle 16">
+              <a:extLst>
+                <a:ext uri="{FF2B5EF4-FFF2-40B4-BE49-F238E27FC236}">
+                  <a16:creationId xmlns:a16="http://schemas.microsoft.com/office/drawing/2014/main" id="{1C551CF4-0BF6-4C4F-B693-39C16C4CA730}"/>
+                </a:ext>
+              </a:extLst>
+            </p:cNvPr>
+            <p:cNvSpPr/>
+            <p:nvPr/>
+          </p:nvSpPr>
+          <p:spPr>
+            <a:xfrm>
+              <a:off x="2537460" y="1268730"/>
+              <a:ext cx="2240280" cy="720090"/>
+            </a:xfrm>
+            <a:prstGeom prst="rect">
+              <a:avLst/>
+            </a:prstGeom>
+            <a:solidFill>
+              <a:schemeClr val="bg2">
+                <a:lumMod val="75000"/>
+              </a:schemeClr>
+            </a:solidFill>
+          </p:spPr>
+          <p:style>
+            <a:lnRef idx="2">
+              <a:schemeClr val="accent1">
+                <a:shade val="50000"/>
+              </a:schemeClr>
+            </a:lnRef>
+            <a:fillRef idx="1">
+              <a:schemeClr val="accent1"/>
+            </a:fillRef>
+            <a:effectRef idx="0">
+              <a:schemeClr val="accent1"/>
+            </a:effectRef>
+            <a:fontRef idx="minor">
+              <a:schemeClr val="lt1"/>
+            </a:fontRef>
+          </p:style>
+          <p:txBody>
+            <a:bodyPr rtlCol="0" anchor="ctr"/>
+            <a:lstStyle/>
+            <a:p>
+              <a:pPr algn="ctr"/>
+              <a:r>
+                <a:rPr lang="en-US" b="1" dirty="0"/>
+                <a:t>Module 4: “Deployment”</a:t>
+              </a:r>
+            </a:p>
+          </p:txBody>
+        </p:sp>
+        <p:sp>
+          <p:nvSpPr>
+            <p:cNvPr id="18" name="Rectangle 17">
+              <a:extLst>
+                <a:ext uri="{FF2B5EF4-FFF2-40B4-BE49-F238E27FC236}">
+                  <a16:creationId xmlns:a16="http://schemas.microsoft.com/office/drawing/2014/main" id="{B1A87592-0BEC-5040-98CF-FEB6C4B44CDB}"/>
+                </a:ext>
+              </a:extLst>
+            </p:cNvPr>
+            <p:cNvSpPr/>
+            <p:nvPr/>
+          </p:nvSpPr>
+          <p:spPr>
+            <a:xfrm>
+              <a:off x="2537460" y="1988820"/>
+              <a:ext cx="2240280" cy="1051560"/>
+            </a:xfrm>
+            <a:prstGeom prst="rect">
+              <a:avLst/>
+            </a:prstGeom>
+            <a:solidFill>
+              <a:schemeClr val="bg1"/>
+            </a:solidFill>
+          </p:spPr>
+          <p:style>
+            <a:lnRef idx="2">
+              <a:schemeClr val="accent1">
+                <a:shade val="50000"/>
+              </a:schemeClr>
+            </a:lnRef>
+            <a:fillRef idx="1">
+              <a:schemeClr val="accent1"/>
+            </a:fillRef>
+            <a:effectRef idx="0">
+              <a:schemeClr val="accent1"/>
+            </a:effectRef>
+            <a:fontRef idx="minor">
+              <a:schemeClr val="lt1"/>
+            </a:fontRef>
+          </p:style>
+          <p:txBody>
+            <a:bodyPr rtlCol="0" anchor="ctr"/>
+            <a:lstStyle/>
+            <a:p>
+              <a:pPr algn="ctr"/>
+              <a:r>
+                <a:rPr lang="en-US" sz="1600" dirty="0">
+                  <a:solidFill>
+                    <a:schemeClr val="bg2">
+                      <a:lumMod val="75000"/>
+                    </a:schemeClr>
+                  </a:solidFill>
+                </a:rPr>
+                <a:t>Ethics, Fairness, Responsibility, </a:t>
+              </a:r>
+            </a:p>
+            <a:p>
+              <a:pPr algn="ctr"/>
+              <a:r>
+                <a:rPr lang="en-US" sz="1600" dirty="0">
+                  <a:solidFill>
+                    <a:schemeClr val="bg2">
+                      <a:lumMod val="75000"/>
+                    </a:schemeClr>
+                  </a:solidFill>
+                </a:rPr>
+                <a:t>and Transparency in </a:t>
+              </a:r>
+            </a:p>
+            <a:p>
+              <a:pPr algn="ctr"/>
+              <a:r>
+                <a:rPr lang="en-US" sz="1600" dirty="0">
+                  <a:solidFill>
+                    <a:schemeClr val="bg2">
+                      <a:lumMod val="75000"/>
+                    </a:schemeClr>
+                  </a:solidFill>
+                </a:rPr>
+                <a:t>Data-Driven Cybersecurity</a:t>
+              </a:r>
+            </a:p>
+          </p:txBody>
+        </p:sp>
+      </p:grpSp>
+    </p:spTree>
+    <p:extLst>
+      <p:ext uri="{BB962C8B-B14F-4D97-AF65-F5344CB8AC3E}">
+        <p14:creationId xmlns:p14="http://schemas.microsoft.com/office/powerpoint/2010/main" val="979513520"/>
+      </p:ext>
+    </p:extLst>
+  </p:cSld>
+  <p:clrMapOvr>
+    <a:masterClrMapping/>
+  </p:clrMapOvr>
+</p:sld>
+</file>
+
+<file path=ppt/slides/slide4.xml><?xml version="1.0" encoding="utf-8"?>
+<p:sld xmlns:a="http://schemas.openxmlformats.org/drawingml/2006/main" xmlns:r="http://schemas.openxmlformats.org/officeDocument/2006/relationships" xmlns:p="http://schemas.openxmlformats.org/presentationml/2006/main">
+  <p:cSld>
+    <p:spTree>
+      <p:nvGrpSpPr>
+        <p:cNvPr id="1" name=""/>
+        <p:cNvGrpSpPr/>
+        <p:nvPr/>
+      </p:nvGrpSpPr>
+      <p:grpSpPr>
+        <a:xfrm>
+          <a:off x="0" y="0"/>
+          <a:ext cx="0" cy="0"/>
+          <a:chOff x="0" y="0"/>
+          <a:chExt cx="0" cy="0"/>
+        </a:xfrm>
+      </p:grpSpPr>
+      <p:sp>
+        <p:nvSpPr>
+          <p:cNvPr id="5" name="Title 4">
+            <a:extLst>
+              <a:ext uri="{FF2B5EF4-FFF2-40B4-BE49-F238E27FC236}">
+                <a16:creationId xmlns:a16="http://schemas.microsoft.com/office/drawing/2014/main" id="{3C485A7A-6D4C-6449-95D3-D40C9E876BB6}"/>
+              </a:ext>
+            </a:extLst>
+          </p:cNvPr>
+          <p:cNvSpPr>
+            <a:spLocks noGrp="1"/>
+          </p:cNvSpPr>
+          <p:nvPr>
+            <p:ph type="ctrTitle"/>
+          </p:nvPr>
+        </p:nvSpPr>
+        <p:spPr/>
+        <p:txBody>
+          <a:bodyPr/>
+          <a:lstStyle/>
+          <a:p>
+            <a:r>
+              <a:rPr lang="en-US" dirty="0"/>
               <a:t>Module Overview</a:t>
             </a:r>
           </a:p>
@@ -3133,7 +5492,7 @@
 </p:sld>
 </file>
 
-<file path=ppt/slides/slide3.xml><?xml version="1.0" encoding="utf-8"?>
+<file path=ppt/slides/slide5.xml><?xml version="1.0" encoding="utf-8"?>
 <p:sld xmlns:a="http://schemas.openxmlformats.org/drawingml/2006/main" xmlns:r="http://schemas.openxmlformats.org/officeDocument/2006/relationships" xmlns:p="http://schemas.openxmlformats.org/presentationml/2006/main">
   <p:cSld>
     <p:spTree>
@@ -3261,7 +5620,7 @@
 </p:sld>
 </file>
 
-<file path=ppt/slides/slide4.xml><?xml version="1.0" encoding="utf-8"?>
+<file path=ppt/slides/slide6.xml><?xml version="1.0" encoding="utf-8"?>
 <p:sld xmlns:a="http://schemas.openxmlformats.org/drawingml/2006/main" xmlns:r="http://schemas.openxmlformats.org/officeDocument/2006/relationships" xmlns:p="http://schemas.openxmlformats.org/presentationml/2006/main">
   <p:cSld>
     <p:spTree>
@@ -3446,7 +5805,7 @@
 </p:sld>
 </file>
 
-<file path=ppt/slides/slide5.xml><?xml version="1.0" encoding="utf-8"?>
+<file path=ppt/slides/slide7.xml><?xml version="1.0" encoding="utf-8"?>
 <p:sld xmlns:a="http://schemas.openxmlformats.org/drawingml/2006/main" xmlns:r="http://schemas.openxmlformats.org/officeDocument/2006/relationships" xmlns:p="http://schemas.openxmlformats.org/presentationml/2006/main">
   <p:cSld>
     <p:spTree>
@@ -3653,7 +6012,7 @@
 </p:sld>
 </file>
 
-<file path=ppt/slides/slide6.xml><?xml version="1.0" encoding="utf-8"?>
+<file path=ppt/slides/slide8.xml><?xml version="1.0" encoding="utf-8"?>
 <p:sld xmlns:a="http://schemas.openxmlformats.org/drawingml/2006/main" xmlns:r="http://schemas.openxmlformats.org/officeDocument/2006/relationships" xmlns:p="http://schemas.openxmlformats.org/presentationml/2006/main">
   <p:cSld>
     <p:spTree>
@@ -3886,7 +6245,7 @@
 </p:sld>
 </file>
 
-<file path=ppt/slides/slide7.xml><?xml version="1.0" encoding="utf-8"?>
+<file path=ppt/slides/slide9.xml><?xml version="1.0" encoding="utf-8"?>
 <p:sld xmlns:a="http://schemas.openxmlformats.org/drawingml/2006/main" xmlns:r="http://schemas.openxmlformats.org/officeDocument/2006/relationships" xmlns:p="http://schemas.openxmlformats.org/presentationml/2006/main">
   <p:cSld>
     <p:spTree>
@@ -4119,7 +6478,7 @@
           <a:p>
             <a:fld id="{DBA1B0FB-D917-4C8C-928F-313BD683BF39}" type="slidenum">
               <a:rPr lang="en-US" smtClean="0"/>
-              <a:t>7</a:t>
+              <a:t>9</a:t>
             </a:fld>
             <a:endParaRPr lang="en-US"/>
           </a:p>
@@ -4177,208 +6536,6 @@
     <p:extLst>
       <p:ext uri="{BB962C8B-B14F-4D97-AF65-F5344CB8AC3E}">
         <p14:creationId xmlns:p14="http://schemas.microsoft.com/office/powerpoint/2010/main" val="3189753195"/>
-      </p:ext>
-    </p:extLst>
-  </p:cSld>
-  <p:clrMapOvr>
-    <a:masterClrMapping/>
-  </p:clrMapOvr>
-</p:sld>
-</file>
-
-<file path=ppt/slides/slide8.xml><?xml version="1.0" encoding="utf-8"?>
-<p:sld xmlns:a="http://schemas.openxmlformats.org/drawingml/2006/main" xmlns:r="http://schemas.openxmlformats.org/officeDocument/2006/relationships" xmlns:p="http://schemas.openxmlformats.org/presentationml/2006/main">
-  <p:cSld>
-    <p:spTree>
-      <p:nvGrpSpPr>
-        <p:cNvPr id="1" name=""/>
-        <p:cNvGrpSpPr/>
-        <p:nvPr/>
-      </p:nvGrpSpPr>
-      <p:grpSpPr>
-        <a:xfrm>
-          <a:off x="0" y="0"/>
-          <a:ext cx="0" cy="0"/>
-          <a:chOff x="0" y="0"/>
-          <a:chExt cx="0" cy="0"/>
-        </a:xfrm>
-      </p:grpSpPr>
-      <p:sp>
-        <p:nvSpPr>
-          <p:cNvPr id="5" name="Title 4">
-            <a:extLst>
-              <a:ext uri="{FF2B5EF4-FFF2-40B4-BE49-F238E27FC236}">
-                <a16:creationId xmlns:a16="http://schemas.microsoft.com/office/drawing/2014/main" id="{3C485A7A-6D4C-6449-95D3-D40C9E876BB6}"/>
-              </a:ext>
-            </a:extLst>
-          </p:cNvPr>
-          <p:cNvSpPr>
-            <a:spLocks noGrp="1"/>
-          </p:cNvSpPr>
-          <p:nvPr>
-            <p:ph type="ctrTitle"/>
-          </p:nvPr>
-        </p:nvSpPr>
-        <p:spPr/>
-        <p:txBody>
-          <a:bodyPr/>
-          <a:lstStyle/>
-          <a:p>
-            <a:r>
-              <a:rPr lang="en-US" dirty="0"/>
-              <a:t>Learning Objective</a:t>
-            </a:r>
-          </a:p>
-        </p:txBody>
-      </p:sp>
-    </p:spTree>
-    <p:extLst>
-      <p:ext uri="{BB962C8B-B14F-4D97-AF65-F5344CB8AC3E}">
-        <p14:creationId xmlns:p14="http://schemas.microsoft.com/office/powerpoint/2010/main" val="3961800190"/>
-      </p:ext>
-    </p:extLst>
-  </p:cSld>
-  <p:clrMapOvr>
-    <a:masterClrMapping/>
-  </p:clrMapOvr>
-</p:sld>
-</file>
-
-<file path=ppt/slides/slide9.xml><?xml version="1.0" encoding="utf-8"?>
-<p:sld xmlns:a="http://schemas.openxmlformats.org/drawingml/2006/main" xmlns:r="http://schemas.openxmlformats.org/officeDocument/2006/relationships" xmlns:p="http://schemas.openxmlformats.org/presentationml/2006/main">
-  <p:cSld>
-    <p:spTree>
-      <p:nvGrpSpPr>
-        <p:cNvPr id="1" name=""/>
-        <p:cNvGrpSpPr/>
-        <p:nvPr/>
-      </p:nvGrpSpPr>
-      <p:grpSpPr>
-        <a:xfrm>
-          <a:off x="0" y="0"/>
-          <a:ext cx="0" cy="0"/>
-          <a:chOff x="0" y="0"/>
-          <a:chExt cx="0" cy="0"/>
-        </a:xfrm>
-      </p:grpSpPr>
-      <p:sp>
-        <p:nvSpPr>
-          <p:cNvPr id="3" name="Title 2">
-            <a:extLst>
-              <a:ext uri="{FF2B5EF4-FFF2-40B4-BE49-F238E27FC236}">
-                <a16:creationId xmlns:a16="http://schemas.microsoft.com/office/drawing/2014/main" id="{57C85427-507A-F24A-B84C-839F4AA7755A}"/>
-              </a:ext>
-            </a:extLst>
-          </p:cNvPr>
-          <p:cNvSpPr>
-            <a:spLocks noGrp="1"/>
-          </p:cNvSpPr>
-          <p:nvPr>
-            <p:ph type="title"/>
-          </p:nvPr>
-        </p:nvSpPr>
-        <p:spPr/>
-        <p:txBody>
-          <a:bodyPr/>
-          <a:lstStyle/>
-          <a:p>
-            <a:r>
-              <a:rPr lang="en-US" dirty="0"/>
-              <a:t>Learning Objectives</a:t>
-            </a:r>
-          </a:p>
-        </p:txBody>
-      </p:sp>
-      <p:sp>
-        <p:nvSpPr>
-          <p:cNvPr id="4" name="Content Placeholder 3">
-            <a:extLst>
-              <a:ext uri="{FF2B5EF4-FFF2-40B4-BE49-F238E27FC236}">
-                <a16:creationId xmlns:a16="http://schemas.microsoft.com/office/drawing/2014/main" id="{20EF5A74-EDD2-A446-9DBF-9F27EEECF714}"/>
-              </a:ext>
-            </a:extLst>
-          </p:cNvPr>
-          <p:cNvSpPr>
-            <a:spLocks noGrp="1"/>
-          </p:cNvSpPr>
-          <p:nvPr>
-            <p:ph idx="1"/>
-          </p:nvPr>
-        </p:nvSpPr>
-        <p:spPr/>
-        <p:txBody>
-          <a:bodyPr>
-            <a:normAutofit/>
-          </a:bodyPr>
-          <a:lstStyle/>
-          <a:p>
-            <a:r>
-              <a:rPr lang="en-US" dirty="0"/>
-              <a:t>Describe the basic architecture of </a:t>
-            </a:r>
-            <a:r>
-              <a:rPr lang="en-US"/>
-              <a:t>the Internet </a:t>
-            </a:r>
-            <a:r>
-              <a:rPr lang="en-US" dirty="0"/>
-              <a:t>and the mechanics of networked communications </a:t>
-            </a:r>
-          </a:p>
-          <a:p>
-            <a:r>
-              <a:rPr lang="en-US" dirty="0"/>
-              <a:t>Acquire and represent data for modeling and analysis</a:t>
-            </a:r>
-          </a:p>
-          <a:p>
-            <a:r>
-              <a:rPr lang="en-US" dirty="0"/>
-              <a:t>Implement simple supervised machine-learning models for cybersecurity applications</a:t>
-            </a:r>
-          </a:p>
-          <a:p>
-            <a:r>
-              <a:rPr lang="en-US" dirty="0"/>
-              <a:t>Analyze network traffic using unsupervised learning techniques, such as PCA and clustering</a:t>
-            </a:r>
-          </a:p>
-        </p:txBody>
-      </p:sp>
-      <p:sp>
-        <p:nvSpPr>
-          <p:cNvPr id="5" name="Slide Number Placeholder 4">
-            <a:extLst>
-              <a:ext uri="{FF2B5EF4-FFF2-40B4-BE49-F238E27FC236}">
-                <a16:creationId xmlns:a16="http://schemas.microsoft.com/office/drawing/2014/main" id="{BCDEC3A3-1E34-4043-BB7E-8DF537EE3C66}"/>
-              </a:ext>
-            </a:extLst>
-          </p:cNvPr>
-          <p:cNvSpPr>
-            <a:spLocks noGrp="1"/>
-          </p:cNvSpPr>
-          <p:nvPr>
-            <p:ph type="sldNum" sz="quarter" idx="12"/>
-          </p:nvPr>
-        </p:nvSpPr>
-        <p:spPr/>
-        <p:txBody>
-          <a:bodyPr/>
-          <a:lstStyle/>
-          <a:p>
-            <a:fld id="{256CE055-ECFD-9048-9FD8-7E2D8656A4F7}" type="slidenum">
-              <a:rPr lang="en-US" smtClean="0"/>
-              <a:pPr/>
-              <a:t>9</a:t>
-            </a:fld>
-            <a:endParaRPr lang="en-US" dirty="0"/>
-          </a:p>
-        </p:txBody>
-      </p:sp>
-    </p:spTree>
-    <p:extLst>
-      <p:ext uri="{BB962C8B-B14F-4D97-AF65-F5344CB8AC3E}">
-        <p14:creationId xmlns:p14="http://schemas.microsoft.com/office/powerpoint/2010/main" val="99915697"/>
       </p:ext>
     </p:extLst>
   </p:cSld>

--- a/module-2/ppt/2.0-introduction.pptx
+++ b/module-2/ppt/2.0-introduction.pptx
@@ -10,7 +10,7 @@
   </p:notesMasterIdLst>
   <p:sldIdLst>
     <p:sldId id="285" r:id="rId3"/>
-    <p:sldId id="327" r:id="rId4"/>
+    <p:sldId id="2601" r:id="rId4"/>
     <p:sldId id="333" r:id="rId5"/>
     <p:sldId id="323" r:id="rId6"/>
     <p:sldId id="403" r:id="rId7"/>
@@ -214,7 +214,7 @@
           <a:p>
             <a:fld id="{A2472FB4-D3E2-AE43-B634-FEEAFFC420FD}" type="datetimeFigureOut">
               <a:rPr lang="en-US" smtClean="0"/>
-              <a:t>2/8/21</a:t>
+              <a:t>2/22/21</a:t>
             </a:fld>
             <a:endParaRPr lang="en-US"/>
           </a:p>
@@ -542,69 +542,7 @@
               <a:tabLst/>
               <a:defRPr/>
             </a:pPr>
-            <a:r>
-              <a:rPr lang="en-US" dirty="0"/>
-              <a:t>A module focused on </a:t>
-            </a:r>
-            <a:r>
-              <a:rPr lang="en-US" b="1" dirty="0"/>
-              <a:t>machine learning fundamentals</a:t>
-            </a:r>
-            <a:r>
-              <a:rPr lang="en-US" dirty="0"/>
-              <a:t>, with </a:t>
-            </a:r>
-            <a:r>
-              <a:rPr lang="en-US" b="1" dirty="0"/>
-              <a:t>applications to security</a:t>
-            </a:r>
-            <a:r>
-              <a:rPr lang="en-US" dirty="0"/>
-              <a:t>. Introduction to the data science pipeline, and teach fundamental building blocks, from data ingestion and feature engineering to machine learning model selection. </a:t>
-            </a:r>
-          </a:p>
-          <a:p>
-            <a:pPr marL="0" marR="0" lvl="0" indent="0" algn="l" defTabSz="914400" rtl="0" eaLnBrk="1" fontAlgn="auto" latinLnBrk="0" hangingPunct="1">
-              <a:lnSpc>
-                <a:spcPct val="100000"/>
-              </a:lnSpc>
-              <a:spcBef>
-                <a:spcPts val="0"/>
-              </a:spcBef>
-              <a:spcAft>
-                <a:spcPts val="0"/>
-              </a:spcAft>
-              <a:buClrTx/>
-              <a:buSzTx/>
-              <a:buFontTx/>
-              <a:buNone/>
-              <a:tabLst/>
-              <a:defRPr/>
-            </a:pPr>
             <a:endParaRPr lang="en-US" dirty="0"/>
-          </a:p>
-          <a:p>
-            <a:pPr marL="0" marR="0" lvl="0" indent="0" algn="l" defTabSz="914400" rtl="0" eaLnBrk="1" fontAlgn="auto" latinLnBrk="0" hangingPunct="1">
-              <a:lnSpc>
-                <a:spcPct val="100000"/>
-              </a:lnSpc>
-              <a:spcBef>
-                <a:spcPts val="0"/>
-              </a:spcBef>
-              <a:spcAft>
-                <a:spcPts val="0"/>
-              </a:spcAft>
-              <a:buClrTx/>
-              <a:buSzTx/>
-              <a:buFontTx/>
-              <a:buNone/>
-              <a:tabLst/>
-              <a:defRPr/>
-            </a:pPr>
-            <a:r>
-              <a:rPr lang="en-US" dirty="0"/>
-              <a:t>Modeling; Representation; Environment; Constraints (?)</a:t>
-            </a:r>
           </a:p>
         </p:txBody>
       </p:sp>
@@ -634,7 +572,7 @@
     </p:spTree>
     <p:extLst>
       <p:ext uri="{BB962C8B-B14F-4D97-AF65-F5344CB8AC3E}">
-        <p14:creationId xmlns:p14="http://schemas.microsoft.com/office/powerpoint/2010/main" val="1944069232"/>
+        <p14:creationId xmlns:p14="http://schemas.microsoft.com/office/powerpoint/2010/main" val="939048248"/>
       </p:ext>
     </p:extLst>
   </p:cSld>
@@ -3622,470 +3560,6 @@
           <a:chExt cx="0" cy="0"/>
         </a:xfrm>
       </p:grpSpPr>
-      <p:sp>
-        <p:nvSpPr>
-          <p:cNvPr id="3" name="Title 2">
-            <a:extLst>
-              <a:ext uri="{FF2B5EF4-FFF2-40B4-BE49-F238E27FC236}">
-                <a16:creationId xmlns:a16="http://schemas.microsoft.com/office/drawing/2014/main" id="{46CF8940-0BF1-3C42-B43C-B740AFF4239A}"/>
-              </a:ext>
-            </a:extLst>
-          </p:cNvPr>
-          <p:cNvSpPr>
-            <a:spLocks noGrp="1"/>
-          </p:cNvSpPr>
-          <p:nvPr>
-            <p:ph type="title"/>
-          </p:nvPr>
-        </p:nvSpPr>
-        <p:spPr/>
-        <p:txBody>
-          <a:bodyPr/>
-          <a:lstStyle/>
-          <a:p>
-            <a:r>
-              <a:rPr lang="en-US" dirty="0"/>
-              <a:t>When Data Science Meets Cybersecurity</a:t>
-            </a:r>
-          </a:p>
-        </p:txBody>
-      </p:sp>
-      <p:grpSp>
-        <p:nvGrpSpPr>
-          <p:cNvPr id="19" name="Group 18">
-            <a:extLst>
-              <a:ext uri="{FF2B5EF4-FFF2-40B4-BE49-F238E27FC236}">
-                <a16:creationId xmlns:a16="http://schemas.microsoft.com/office/drawing/2014/main" id="{02F9FB7A-3BC2-534D-8330-D4D991DFDFB3}"/>
-              </a:ext>
-            </a:extLst>
-          </p:cNvPr>
-          <p:cNvGrpSpPr/>
-          <p:nvPr/>
-        </p:nvGrpSpPr>
-        <p:grpSpPr>
-          <a:xfrm>
-            <a:off x="398812" y="2152802"/>
-            <a:ext cx="2023614" cy="1833908"/>
-            <a:chOff x="2537459" y="1445872"/>
-            <a:chExt cx="2240281" cy="1332378"/>
-          </a:xfrm>
-        </p:grpSpPr>
-        <p:sp>
-          <p:nvSpPr>
-            <p:cNvPr id="20" name="Rectangle 19">
-              <a:extLst>
-                <a:ext uri="{FF2B5EF4-FFF2-40B4-BE49-F238E27FC236}">
-                  <a16:creationId xmlns:a16="http://schemas.microsoft.com/office/drawing/2014/main" id="{1167E967-47E3-4F4B-A160-0D3DE0D030C8}"/>
-                </a:ext>
-              </a:extLst>
-            </p:cNvPr>
-            <p:cNvSpPr/>
-            <p:nvPr/>
-          </p:nvSpPr>
-          <p:spPr>
-            <a:xfrm>
-              <a:off x="2537460" y="1445872"/>
-              <a:ext cx="2240280" cy="542949"/>
-            </a:xfrm>
-            <a:prstGeom prst="rect">
-              <a:avLst/>
-            </a:prstGeom>
-          </p:spPr>
-          <p:style>
-            <a:lnRef idx="2">
-              <a:schemeClr val="accent1">
-                <a:shade val="50000"/>
-              </a:schemeClr>
-            </a:lnRef>
-            <a:fillRef idx="1">
-              <a:schemeClr val="accent1"/>
-            </a:fillRef>
-            <a:effectRef idx="0">
-              <a:schemeClr val="accent1"/>
-            </a:effectRef>
-            <a:fontRef idx="minor">
-              <a:schemeClr val="lt1"/>
-            </a:fontRef>
-          </p:style>
-          <p:txBody>
-            <a:bodyPr rtlCol="0" anchor="ctr"/>
-            <a:lstStyle/>
-            <a:p>
-              <a:pPr algn="ctr"/>
-              <a:r>
-                <a:rPr lang="en-US" b="1" dirty="0"/>
-                <a:t>Data Collection</a:t>
-              </a:r>
-            </a:p>
-          </p:txBody>
-        </p:sp>
-        <p:sp>
-          <p:nvSpPr>
-            <p:cNvPr id="21" name="Rectangle 20">
-              <a:extLst>
-                <a:ext uri="{FF2B5EF4-FFF2-40B4-BE49-F238E27FC236}">
-                  <a16:creationId xmlns:a16="http://schemas.microsoft.com/office/drawing/2014/main" id="{69608ED0-9D95-194B-9573-C66D9DFAE3A7}"/>
-                </a:ext>
-              </a:extLst>
-            </p:cNvPr>
-            <p:cNvSpPr/>
-            <p:nvPr/>
-          </p:nvSpPr>
-          <p:spPr>
-            <a:xfrm>
-              <a:off x="2537459" y="1988820"/>
-              <a:ext cx="2240280" cy="789430"/>
-            </a:xfrm>
-            <a:prstGeom prst="rect">
-              <a:avLst/>
-            </a:prstGeom>
-            <a:solidFill>
-              <a:schemeClr val="bg1"/>
-            </a:solidFill>
-          </p:spPr>
-          <p:style>
-            <a:lnRef idx="2">
-              <a:schemeClr val="accent1">
-                <a:shade val="50000"/>
-              </a:schemeClr>
-            </a:lnRef>
-            <a:fillRef idx="1">
-              <a:schemeClr val="accent1"/>
-            </a:fillRef>
-            <a:effectRef idx="0">
-              <a:schemeClr val="accent1"/>
-            </a:effectRef>
-            <a:fontRef idx="minor">
-              <a:schemeClr val="lt1"/>
-            </a:fontRef>
-          </p:style>
-          <p:txBody>
-            <a:bodyPr rtlCol="0" anchor="ctr"/>
-            <a:lstStyle/>
-            <a:p>
-              <a:pPr algn="ctr"/>
-              <a:r>
-                <a:rPr lang="en-US" sz="1600" dirty="0">
-                  <a:solidFill>
-                    <a:schemeClr val="bg2">
-                      <a:lumMod val="75000"/>
-                    </a:schemeClr>
-                  </a:solidFill>
-                </a:rPr>
-                <a:t>Missing data</a:t>
-              </a:r>
-            </a:p>
-            <a:p>
-              <a:pPr algn="ctr"/>
-              <a:r>
-                <a:rPr lang="en-US" sz="1600" dirty="0">
-                  <a:solidFill>
-                    <a:schemeClr val="bg2">
-                      <a:lumMod val="75000"/>
-                    </a:schemeClr>
-                  </a:solidFill>
-                </a:rPr>
-                <a:t>Acquisition cost</a:t>
-              </a:r>
-            </a:p>
-            <a:p>
-              <a:pPr algn="ctr"/>
-              <a:r>
-                <a:rPr lang="en-US" sz="1600" dirty="0">
-                  <a:solidFill>
-                    <a:schemeClr val="bg2">
-                      <a:lumMod val="75000"/>
-                    </a:schemeClr>
-                  </a:solidFill>
-                </a:rPr>
-                <a:t>…</a:t>
-              </a:r>
-            </a:p>
-          </p:txBody>
-        </p:sp>
-      </p:grpSp>
-      <p:grpSp>
-        <p:nvGrpSpPr>
-          <p:cNvPr id="22" name="Group 21">
-            <a:extLst>
-              <a:ext uri="{FF2B5EF4-FFF2-40B4-BE49-F238E27FC236}">
-                <a16:creationId xmlns:a16="http://schemas.microsoft.com/office/drawing/2014/main" id="{CD6C8C76-A8D9-5941-8473-744D21E2D642}"/>
-              </a:ext>
-            </a:extLst>
-          </p:cNvPr>
-          <p:cNvGrpSpPr/>
-          <p:nvPr/>
-        </p:nvGrpSpPr>
-        <p:grpSpPr>
-          <a:xfrm>
-            <a:off x="3043979" y="2169709"/>
-            <a:ext cx="2183671" cy="1854377"/>
-            <a:chOff x="2537460" y="1431001"/>
-            <a:chExt cx="2240280" cy="1347250"/>
-          </a:xfrm>
-        </p:grpSpPr>
-        <p:sp>
-          <p:nvSpPr>
-            <p:cNvPr id="23" name="Rectangle 22">
-              <a:extLst>
-                <a:ext uri="{FF2B5EF4-FFF2-40B4-BE49-F238E27FC236}">
-                  <a16:creationId xmlns:a16="http://schemas.microsoft.com/office/drawing/2014/main" id="{CB1FDD5D-8653-D743-BF37-D0CBA23AD517}"/>
-                </a:ext>
-              </a:extLst>
-            </p:cNvPr>
-            <p:cNvSpPr/>
-            <p:nvPr/>
-          </p:nvSpPr>
-          <p:spPr>
-            <a:xfrm>
-              <a:off x="2537460" y="1431001"/>
-              <a:ext cx="2240280" cy="557819"/>
-            </a:xfrm>
-            <a:prstGeom prst="rect">
-              <a:avLst/>
-            </a:prstGeom>
-          </p:spPr>
-          <p:style>
-            <a:lnRef idx="2">
-              <a:schemeClr val="accent1">
-                <a:shade val="50000"/>
-              </a:schemeClr>
-            </a:lnRef>
-            <a:fillRef idx="1">
-              <a:schemeClr val="accent1"/>
-            </a:fillRef>
-            <a:effectRef idx="0">
-              <a:schemeClr val="accent1"/>
-            </a:effectRef>
-            <a:fontRef idx="minor">
-              <a:schemeClr val="lt1"/>
-            </a:fontRef>
-          </p:style>
-          <p:txBody>
-            <a:bodyPr rtlCol="0" anchor="ctr"/>
-            <a:lstStyle/>
-            <a:p>
-              <a:pPr algn="ctr"/>
-              <a:r>
-                <a:rPr lang="en-US" b="1" dirty="0"/>
-                <a:t>Data Representation</a:t>
-              </a:r>
-            </a:p>
-          </p:txBody>
-        </p:sp>
-        <p:sp>
-          <p:nvSpPr>
-            <p:cNvPr id="24" name="Rectangle 23">
-              <a:extLst>
-                <a:ext uri="{FF2B5EF4-FFF2-40B4-BE49-F238E27FC236}">
-                  <a16:creationId xmlns:a16="http://schemas.microsoft.com/office/drawing/2014/main" id="{CAF8320A-7356-6448-9973-2621BAC424A3}"/>
-                </a:ext>
-              </a:extLst>
-            </p:cNvPr>
-            <p:cNvSpPr/>
-            <p:nvPr/>
-          </p:nvSpPr>
-          <p:spPr>
-            <a:xfrm>
-              <a:off x="2537460" y="1988821"/>
-              <a:ext cx="2240280" cy="789430"/>
-            </a:xfrm>
-            <a:prstGeom prst="rect">
-              <a:avLst/>
-            </a:prstGeom>
-            <a:solidFill>
-              <a:schemeClr val="bg1"/>
-            </a:solidFill>
-          </p:spPr>
-          <p:style>
-            <a:lnRef idx="2">
-              <a:schemeClr val="accent1">
-                <a:shade val="50000"/>
-              </a:schemeClr>
-            </a:lnRef>
-            <a:fillRef idx="1">
-              <a:schemeClr val="accent1"/>
-            </a:fillRef>
-            <a:effectRef idx="0">
-              <a:schemeClr val="accent1"/>
-            </a:effectRef>
-            <a:fontRef idx="minor">
-              <a:schemeClr val="lt1"/>
-            </a:fontRef>
-          </p:style>
-          <p:txBody>
-            <a:bodyPr rtlCol="0" anchor="ctr"/>
-            <a:lstStyle/>
-            <a:p>
-              <a:pPr algn="ctr"/>
-              <a:r>
-                <a:rPr lang="en-US" sz="1600" dirty="0">
-                  <a:solidFill>
-                    <a:schemeClr val="bg2">
-                      <a:lumMod val="75000"/>
-                    </a:schemeClr>
-                  </a:solidFill>
-                </a:rPr>
-                <a:t>Interpretability; Fairness;</a:t>
-              </a:r>
-            </a:p>
-            <a:p>
-              <a:pPr algn="ctr"/>
-              <a:r>
-                <a:rPr lang="en-US" sz="1600" dirty="0">
-                  <a:solidFill>
-                    <a:schemeClr val="bg2">
-                      <a:lumMod val="75000"/>
-                    </a:schemeClr>
-                  </a:solidFill>
-                </a:rPr>
-                <a:t>Anonymization</a:t>
-              </a:r>
-            </a:p>
-          </p:txBody>
-        </p:sp>
-      </p:grpSp>
-      <p:grpSp>
-        <p:nvGrpSpPr>
-          <p:cNvPr id="25" name="Group 24">
-            <a:extLst>
-              <a:ext uri="{FF2B5EF4-FFF2-40B4-BE49-F238E27FC236}">
-                <a16:creationId xmlns:a16="http://schemas.microsoft.com/office/drawing/2014/main" id="{1C9F1B78-0C81-104D-B52D-DB6A0FD8453C}"/>
-              </a:ext>
-            </a:extLst>
-          </p:cNvPr>
-          <p:cNvGrpSpPr/>
-          <p:nvPr/>
-        </p:nvGrpSpPr>
-        <p:grpSpPr>
-          <a:xfrm>
-            <a:off x="5813140" y="2169710"/>
-            <a:ext cx="2379873" cy="1854376"/>
-            <a:chOff x="2537460" y="1431001"/>
-            <a:chExt cx="2240280" cy="1347250"/>
-          </a:xfrm>
-        </p:grpSpPr>
-        <p:sp>
-          <p:nvSpPr>
-            <p:cNvPr id="26" name="Rectangle 25">
-              <a:extLst>
-                <a:ext uri="{FF2B5EF4-FFF2-40B4-BE49-F238E27FC236}">
-                  <a16:creationId xmlns:a16="http://schemas.microsoft.com/office/drawing/2014/main" id="{7355A74D-D0BF-1644-95CC-85F1F54E13E8}"/>
-                </a:ext>
-              </a:extLst>
-            </p:cNvPr>
-            <p:cNvSpPr/>
-            <p:nvPr/>
-          </p:nvSpPr>
-          <p:spPr>
-            <a:xfrm>
-              <a:off x="2537460" y="1431001"/>
-              <a:ext cx="2240280" cy="557819"/>
-            </a:xfrm>
-            <a:prstGeom prst="rect">
-              <a:avLst/>
-            </a:prstGeom>
-          </p:spPr>
-          <p:style>
-            <a:lnRef idx="2">
-              <a:schemeClr val="accent1">
-                <a:shade val="50000"/>
-              </a:schemeClr>
-            </a:lnRef>
-            <a:fillRef idx="1">
-              <a:schemeClr val="accent1"/>
-            </a:fillRef>
-            <a:effectRef idx="0">
-              <a:schemeClr val="accent1"/>
-            </a:effectRef>
-            <a:fontRef idx="minor">
-              <a:schemeClr val="lt1"/>
-            </a:fontRef>
-          </p:style>
-          <p:txBody>
-            <a:bodyPr rtlCol="0" anchor="ctr"/>
-            <a:lstStyle/>
-            <a:p>
-              <a:pPr algn="ctr"/>
-              <a:r>
-                <a:rPr lang="en-US" b="1" dirty="0"/>
-                <a:t>Modeling</a:t>
-              </a:r>
-            </a:p>
-          </p:txBody>
-        </p:sp>
-        <p:sp>
-          <p:nvSpPr>
-            <p:cNvPr id="27" name="Rectangle 26">
-              <a:extLst>
-                <a:ext uri="{FF2B5EF4-FFF2-40B4-BE49-F238E27FC236}">
-                  <a16:creationId xmlns:a16="http://schemas.microsoft.com/office/drawing/2014/main" id="{895D29CC-01C3-4643-96B3-42E682A7D55A}"/>
-                </a:ext>
-              </a:extLst>
-            </p:cNvPr>
-            <p:cNvSpPr/>
-            <p:nvPr/>
-          </p:nvSpPr>
-          <p:spPr>
-            <a:xfrm>
-              <a:off x="2537460" y="1988821"/>
-              <a:ext cx="2240280" cy="789430"/>
-            </a:xfrm>
-            <a:prstGeom prst="rect">
-              <a:avLst/>
-            </a:prstGeom>
-            <a:solidFill>
-              <a:schemeClr val="bg1"/>
-            </a:solidFill>
-          </p:spPr>
-          <p:style>
-            <a:lnRef idx="2">
-              <a:schemeClr val="accent1">
-                <a:shade val="50000"/>
-              </a:schemeClr>
-            </a:lnRef>
-            <a:fillRef idx="1">
-              <a:schemeClr val="accent1"/>
-            </a:fillRef>
-            <a:effectRef idx="0">
-              <a:schemeClr val="accent1"/>
-            </a:effectRef>
-            <a:fontRef idx="minor">
-              <a:schemeClr val="lt1"/>
-            </a:fontRef>
-          </p:style>
-          <p:txBody>
-            <a:bodyPr rtlCol="0" anchor="ctr"/>
-            <a:lstStyle/>
-            <a:p>
-              <a:pPr algn="ctr"/>
-              <a:r>
-                <a:rPr lang="en-US" sz="1600" dirty="0">
-                  <a:solidFill>
-                    <a:schemeClr val="bg2">
-                      <a:lumMod val="75000"/>
-                    </a:schemeClr>
-                  </a:solidFill>
-                </a:rPr>
-                <a:t>Efficiency; Accuracy; Interpretability; Adversarial resistance;</a:t>
-              </a:r>
-            </a:p>
-            <a:p>
-              <a:pPr algn="ctr"/>
-              <a:r>
-                <a:rPr lang="en-US" sz="1600" dirty="0">
-                  <a:solidFill>
-                    <a:schemeClr val="bg2">
-                      <a:lumMod val="75000"/>
-                    </a:schemeClr>
-                  </a:solidFill>
-                </a:rPr>
-                <a:t>…</a:t>
-              </a:r>
-            </a:p>
-          </p:txBody>
-        </p:sp>
-      </p:grpSp>
       <p:grpSp>
         <p:nvGrpSpPr>
           <p:cNvPr id="28" name="Group 27">
@@ -4100,7 +3574,7 @@
         </p:nvGrpSpPr>
         <p:grpSpPr>
           <a:xfrm>
-            <a:off x="8814567" y="2152801"/>
+            <a:off x="9122679" y="3002415"/>
             <a:ext cx="2379873" cy="1833912"/>
             <a:chOff x="2537460" y="1444323"/>
             <a:chExt cx="2240280" cy="933120"/>
@@ -4149,7 +3623,7 @@
             <a:p>
               <a:pPr algn="ctr"/>
               <a:r>
-                <a:rPr lang="en-US" b="1" dirty="0"/>
+                <a:rPr lang="en-US" sz="2000" b="1" dirty="0"/>
                 <a:t>Deployment</a:t>
               </a:r>
             </a:p>
@@ -4208,7 +3682,7 @@
                     </a:schemeClr>
                   </a:solidFill>
                 </a:rPr>
-                <a:t>Ethics, Fairness, Responsibility, </a:t>
+                <a:t>Performance</a:t>
               </a:r>
             </a:p>
             <a:p>
@@ -4221,7 +3695,581 @@
                     </a:schemeClr>
                   </a:solidFill>
                 </a:rPr>
-                <a:t>and Transparency</a:t>
+                <a:t>Evasion and attacks</a:t>
+              </a:r>
+            </a:p>
+            <a:p>
+              <a:pPr algn="ctr"/>
+              <a:r>
+                <a:rPr lang="en-US" sz="1600" dirty="0">
+                  <a:solidFill>
+                    <a:schemeClr val="bg2">
+                      <a:lumMod val="75000"/>
+                    </a:schemeClr>
+                  </a:solidFill>
+                </a:rPr>
+                <a:t>Model drift</a:t>
+              </a:r>
+            </a:p>
+            <a:p>
+              <a:pPr algn="ctr"/>
+              <a:r>
+                <a:rPr lang="en-US" sz="1600" dirty="0">
+                  <a:solidFill>
+                    <a:schemeClr val="bg2">
+                      <a:lumMod val="75000"/>
+                    </a:schemeClr>
+                  </a:solidFill>
+                </a:rPr>
+                <a:t>Impact on stakeholders</a:t>
+              </a:r>
+            </a:p>
+          </p:txBody>
+        </p:sp>
+      </p:grpSp>
+      <p:grpSp>
+        <p:nvGrpSpPr>
+          <p:cNvPr id="9" name="Group 8">
+            <a:extLst>
+              <a:ext uri="{FF2B5EF4-FFF2-40B4-BE49-F238E27FC236}">
+                <a16:creationId xmlns:a16="http://schemas.microsoft.com/office/drawing/2014/main" id="{15F27CD6-E966-40B3-83B6-59C01C146DA9}"/>
+              </a:ext>
+            </a:extLst>
+          </p:cNvPr>
+          <p:cNvGrpSpPr/>
+          <p:nvPr/>
+        </p:nvGrpSpPr>
+        <p:grpSpPr>
+          <a:xfrm>
+            <a:off x="6174260" y="3019324"/>
+            <a:ext cx="2921916" cy="1837944"/>
+            <a:chOff x="6174260" y="3019324"/>
+            <a:chExt cx="2921916" cy="1837944"/>
+          </a:xfrm>
+        </p:grpSpPr>
+        <p:grpSp>
+          <p:nvGrpSpPr>
+            <p:cNvPr id="25" name="Group 24">
+              <a:extLst>
+                <a:ext uri="{FF2B5EF4-FFF2-40B4-BE49-F238E27FC236}">
+                  <a16:creationId xmlns:a16="http://schemas.microsoft.com/office/drawing/2014/main" id="{1C9F1B78-0C81-104D-B52D-DB6A0FD8453C}"/>
+                </a:ext>
+              </a:extLst>
+            </p:cNvPr>
+            <p:cNvGrpSpPr/>
+            <p:nvPr/>
+          </p:nvGrpSpPr>
+          <p:grpSpPr>
+            <a:xfrm>
+              <a:off x="6174260" y="3019324"/>
+              <a:ext cx="2379873" cy="1837944"/>
+              <a:chOff x="2537460" y="1431001"/>
+              <a:chExt cx="2240280" cy="1347250"/>
+            </a:xfrm>
+          </p:grpSpPr>
+          <p:sp>
+            <p:nvSpPr>
+              <p:cNvPr id="26" name="Rectangle 25">
+                <a:extLst>
+                  <a:ext uri="{FF2B5EF4-FFF2-40B4-BE49-F238E27FC236}">
+                    <a16:creationId xmlns:a16="http://schemas.microsoft.com/office/drawing/2014/main" id="{7355A74D-D0BF-1644-95CC-85F1F54E13E8}"/>
+                  </a:ext>
+                </a:extLst>
+              </p:cNvPr>
+              <p:cNvSpPr/>
+              <p:nvPr/>
+            </p:nvSpPr>
+            <p:spPr>
+              <a:xfrm>
+                <a:off x="2537460" y="1431001"/>
+                <a:ext cx="2240280" cy="557819"/>
+              </a:xfrm>
+              <a:prstGeom prst="rect">
+                <a:avLst/>
+              </a:prstGeom>
+            </p:spPr>
+            <p:style>
+              <a:lnRef idx="2">
+                <a:schemeClr val="accent1">
+                  <a:shade val="50000"/>
+                </a:schemeClr>
+              </a:lnRef>
+              <a:fillRef idx="1">
+                <a:schemeClr val="accent1"/>
+              </a:fillRef>
+              <a:effectRef idx="0">
+                <a:schemeClr val="accent1"/>
+              </a:effectRef>
+              <a:fontRef idx="minor">
+                <a:schemeClr val="lt1"/>
+              </a:fontRef>
+            </p:style>
+            <p:txBody>
+              <a:bodyPr rtlCol="0" anchor="ctr"/>
+              <a:lstStyle/>
+              <a:p>
+                <a:pPr algn="ctr"/>
+                <a:r>
+                  <a:rPr lang="en-US" sz="2000" b="1" dirty="0"/>
+                  <a:t>Modeling</a:t>
+                </a:r>
+              </a:p>
+            </p:txBody>
+          </p:sp>
+          <p:sp>
+            <p:nvSpPr>
+              <p:cNvPr id="27" name="Rectangle 26">
+                <a:extLst>
+                  <a:ext uri="{FF2B5EF4-FFF2-40B4-BE49-F238E27FC236}">
+                    <a16:creationId xmlns:a16="http://schemas.microsoft.com/office/drawing/2014/main" id="{895D29CC-01C3-4643-96B3-42E682A7D55A}"/>
+                  </a:ext>
+                </a:extLst>
+              </p:cNvPr>
+              <p:cNvSpPr/>
+              <p:nvPr/>
+            </p:nvSpPr>
+            <p:spPr>
+              <a:xfrm>
+                <a:off x="2537460" y="1988821"/>
+                <a:ext cx="2240280" cy="789430"/>
+              </a:xfrm>
+              <a:prstGeom prst="rect">
+                <a:avLst/>
+              </a:prstGeom>
+              <a:solidFill>
+                <a:schemeClr val="bg1"/>
+              </a:solidFill>
+            </p:spPr>
+            <p:style>
+              <a:lnRef idx="2">
+                <a:schemeClr val="accent1">
+                  <a:shade val="50000"/>
+                </a:schemeClr>
+              </a:lnRef>
+              <a:fillRef idx="1">
+                <a:schemeClr val="accent1"/>
+              </a:fillRef>
+              <a:effectRef idx="0">
+                <a:schemeClr val="accent1"/>
+              </a:effectRef>
+              <a:fontRef idx="minor">
+                <a:schemeClr val="lt1"/>
+              </a:fontRef>
+            </p:style>
+            <p:txBody>
+              <a:bodyPr rtlCol="0" anchor="ctr"/>
+              <a:lstStyle/>
+              <a:p>
+                <a:pPr algn="ctr"/>
+                <a:r>
+                  <a:rPr lang="en-US" sz="1600" dirty="0">
+                    <a:solidFill>
+                      <a:schemeClr val="bg2">
+                        <a:lumMod val="75000"/>
+                      </a:schemeClr>
+                    </a:solidFill>
+                  </a:rPr>
+                  <a:t>Efficiency</a:t>
+                </a:r>
+              </a:p>
+              <a:p>
+                <a:pPr algn="ctr"/>
+                <a:r>
+                  <a:rPr lang="en-US" sz="1600" dirty="0">
+                    <a:solidFill>
+                      <a:schemeClr val="bg2">
+                        <a:lumMod val="75000"/>
+                      </a:schemeClr>
+                    </a:solidFill>
+                  </a:rPr>
+                  <a:t>Accuracy</a:t>
+                </a:r>
+              </a:p>
+              <a:p>
+                <a:pPr algn="ctr"/>
+                <a:r>
+                  <a:rPr lang="en-US" sz="1600" dirty="0">
+                    <a:solidFill>
+                      <a:schemeClr val="bg2">
+                        <a:lumMod val="75000"/>
+                      </a:schemeClr>
+                    </a:solidFill>
+                  </a:rPr>
+                  <a:t>Interpretability</a:t>
+                </a:r>
+              </a:p>
+              <a:p>
+                <a:pPr algn="ctr"/>
+                <a:r>
+                  <a:rPr lang="en-US" sz="1600" dirty="0">
+                    <a:solidFill>
+                      <a:schemeClr val="bg2">
+                        <a:lumMod val="75000"/>
+                      </a:schemeClr>
+                    </a:solidFill>
+                  </a:rPr>
+                  <a:t>Adversarial resistance</a:t>
+                </a:r>
+              </a:p>
+            </p:txBody>
+          </p:sp>
+        </p:grpSp>
+        <p:sp>
+          <p:nvSpPr>
+            <p:cNvPr id="42" name="Right Arrow 41">
+              <a:extLst>
+                <a:ext uri="{FF2B5EF4-FFF2-40B4-BE49-F238E27FC236}">
+                  <a16:creationId xmlns:a16="http://schemas.microsoft.com/office/drawing/2014/main" id="{E59032F9-AEB3-194D-9B50-C5B0D0C27507}"/>
+                </a:ext>
+              </a:extLst>
+            </p:cNvPr>
+            <p:cNvSpPr/>
+            <p:nvPr/>
+          </p:nvSpPr>
+          <p:spPr>
+            <a:xfrm>
+              <a:off x="8554674" y="3831748"/>
+              <a:ext cx="541502" cy="292608"/>
+            </a:xfrm>
+            <a:prstGeom prst="rightArrow">
+              <a:avLst/>
+            </a:prstGeom>
+          </p:spPr>
+          <p:style>
+            <a:lnRef idx="2">
+              <a:schemeClr val="accent1">
+                <a:shade val="50000"/>
+              </a:schemeClr>
+            </a:lnRef>
+            <a:fillRef idx="1">
+              <a:schemeClr val="accent1"/>
+            </a:fillRef>
+            <a:effectRef idx="0">
+              <a:schemeClr val="accent1"/>
+            </a:effectRef>
+            <a:fontRef idx="minor">
+              <a:schemeClr val="lt1"/>
+            </a:fontRef>
+          </p:style>
+          <p:txBody>
+            <a:bodyPr rtlCol="0" anchor="ctr"/>
+            <a:lstStyle/>
+            <a:p>
+              <a:pPr algn="ctr"/>
+              <a:endParaRPr lang="en-US"/>
+            </a:p>
+          </p:txBody>
+        </p:sp>
+      </p:grpSp>
+      <p:grpSp>
+        <p:nvGrpSpPr>
+          <p:cNvPr id="6" name="Group 5">
+            <a:extLst>
+              <a:ext uri="{FF2B5EF4-FFF2-40B4-BE49-F238E27FC236}">
+                <a16:creationId xmlns:a16="http://schemas.microsoft.com/office/drawing/2014/main" id="{D95807A5-7EFF-43E0-B385-F437E23B7D6C}"/>
+              </a:ext>
+            </a:extLst>
+          </p:cNvPr>
+          <p:cNvGrpSpPr/>
+          <p:nvPr/>
+        </p:nvGrpSpPr>
+        <p:grpSpPr>
+          <a:xfrm>
+            <a:off x="2119974" y="157291"/>
+            <a:ext cx="2823826" cy="1515506"/>
+            <a:chOff x="2119974" y="316759"/>
+            <a:chExt cx="2823826" cy="2015057"/>
+          </a:xfrm>
+        </p:grpSpPr>
+        <p:sp>
+          <p:nvSpPr>
+            <p:cNvPr id="39" name="Rectangle 38">
+              <a:extLst>
+                <a:ext uri="{FF2B5EF4-FFF2-40B4-BE49-F238E27FC236}">
+                  <a16:creationId xmlns:a16="http://schemas.microsoft.com/office/drawing/2014/main" id="{85F54D92-861F-9741-B794-3D86FAA2B2F7}"/>
+                </a:ext>
+              </a:extLst>
+            </p:cNvPr>
+            <p:cNvSpPr/>
+            <p:nvPr/>
+          </p:nvSpPr>
+          <p:spPr>
+            <a:xfrm>
+              <a:off x="2119974" y="316759"/>
+              <a:ext cx="2823826" cy="747324"/>
+            </a:xfrm>
+            <a:prstGeom prst="rect">
+              <a:avLst/>
+            </a:prstGeom>
+            <a:solidFill>
+              <a:srgbClr val="002B3B"/>
+            </a:solidFill>
+          </p:spPr>
+          <p:style>
+            <a:lnRef idx="2">
+              <a:schemeClr val="accent1">
+                <a:shade val="50000"/>
+              </a:schemeClr>
+            </a:lnRef>
+            <a:fillRef idx="1">
+              <a:schemeClr val="accent1"/>
+            </a:fillRef>
+            <a:effectRef idx="0">
+              <a:schemeClr val="accent1"/>
+            </a:effectRef>
+            <a:fontRef idx="minor">
+              <a:schemeClr val="lt1"/>
+            </a:fontRef>
+          </p:style>
+          <p:txBody>
+            <a:bodyPr rtlCol="0" anchor="ctr"/>
+            <a:lstStyle/>
+            <a:p>
+              <a:pPr algn="ctr"/>
+              <a:r>
+                <a:rPr lang="en-US" sz="2000" b="1" dirty="0"/>
+                <a:t>Adversaries</a:t>
+              </a:r>
+            </a:p>
+          </p:txBody>
+        </p:sp>
+        <p:sp>
+          <p:nvSpPr>
+            <p:cNvPr id="40" name="Rectangle 39">
+              <a:extLst>
+                <a:ext uri="{FF2B5EF4-FFF2-40B4-BE49-F238E27FC236}">
+                  <a16:creationId xmlns:a16="http://schemas.microsoft.com/office/drawing/2014/main" id="{AAC5FD96-E831-3A47-B9EC-A60EFE0AB863}"/>
+                </a:ext>
+              </a:extLst>
+            </p:cNvPr>
+            <p:cNvSpPr/>
+            <p:nvPr/>
+          </p:nvSpPr>
+          <p:spPr>
+            <a:xfrm>
+              <a:off x="2119974" y="1084064"/>
+              <a:ext cx="2823826" cy="1247752"/>
+            </a:xfrm>
+            <a:prstGeom prst="rect">
+              <a:avLst/>
+            </a:prstGeom>
+            <a:solidFill>
+              <a:schemeClr val="bg1"/>
+            </a:solidFill>
+          </p:spPr>
+          <p:style>
+            <a:lnRef idx="2">
+              <a:schemeClr val="accent1">
+                <a:shade val="50000"/>
+              </a:schemeClr>
+            </a:lnRef>
+            <a:fillRef idx="1">
+              <a:schemeClr val="accent1"/>
+            </a:fillRef>
+            <a:effectRef idx="0">
+              <a:schemeClr val="accent1"/>
+            </a:effectRef>
+            <a:fontRef idx="minor">
+              <a:schemeClr val="lt1"/>
+            </a:fontRef>
+          </p:style>
+          <p:txBody>
+            <a:bodyPr rtlCol="0" anchor="ctr"/>
+            <a:lstStyle/>
+            <a:p>
+              <a:pPr algn="ctr"/>
+              <a:r>
+                <a:rPr lang="en-US" sz="1600" dirty="0">
+                  <a:solidFill>
+                    <a:schemeClr val="bg2">
+                      <a:lumMod val="75000"/>
+                    </a:schemeClr>
+                  </a:solidFill>
+                </a:rPr>
+                <a:t>Attacker’s goals</a:t>
+              </a:r>
+            </a:p>
+            <a:p>
+              <a:pPr algn="ctr"/>
+              <a:r>
+                <a:rPr lang="en-US" sz="1600" dirty="0">
+                  <a:solidFill>
+                    <a:schemeClr val="bg2">
+                      <a:lumMod val="75000"/>
+                    </a:schemeClr>
+                  </a:solidFill>
+                </a:rPr>
+                <a:t>Attacker’s capabilities</a:t>
+              </a:r>
+            </a:p>
+            <a:p>
+              <a:pPr algn="ctr"/>
+              <a:r>
+                <a:rPr lang="en-US" sz="1600" dirty="0">
+                  <a:solidFill>
+                    <a:schemeClr val="bg2">
+                      <a:lumMod val="75000"/>
+                    </a:schemeClr>
+                  </a:solidFill>
+                </a:rPr>
+                <a:t>Robustness of model/feature</a:t>
+              </a:r>
+            </a:p>
+          </p:txBody>
+        </p:sp>
+      </p:grpSp>
+      <p:grpSp>
+        <p:nvGrpSpPr>
+          <p:cNvPr id="3" name="Group 2">
+            <a:extLst>
+              <a:ext uri="{FF2B5EF4-FFF2-40B4-BE49-F238E27FC236}">
+                <a16:creationId xmlns:a16="http://schemas.microsoft.com/office/drawing/2014/main" id="{67661297-5F5E-4B55-A21E-FC73C895E923}"/>
+              </a:ext>
+            </a:extLst>
+          </p:cNvPr>
+          <p:cNvGrpSpPr/>
+          <p:nvPr/>
+        </p:nvGrpSpPr>
+        <p:grpSpPr>
+          <a:xfrm>
+            <a:off x="7413333" y="157291"/>
+            <a:ext cx="2823827" cy="1379266"/>
+            <a:chOff x="7413333" y="398039"/>
+            <a:chExt cx="2823827" cy="1833908"/>
+          </a:xfrm>
+        </p:grpSpPr>
+        <p:sp>
+          <p:nvSpPr>
+            <p:cNvPr id="45" name="Rectangle 44">
+              <a:extLst>
+                <a:ext uri="{FF2B5EF4-FFF2-40B4-BE49-F238E27FC236}">
+                  <a16:creationId xmlns:a16="http://schemas.microsoft.com/office/drawing/2014/main" id="{1F142F1A-6051-4215-8D30-16CD3077F60B}"/>
+                </a:ext>
+              </a:extLst>
+            </p:cNvPr>
+            <p:cNvSpPr/>
+            <p:nvPr/>
+          </p:nvSpPr>
+          <p:spPr>
+            <a:xfrm>
+              <a:off x="7413334" y="398039"/>
+              <a:ext cx="2823826" cy="747324"/>
+            </a:xfrm>
+            <a:prstGeom prst="rect">
+              <a:avLst/>
+            </a:prstGeom>
+            <a:solidFill>
+              <a:srgbClr val="002B3B"/>
+            </a:solidFill>
+          </p:spPr>
+          <p:style>
+            <a:lnRef idx="2">
+              <a:schemeClr val="accent1">
+                <a:shade val="50000"/>
+              </a:schemeClr>
+            </a:lnRef>
+            <a:fillRef idx="1">
+              <a:schemeClr val="accent1"/>
+            </a:fillRef>
+            <a:effectRef idx="0">
+              <a:schemeClr val="accent1"/>
+            </a:effectRef>
+            <a:fontRef idx="minor">
+              <a:schemeClr val="lt1"/>
+            </a:fontRef>
+          </p:style>
+          <p:txBody>
+            <a:bodyPr rtlCol="0" anchor="ctr"/>
+            <a:lstStyle/>
+            <a:p>
+              <a:pPr algn="ctr"/>
+              <a:r>
+                <a:rPr lang="en-US" sz="2000" b="1" dirty="0"/>
+                <a:t>Ethics</a:t>
+              </a:r>
+            </a:p>
+          </p:txBody>
+        </p:sp>
+        <p:sp>
+          <p:nvSpPr>
+            <p:cNvPr id="47" name="Rectangle 46">
+              <a:extLst>
+                <a:ext uri="{FF2B5EF4-FFF2-40B4-BE49-F238E27FC236}">
+                  <a16:creationId xmlns:a16="http://schemas.microsoft.com/office/drawing/2014/main" id="{2619AE1D-FE36-478F-9FAF-D8C563E273D4}"/>
+                </a:ext>
+              </a:extLst>
+            </p:cNvPr>
+            <p:cNvSpPr/>
+            <p:nvPr/>
+          </p:nvSpPr>
+          <p:spPr>
+            <a:xfrm>
+              <a:off x="7413333" y="1145362"/>
+              <a:ext cx="2823826" cy="1086585"/>
+            </a:xfrm>
+            <a:prstGeom prst="rect">
+              <a:avLst/>
+            </a:prstGeom>
+            <a:solidFill>
+              <a:schemeClr val="bg1"/>
+            </a:solidFill>
+          </p:spPr>
+          <p:style>
+            <a:lnRef idx="2">
+              <a:schemeClr val="accent1">
+                <a:shade val="50000"/>
+              </a:schemeClr>
+            </a:lnRef>
+            <a:fillRef idx="1">
+              <a:schemeClr val="accent1"/>
+            </a:fillRef>
+            <a:effectRef idx="0">
+              <a:schemeClr val="accent1"/>
+            </a:effectRef>
+            <a:fontRef idx="minor">
+              <a:schemeClr val="lt1"/>
+            </a:fontRef>
+          </p:style>
+          <p:txBody>
+            <a:bodyPr rtlCol="0" anchor="ctr"/>
+            <a:lstStyle/>
+            <a:p>
+              <a:pPr algn="ctr"/>
+              <a:r>
+                <a:rPr lang="en-US" sz="1600" dirty="0">
+                  <a:solidFill>
+                    <a:schemeClr val="bg2">
+                      <a:lumMod val="75000"/>
+                    </a:schemeClr>
+                  </a:solidFill>
+                </a:rPr>
+                <a:t>Privacy</a:t>
+              </a:r>
+            </a:p>
+            <a:p>
+              <a:pPr algn="ctr"/>
+              <a:r>
+                <a:rPr lang="en-US" sz="1600" dirty="0">
+                  <a:solidFill>
+                    <a:schemeClr val="bg2">
+                      <a:lumMod val="75000"/>
+                    </a:schemeClr>
+                  </a:solidFill>
+                </a:rPr>
+                <a:t>Fairness</a:t>
+              </a:r>
+            </a:p>
+            <a:p>
+              <a:pPr algn="ctr"/>
+              <a:r>
+                <a:rPr lang="en-US" sz="1600" dirty="0">
+                  <a:solidFill>
+                    <a:schemeClr val="bg2">
+                      <a:lumMod val="75000"/>
+                    </a:schemeClr>
+                  </a:solidFill>
+                </a:rPr>
+                <a:t>Transparency</a:t>
               </a:r>
             </a:p>
           </p:txBody>
@@ -4229,10 +4277,45 @@
       </p:grpSp>
       <p:sp>
         <p:nvSpPr>
-          <p:cNvPr id="31" name="Right Arrow 30">
+          <p:cNvPr id="51" name="TextBox 50">
             <a:extLst>
               <a:ext uri="{FF2B5EF4-FFF2-40B4-BE49-F238E27FC236}">
-                <a16:creationId xmlns:a16="http://schemas.microsoft.com/office/drawing/2014/main" id="{687043B9-15BB-644E-9165-FCDFD4C554A5}"/>
+                <a16:creationId xmlns:a16="http://schemas.microsoft.com/office/drawing/2014/main" id="{D17A21C7-DD84-4DBC-A7C8-A54CC335A8C1}"/>
+              </a:ext>
+            </a:extLst>
+          </p:cNvPr>
+          <p:cNvSpPr txBox="1"/>
+          <p:nvPr/>
+        </p:nvSpPr>
+        <p:spPr>
+          <a:xfrm>
+            <a:off x="8252821" y="1907624"/>
+            <a:ext cx="1133644" cy="369332"/>
+          </a:xfrm>
+          <a:prstGeom prst="rect">
+            <a:avLst/>
+          </a:prstGeom>
+          <a:noFill/>
+        </p:spPr>
+        <p:txBody>
+          <a:bodyPr wrap="none" rtlCol="0">
+            <a:spAutoFit/>
+          </a:bodyPr>
+          <a:lstStyle/>
+          <a:p>
+            <a:r>
+              <a:rPr lang="en-US" dirty="0"/>
+              <a:t>Module 4</a:t>
+            </a:r>
+          </a:p>
+        </p:txBody>
+      </p:sp>
+      <p:sp>
+        <p:nvSpPr>
+          <p:cNvPr id="7" name="Right Brace 6">
+            <a:extLst>
+              <a:ext uri="{FF2B5EF4-FFF2-40B4-BE49-F238E27FC236}">
+                <a16:creationId xmlns:a16="http://schemas.microsoft.com/office/drawing/2014/main" id="{8AF923C0-BD3D-476C-8424-8B22A5EBE3DF}"/>
               </a:ext>
             </a:extLst>
           </p:cNvPr>
@@ -4240,11 +4323,222 @@
           <p:nvPr/>
         </p:nvSpPr>
         <p:spPr>
+          <a:xfrm rot="5400000">
+            <a:off x="8677878" y="370022"/>
+            <a:ext cx="274320" cy="2743200"/>
+          </a:xfrm>
+          <a:prstGeom prst="rightBrace">
+            <a:avLst/>
+          </a:prstGeom>
+          <a:ln w="31750" cap="flat">
+            <a:miter lim="800000"/>
+          </a:ln>
+        </p:spPr>
+        <p:style>
+          <a:lnRef idx="1">
+            <a:schemeClr val="accent1"/>
+          </a:lnRef>
+          <a:fillRef idx="0">
+            <a:schemeClr val="accent1"/>
+          </a:fillRef>
+          <a:effectRef idx="0">
+            <a:schemeClr val="accent1"/>
+          </a:effectRef>
+          <a:fontRef idx="minor">
+            <a:schemeClr val="tx1"/>
+          </a:fontRef>
+        </p:style>
+        <p:txBody>
+          <a:bodyPr rtlCol="0" anchor="ctr"/>
+          <a:lstStyle/>
+          <a:p>
+            <a:pPr algn="ctr"/>
+            <a:endParaRPr lang="en-US"/>
+          </a:p>
+        </p:txBody>
+      </p:sp>
+      <p:sp>
+        <p:nvSpPr>
+          <p:cNvPr id="52" name="TextBox 51">
+            <a:extLst>
+              <a:ext uri="{FF2B5EF4-FFF2-40B4-BE49-F238E27FC236}">
+                <a16:creationId xmlns:a16="http://schemas.microsoft.com/office/drawing/2014/main" id="{7471B39E-184D-4E9F-B771-8ACDF8F92ED2}"/>
+              </a:ext>
+            </a:extLst>
+          </p:cNvPr>
+          <p:cNvSpPr txBox="1"/>
+          <p:nvPr/>
+        </p:nvSpPr>
+        <p:spPr>
           <a:xfrm>
-            <a:off x="2574903" y="2900125"/>
-            <a:ext cx="323125" cy="196770"/>
+            <a:off x="2720032" y="1900999"/>
+            <a:ext cx="1633781" cy="369332"/>
           </a:xfrm>
-          <a:prstGeom prst="rightArrow">
+          <a:prstGeom prst="rect">
+            <a:avLst/>
+          </a:prstGeom>
+          <a:noFill/>
+        </p:spPr>
+        <p:txBody>
+          <a:bodyPr wrap="none" rtlCol="0">
+            <a:spAutoFit/>
+          </a:bodyPr>
+          <a:lstStyle/>
+          <a:p>
+            <a:r>
+              <a:rPr lang="en-US" dirty="0"/>
+              <a:t>Modules 2 – 4</a:t>
+            </a:r>
+          </a:p>
+        </p:txBody>
+      </p:sp>
+      <p:sp>
+        <p:nvSpPr>
+          <p:cNvPr id="53" name="Right Brace 52">
+            <a:extLst>
+              <a:ext uri="{FF2B5EF4-FFF2-40B4-BE49-F238E27FC236}">
+                <a16:creationId xmlns:a16="http://schemas.microsoft.com/office/drawing/2014/main" id="{C76E390B-CCDF-45B2-BCE9-3DF2DDC6F4AA}"/>
+              </a:ext>
+            </a:extLst>
+          </p:cNvPr>
+          <p:cNvSpPr/>
+          <p:nvPr/>
+        </p:nvSpPr>
+        <p:spPr>
+          <a:xfrm rot="5400000">
+            <a:off x="3394727" y="442240"/>
+            <a:ext cx="274320" cy="2743200"/>
+          </a:xfrm>
+          <a:prstGeom prst="rightBrace">
+            <a:avLst/>
+          </a:prstGeom>
+          <a:ln w="31750" cap="flat">
+            <a:miter lim="800000"/>
+          </a:ln>
+        </p:spPr>
+        <p:style>
+          <a:lnRef idx="1">
+            <a:schemeClr val="accent1"/>
+          </a:lnRef>
+          <a:fillRef idx="0">
+            <a:schemeClr val="accent1"/>
+          </a:fillRef>
+          <a:effectRef idx="0">
+            <a:schemeClr val="accent1"/>
+          </a:effectRef>
+          <a:fontRef idx="minor">
+            <a:schemeClr val="tx1"/>
+          </a:fontRef>
+        </p:style>
+        <p:txBody>
+          <a:bodyPr rtlCol="0" anchor="ctr"/>
+          <a:lstStyle/>
+          <a:p>
+            <a:pPr algn="ctr"/>
+            <a:endParaRPr lang="en-US"/>
+          </a:p>
+        </p:txBody>
+      </p:sp>
+      <p:sp>
+        <p:nvSpPr>
+          <p:cNvPr id="54" name="TextBox 53">
+            <a:extLst>
+              <a:ext uri="{FF2B5EF4-FFF2-40B4-BE49-F238E27FC236}">
+                <a16:creationId xmlns:a16="http://schemas.microsoft.com/office/drawing/2014/main" id="{2E589468-6867-42EB-872B-3AF59CE6C6AF}"/>
+              </a:ext>
+            </a:extLst>
+          </p:cNvPr>
+          <p:cNvSpPr txBox="1"/>
+          <p:nvPr/>
+        </p:nvSpPr>
+        <p:spPr>
+          <a:xfrm>
+            <a:off x="5317465" y="5214044"/>
+            <a:ext cx="1133644" cy="369332"/>
+          </a:xfrm>
+          <a:prstGeom prst="rect">
+            <a:avLst/>
+          </a:prstGeom>
+          <a:noFill/>
+        </p:spPr>
+        <p:txBody>
+          <a:bodyPr wrap="none" rtlCol="0">
+            <a:spAutoFit/>
+          </a:bodyPr>
+          <a:lstStyle/>
+          <a:p>
+            <a:r>
+              <a:rPr lang="en-US" dirty="0"/>
+              <a:t>Module 3</a:t>
+            </a:r>
+          </a:p>
+        </p:txBody>
+      </p:sp>
+      <p:sp>
+        <p:nvSpPr>
+          <p:cNvPr id="55" name="Right Brace 54">
+            <a:extLst>
+              <a:ext uri="{FF2B5EF4-FFF2-40B4-BE49-F238E27FC236}">
+                <a16:creationId xmlns:a16="http://schemas.microsoft.com/office/drawing/2014/main" id="{F096D117-F0C7-4CF4-9926-3C2F2947A46F}"/>
+              </a:ext>
+            </a:extLst>
+          </p:cNvPr>
+          <p:cNvSpPr/>
+          <p:nvPr/>
+        </p:nvSpPr>
+        <p:spPr>
+          <a:xfrm rot="5400000">
+            <a:off x="5748284" y="2409998"/>
+            <a:ext cx="274320" cy="5276088"/>
+          </a:xfrm>
+          <a:prstGeom prst="rightBrace">
+            <a:avLst/>
+          </a:prstGeom>
+          <a:ln w="31750" cap="flat">
+            <a:miter lim="800000"/>
+          </a:ln>
+        </p:spPr>
+        <p:style>
+          <a:lnRef idx="1">
+            <a:schemeClr val="accent1"/>
+          </a:lnRef>
+          <a:fillRef idx="0">
+            <a:schemeClr val="accent1"/>
+          </a:fillRef>
+          <a:effectRef idx="0">
+            <a:schemeClr val="accent1"/>
+          </a:effectRef>
+          <a:fontRef idx="minor">
+            <a:schemeClr val="tx1"/>
+          </a:fontRef>
+        </p:style>
+        <p:txBody>
+          <a:bodyPr rtlCol="0" anchor="ctr"/>
+          <a:lstStyle/>
+          <a:p>
+            <a:pPr algn="ctr"/>
+            <a:endParaRPr lang="en-US"/>
+          </a:p>
+        </p:txBody>
+      </p:sp>
+      <p:sp>
+        <p:nvSpPr>
+          <p:cNvPr id="8" name="Arrow: Bent 7">
+            <a:extLst>
+              <a:ext uri="{FF2B5EF4-FFF2-40B4-BE49-F238E27FC236}">
+                <a16:creationId xmlns:a16="http://schemas.microsoft.com/office/drawing/2014/main" id="{DB00BC62-B12C-4638-A1C5-F0780B8158B5}"/>
+              </a:ext>
+            </a:extLst>
+          </p:cNvPr>
+          <p:cNvSpPr/>
+          <p:nvPr/>
+        </p:nvSpPr>
+        <p:spPr>
+          <a:xfrm rot="5400000">
+            <a:off x="11074872" y="4349213"/>
+            <a:ext cx="1399032" cy="517170"/>
+          </a:xfrm>
+          <a:prstGeom prst="bentArrow">
             <a:avLst/>
           </a:prstGeom>
         </p:spPr>
@@ -4269,16 +4563,20 @@
           <a:lstStyle/>
           <a:p>
             <a:pPr algn="ctr"/>
-            <a:endParaRPr lang="en-US"/>
+            <a:endParaRPr lang="en-US">
+              <a:solidFill>
+                <a:schemeClr val="tx1"/>
+              </a:solidFill>
+            </a:endParaRPr>
           </a:p>
         </p:txBody>
       </p:sp>
       <p:sp>
         <p:nvSpPr>
-          <p:cNvPr id="32" name="Right Arrow 31">
+          <p:cNvPr id="57" name="Arrow: Bent 56">
             <a:extLst>
               <a:ext uri="{FF2B5EF4-FFF2-40B4-BE49-F238E27FC236}">
-                <a16:creationId xmlns:a16="http://schemas.microsoft.com/office/drawing/2014/main" id="{6E2AF713-7698-934E-BA9F-8E69AD3C6A01}"/>
+                <a16:creationId xmlns:a16="http://schemas.microsoft.com/office/drawing/2014/main" id="{E6A84F17-1E70-4900-8155-7491F7D5D0AF}"/>
               </a:ext>
             </a:extLst>
           </p:cNvPr>
@@ -4286,11 +4584,11 @@
           <p:nvPr/>
         </p:nvSpPr>
         <p:spPr>
-          <a:xfrm>
-            <a:off x="5373601" y="2900122"/>
-            <a:ext cx="328928" cy="196773"/>
+          <a:xfrm rot="10800000">
+            <a:off x="1909428" y="5393638"/>
+            <a:ext cx="10058400" cy="517170"/>
           </a:xfrm>
-          <a:prstGeom prst="rightArrow">
+          <a:prstGeom prst="bentArrow">
             <a:avLst/>
           </a:prstGeom>
         </p:spPr>
@@ -4315,16 +4613,523 @@
           <a:lstStyle/>
           <a:p>
             <a:pPr algn="ctr"/>
-            <a:endParaRPr lang="en-US"/>
+            <a:endParaRPr lang="en-US">
+              <a:solidFill>
+                <a:schemeClr val="tx1"/>
+              </a:solidFill>
+            </a:endParaRPr>
+          </a:p>
+        </p:txBody>
+      </p:sp>
+      <p:grpSp>
+        <p:nvGrpSpPr>
+          <p:cNvPr id="61" name="Group 60">
+            <a:extLst>
+              <a:ext uri="{FF2B5EF4-FFF2-40B4-BE49-F238E27FC236}">
+                <a16:creationId xmlns:a16="http://schemas.microsoft.com/office/drawing/2014/main" id="{56C7C613-C7B6-4903-9845-373985A96211}"/>
+              </a:ext>
+            </a:extLst>
+          </p:cNvPr>
+          <p:cNvGrpSpPr/>
+          <p:nvPr/>
+        </p:nvGrpSpPr>
+        <p:grpSpPr>
+          <a:xfrm>
+            <a:off x="3225650" y="3019324"/>
+            <a:ext cx="2921916" cy="1837944"/>
+            <a:chOff x="6174260" y="3019324"/>
+            <a:chExt cx="2921916" cy="1837944"/>
+          </a:xfrm>
+        </p:grpSpPr>
+        <p:grpSp>
+          <p:nvGrpSpPr>
+            <p:cNvPr id="62" name="Group 61">
+              <a:extLst>
+                <a:ext uri="{FF2B5EF4-FFF2-40B4-BE49-F238E27FC236}">
+                  <a16:creationId xmlns:a16="http://schemas.microsoft.com/office/drawing/2014/main" id="{AF8DE7CA-C83E-4781-843B-EF3E32D21370}"/>
+                </a:ext>
+              </a:extLst>
+            </p:cNvPr>
+            <p:cNvGrpSpPr/>
+            <p:nvPr/>
+          </p:nvGrpSpPr>
+          <p:grpSpPr>
+            <a:xfrm>
+              <a:off x="6174260" y="3019324"/>
+              <a:ext cx="2379873" cy="1837944"/>
+              <a:chOff x="2537460" y="1431001"/>
+              <a:chExt cx="2240280" cy="1347250"/>
+            </a:xfrm>
+          </p:grpSpPr>
+          <p:sp>
+            <p:nvSpPr>
+              <p:cNvPr id="64" name="Rectangle 63">
+                <a:extLst>
+                  <a:ext uri="{FF2B5EF4-FFF2-40B4-BE49-F238E27FC236}">
+                    <a16:creationId xmlns:a16="http://schemas.microsoft.com/office/drawing/2014/main" id="{82EE295B-9AEE-487D-AF4F-144E589627C9}"/>
+                  </a:ext>
+                </a:extLst>
+              </p:cNvPr>
+              <p:cNvSpPr/>
+              <p:nvPr/>
+            </p:nvSpPr>
+            <p:spPr>
+              <a:xfrm>
+                <a:off x="2537460" y="1431001"/>
+                <a:ext cx="2240280" cy="557819"/>
+              </a:xfrm>
+              <a:prstGeom prst="rect">
+                <a:avLst/>
+              </a:prstGeom>
+            </p:spPr>
+            <p:style>
+              <a:lnRef idx="2">
+                <a:schemeClr val="accent1">
+                  <a:shade val="50000"/>
+                </a:schemeClr>
+              </a:lnRef>
+              <a:fillRef idx="1">
+                <a:schemeClr val="accent1"/>
+              </a:fillRef>
+              <a:effectRef idx="0">
+                <a:schemeClr val="accent1"/>
+              </a:effectRef>
+              <a:fontRef idx="minor">
+                <a:schemeClr val="lt1"/>
+              </a:fontRef>
+            </p:style>
+            <p:txBody>
+              <a:bodyPr rtlCol="0" anchor="ctr"/>
+              <a:lstStyle/>
+              <a:p>
+                <a:pPr algn="ctr"/>
+                <a:r>
+                  <a:rPr lang="en-US" sz="2000" b="1" dirty="0"/>
+                  <a:t>Data Representation</a:t>
+                </a:r>
+              </a:p>
+            </p:txBody>
+          </p:sp>
+          <p:sp>
+            <p:nvSpPr>
+              <p:cNvPr id="65" name="Rectangle 64">
+                <a:extLst>
+                  <a:ext uri="{FF2B5EF4-FFF2-40B4-BE49-F238E27FC236}">
+                    <a16:creationId xmlns:a16="http://schemas.microsoft.com/office/drawing/2014/main" id="{51B9A574-F17B-4038-A5BB-D8811E28346F}"/>
+                  </a:ext>
+                </a:extLst>
+              </p:cNvPr>
+              <p:cNvSpPr/>
+              <p:nvPr/>
+            </p:nvSpPr>
+            <p:spPr>
+              <a:xfrm>
+                <a:off x="2537460" y="1988821"/>
+                <a:ext cx="2240280" cy="789430"/>
+              </a:xfrm>
+              <a:prstGeom prst="rect">
+                <a:avLst/>
+              </a:prstGeom>
+              <a:solidFill>
+                <a:schemeClr val="bg1"/>
+              </a:solidFill>
+            </p:spPr>
+            <p:style>
+              <a:lnRef idx="2">
+                <a:schemeClr val="accent1">
+                  <a:shade val="50000"/>
+                </a:schemeClr>
+              </a:lnRef>
+              <a:fillRef idx="1">
+                <a:schemeClr val="accent1"/>
+              </a:fillRef>
+              <a:effectRef idx="0">
+                <a:schemeClr val="accent1"/>
+              </a:effectRef>
+              <a:fontRef idx="minor">
+                <a:schemeClr val="lt1"/>
+              </a:fontRef>
+            </p:style>
+            <p:txBody>
+              <a:bodyPr rtlCol="0" anchor="ctr"/>
+              <a:lstStyle/>
+              <a:p>
+                <a:pPr algn="ctr"/>
+                <a:r>
+                  <a:rPr lang="en-US" sz="1600" dirty="0">
+                    <a:solidFill>
+                      <a:schemeClr val="bg2">
+                        <a:lumMod val="75000"/>
+                      </a:schemeClr>
+                    </a:solidFill>
+                  </a:rPr>
+                  <a:t>Data cleaning</a:t>
+                </a:r>
+              </a:p>
+              <a:p>
+                <a:pPr algn="ctr"/>
+                <a:r>
+                  <a:rPr lang="en-US" sz="1600" dirty="0">
+                    <a:solidFill>
+                      <a:schemeClr val="bg2">
+                        <a:lumMod val="75000"/>
+                      </a:schemeClr>
+                    </a:solidFill>
+                  </a:rPr>
+                  <a:t>Missing data</a:t>
+                </a:r>
+              </a:p>
+              <a:p>
+                <a:pPr algn="ctr"/>
+                <a:r>
+                  <a:rPr lang="en-US" sz="1600" dirty="0">
+                    <a:solidFill>
+                      <a:schemeClr val="bg2">
+                        <a:lumMod val="75000"/>
+                      </a:schemeClr>
+                    </a:solidFill>
+                  </a:rPr>
+                  <a:t>Feature selection</a:t>
+                </a:r>
+              </a:p>
+              <a:p>
+                <a:pPr algn="ctr"/>
+                <a:r>
+                  <a:rPr lang="en-US" sz="1600" dirty="0">
+                    <a:solidFill>
+                      <a:schemeClr val="bg2">
+                        <a:lumMod val="75000"/>
+                      </a:schemeClr>
+                    </a:solidFill>
+                  </a:rPr>
+                  <a:t>Consider fairness</a:t>
+                </a:r>
+              </a:p>
+            </p:txBody>
+          </p:sp>
+        </p:grpSp>
+        <p:sp>
+          <p:nvSpPr>
+            <p:cNvPr id="63" name="Right Arrow 41">
+              <a:extLst>
+                <a:ext uri="{FF2B5EF4-FFF2-40B4-BE49-F238E27FC236}">
+                  <a16:creationId xmlns:a16="http://schemas.microsoft.com/office/drawing/2014/main" id="{5D59B9AE-0E5E-402F-9AD3-803FE43F04B2}"/>
+                </a:ext>
+              </a:extLst>
+            </p:cNvPr>
+            <p:cNvSpPr/>
+            <p:nvPr/>
+          </p:nvSpPr>
+          <p:spPr>
+            <a:xfrm>
+              <a:off x="8554674" y="3831748"/>
+              <a:ext cx="541502" cy="292608"/>
+            </a:xfrm>
+            <a:prstGeom prst="rightArrow">
+              <a:avLst/>
+            </a:prstGeom>
+          </p:spPr>
+          <p:style>
+            <a:lnRef idx="2">
+              <a:schemeClr val="accent1">
+                <a:shade val="50000"/>
+              </a:schemeClr>
+            </a:lnRef>
+            <a:fillRef idx="1">
+              <a:schemeClr val="accent1"/>
+            </a:fillRef>
+            <a:effectRef idx="0">
+              <a:schemeClr val="accent1"/>
+            </a:effectRef>
+            <a:fontRef idx="minor">
+              <a:schemeClr val="lt1"/>
+            </a:fontRef>
+          </p:style>
+          <p:txBody>
+            <a:bodyPr rtlCol="0" anchor="ctr"/>
+            <a:lstStyle/>
+            <a:p>
+              <a:pPr algn="ctr"/>
+              <a:endParaRPr lang="en-US"/>
+            </a:p>
+          </p:txBody>
+        </p:sp>
+      </p:grpSp>
+      <p:grpSp>
+        <p:nvGrpSpPr>
+          <p:cNvPr id="66" name="Group 65">
+            <a:extLst>
+              <a:ext uri="{FF2B5EF4-FFF2-40B4-BE49-F238E27FC236}">
+                <a16:creationId xmlns:a16="http://schemas.microsoft.com/office/drawing/2014/main" id="{84DEE752-FA1A-4982-8412-C237B38F0AD9}"/>
+              </a:ext>
+            </a:extLst>
+          </p:cNvPr>
+          <p:cNvGrpSpPr/>
+          <p:nvPr/>
+        </p:nvGrpSpPr>
+        <p:grpSpPr>
+          <a:xfrm>
+            <a:off x="277036" y="3019324"/>
+            <a:ext cx="2921916" cy="1837944"/>
+            <a:chOff x="6174260" y="3019324"/>
+            <a:chExt cx="2921916" cy="1837944"/>
+          </a:xfrm>
+        </p:grpSpPr>
+        <p:grpSp>
+          <p:nvGrpSpPr>
+            <p:cNvPr id="67" name="Group 66">
+              <a:extLst>
+                <a:ext uri="{FF2B5EF4-FFF2-40B4-BE49-F238E27FC236}">
+                  <a16:creationId xmlns:a16="http://schemas.microsoft.com/office/drawing/2014/main" id="{D0D9A305-2310-4631-9192-A1E5457FB433}"/>
+                </a:ext>
+              </a:extLst>
+            </p:cNvPr>
+            <p:cNvGrpSpPr/>
+            <p:nvPr/>
+          </p:nvGrpSpPr>
+          <p:grpSpPr>
+            <a:xfrm>
+              <a:off x="6174260" y="3019324"/>
+              <a:ext cx="2379873" cy="1837944"/>
+              <a:chOff x="2537460" y="1431001"/>
+              <a:chExt cx="2240280" cy="1347250"/>
+            </a:xfrm>
+          </p:grpSpPr>
+          <p:sp>
+            <p:nvSpPr>
+              <p:cNvPr id="69" name="Rectangle 68">
+                <a:extLst>
+                  <a:ext uri="{FF2B5EF4-FFF2-40B4-BE49-F238E27FC236}">
+                    <a16:creationId xmlns:a16="http://schemas.microsoft.com/office/drawing/2014/main" id="{424A3DD8-00F5-4FBD-AB49-B34B6DB1C6E7}"/>
+                  </a:ext>
+                </a:extLst>
+              </p:cNvPr>
+              <p:cNvSpPr/>
+              <p:nvPr/>
+            </p:nvSpPr>
+            <p:spPr>
+              <a:xfrm>
+                <a:off x="2537460" y="1431001"/>
+                <a:ext cx="2240280" cy="557819"/>
+              </a:xfrm>
+              <a:prstGeom prst="rect">
+                <a:avLst/>
+              </a:prstGeom>
+            </p:spPr>
+            <p:style>
+              <a:lnRef idx="2">
+                <a:schemeClr val="accent1">
+                  <a:shade val="50000"/>
+                </a:schemeClr>
+              </a:lnRef>
+              <a:fillRef idx="1">
+                <a:schemeClr val="accent1"/>
+              </a:fillRef>
+              <a:effectRef idx="0">
+                <a:schemeClr val="accent1"/>
+              </a:effectRef>
+              <a:fontRef idx="minor">
+                <a:schemeClr val="lt1"/>
+              </a:fontRef>
+            </p:style>
+            <p:txBody>
+              <a:bodyPr rtlCol="0" anchor="ctr"/>
+              <a:lstStyle/>
+              <a:p>
+                <a:pPr algn="ctr"/>
+                <a:r>
+                  <a:rPr lang="en-US" sz="2000" b="1" dirty="0"/>
+                  <a:t>Identify Goals &amp; Collect Data</a:t>
+                </a:r>
+              </a:p>
+            </p:txBody>
+          </p:sp>
+          <p:sp>
+            <p:nvSpPr>
+              <p:cNvPr id="70" name="Rectangle 69">
+                <a:extLst>
+                  <a:ext uri="{FF2B5EF4-FFF2-40B4-BE49-F238E27FC236}">
+                    <a16:creationId xmlns:a16="http://schemas.microsoft.com/office/drawing/2014/main" id="{EA0026C1-A3D6-4ADF-A713-80204DE899B6}"/>
+                  </a:ext>
+                </a:extLst>
+              </p:cNvPr>
+              <p:cNvSpPr/>
+              <p:nvPr/>
+            </p:nvSpPr>
+            <p:spPr>
+              <a:xfrm>
+                <a:off x="2537460" y="1988821"/>
+                <a:ext cx="2240280" cy="789430"/>
+              </a:xfrm>
+              <a:prstGeom prst="rect">
+                <a:avLst/>
+              </a:prstGeom>
+              <a:solidFill>
+                <a:schemeClr val="bg1"/>
+              </a:solidFill>
+            </p:spPr>
+            <p:style>
+              <a:lnRef idx="2">
+                <a:schemeClr val="accent1">
+                  <a:shade val="50000"/>
+                </a:schemeClr>
+              </a:lnRef>
+              <a:fillRef idx="1">
+                <a:schemeClr val="accent1"/>
+              </a:fillRef>
+              <a:effectRef idx="0">
+                <a:schemeClr val="accent1"/>
+              </a:effectRef>
+              <a:fontRef idx="minor">
+                <a:schemeClr val="lt1"/>
+              </a:fontRef>
+            </p:style>
+            <p:txBody>
+              <a:bodyPr rtlCol="0" anchor="ctr"/>
+              <a:lstStyle/>
+              <a:p>
+                <a:pPr algn="ctr"/>
+                <a:r>
+                  <a:rPr lang="en-US" sz="1600" dirty="0">
+                    <a:solidFill>
+                      <a:schemeClr val="bg2">
+                        <a:lumMod val="75000"/>
+                      </a:schemeClr>
+                    </a:solidFill>
+                  </a:rPr>
+                  <a:t>Pinpoint needs</a:t>
+                </a:r>
+              </a:p>
+              <a:p>
+                <a:pPr algn="ctr"/>
+                <a:r>
+                  <a:rPr lang="en-US" sz="1600" dirty="0">
+                    <a:solidFill>
+                      <a:schemeClr val="bg2">
+                        <a:lumMod val="75000"/>
+                      </a:schemeClr>
+                    </a:solidFill>
+                  </a:rPr>
+                  <a:t>Data acquisition</a:t>
+                </a:r>
+              </a:p>
+              <a:p>
+                <a:pPr algn="ctr"/>
+                <a:r>
+                  <a:rPr lang="en-US" sz="1600" dirty="0">
+                    <a:solidFill>
+                      <a:schemeClr val="bg2">
+                        <a:lumMod val="75000"/>
+                      </a:schemeClr>
+                    </a:solidFill>
+                  </a:rPr>
+                  <a:t>Data labeling</a:t>
+                </a:r>
+              </a:p>
+              <a:p>
+                <a:pPr algn="ctr"/>
+                <a:r>
+                  <a:rPr lang="en-US" sz="1600" dirty="0">
+                    <a:solidFill>
+                      <a:schemeClr val="bg2">
+                        <a:lumMod val="75000"/>
+                      </a:schemeClr>
+                    </a:solidFill>
+                  </a:rPr>
+                  <a:t>Data exploration</a:t>
+                </a:r>
+              </a:p>
+            </p:txBody>
+          </p:sp>
+        </p:grpSp>
+        <p:sp>
+          <p:nvSpPr>
+            <p:cNvPr id="68" name="Right Arrow 41">
+              <a:extLst>
+                <a:ext uri="{FF2B5EF4-FFF2-40B4-BE49-F238E27FC236}">
+                  <a16:creationId xmlns:a16="http://schemas.microsoft.com/office/drawing/2014/main" id="{48E81C03-4F7D-48D8-AAA2-43D65DEB762D}"/>
+                </a:ext>
+              </a:extLst>
+            </p:cNvPr>
+            <p:cNvSpPr/>
+            <p:nvPr/>
+          </p:nvSpPr>
+          <p:spPr>
+            <a:xfrm>
+              <a:off x="8554674" y="3831748"/>
+              <a:ext cx="541502" cy="292608"/>
+            </a:xfrm>
+            <a:prstGeom prst="rightArrow">
+              <a:avLst/>
+            </a:prstGeom>
+          </p:spPr>
+          <p:style>
+            <a:lnRef idx="2">
+              <a:schemeClr val="accent1">
+                <a:shade val="50000"/>
+              </a:schemeClr>
+            </a:lnRef>
+            <a:fillRef idx="1">
+              <a:schemeClr val="accent1"/>
+            </a:fillRef>
+            <a:effectRef idx="0">
+              <a:schemeClr val="accent1"/>
+            </a:effectRef>
+            <a:fontRef idx="minor">
+              <a:schemeClr val="lt1"/>
+            </a:fontRef>
+          </p:style>
+          <p:txBody>
+            <a:bodyPr rtlCol="0" anchor="ctr"/>
+            <a:lstStyle/>
+            <a:p>
+              <a:pPr algn="ctr"/>
+              <a:endParaRPr lang="en-US"/>
+            </a:p>
+          </p:txBody>
+        </p:sp>
+      </p:grpSp>
+      <p:sp>
+        <p:nvSpPr>
+          <p:cNvPr id="71" name="TextBox 70">
+            <a:extLst>
+              <a:ext uri="{FF2B5EF4-FFF2-40B4-BE49-F238E27FC236}">
+                <a16:creationId xmlns:a16="http://schemas.microsoft.com/office/drawing/2014/main" id="{86691AED-A69D-4E52-B9B7-F46934A43E86}"/>
+              </a:ext>
+            </a:extLst>
+          </p:cNvPr>
+          <p:cNvSpPr txBox="1"/>
+          <p:nvPr/>
+        </p:nvSpPr>
+        <p:spPr>
+          <a:xfrm>
+            <a:off x="6795077" y="2305192"/>
+            <a:ext cx="1133644" cy="369332"/>
+          </a:xfrm>
+          <a:prstGeom prst="rect">
+            <a:avLst/>
+          </a:prstGeom>
+          <a:noFill/>
+        </p:spPr>
+        <p:txBody>
+          <a:bodyPr wrap="none" rtlCol="0">
+            <a:spAutoFit/>
+          </a:bodyPr>
+          <a:lstStyle/>
+          <a:p>
+            <a:r>
+              <a:rPr lang="en-US" dirty="0"/>
+              <a:t>Module 1</a:t>
+            </a:r>
           </a:p>
         </p:txBody>
       </p:sp>
       <p:sp>
         <p:nvSpPr>
-          <p:cNvPr id="4" name="Bent-Up Arrow 3">
+          <p:cNvPr id="72" name="Right Brace 71">
             <a:extLst>
               <a:ext uri="{FF2B5EF4-FFF2-40B4-BE49-F238E27FC236}">
-                <a16:creationId xmlns:a16="http://schemas.microsoft.com/office/drawing/2014/main" id="{28682DEA-3711-9F44-B2F0-6550FE62E21C}"/>
+                <a16:creationId xmlns:a16="http://schemas.microsoft.com/office/drawing/2014/main" id="{7CD63CAB-7280-4C41-8F13-5B8C4A4B7FD7}"/>
               </a:ext>
             </a:extLst>
           </p:cNvPr>
@@ -4332,32 +5137,29 @@
           <p:nvPr/>
         </p:nvSpPr>
         <p:spPr>
-          <a:xfrm flipH="1">
-            <a:off x="1148374" y="4274500"/>
-            <a:ext cx="10205425" cy="902527"/>
+          <a:xfrm rot="-5400000">
+            <a:off x="7227092" y="1675696"/>
+            <a:ext cx="274320" cy="2331720"/>
           </a:xfrm>
-          <a:prstGeom prst="bentUpArrow">
-            <a:avLst>
-              <a:gd name="adj1" fmla="val 16041"/>
-              <a:gd name="adj2" fmla="val 20207"/>
-              <a:gd name="adj3" fmla="val 25170"/>
-            </a:avLst>
+          <a:prstGeom prst="rightBrace">
+            <a:avLst/>
           </a:prstGeom>
+          <a:ln w="31750" cap="flat">
+            <a:miter lim="800000"/>
+          </a:ln>
         </p:spPr>
         <p:style>
-          <a:lnRef idx="2">
-            <a:schemeClr val="accent1">
-              <a:shade val="50000"/>
-            </a:schemeClr>
+          <a:lnRef idx="1">
+            <a:schemeClr val="accent1"/>
           </a:lnRef>
-          <a:fillRef idx="1">
+          <a:fillRef idx="0">
             <a:schemeClr val="accent1"/>
           </a:fillRef>
           <a:effectRef idx="0">
             <a:schemeClr val="accent1"/>
           </a:effectRef>
           <a:fontRef idx="minor">
-            <a:schemeClr val="lt1"/>
+            <a:schemeClr val="tx1"/>
           </a:fontRef>
         </p:style>
         <p:txBody>
@@ -4371,10 +5173,45 @@
       </p:sp>
       <p:sp>
         <p:nvSpPr>
-          <p:cNvPr id="42" name="Right Arrow 41">
+          <p:cNvPr id="73" name="TextBox 72">
             <a:extLst>
               <a:ext uri="{FF2B5EF4-FFF2-40B4-BE49-F238E27FC236}">
-                <a16:creationId xmlns:a16="http://schemas.microsoft.com/office/drawing/2014/main" id="{E59032F9-AEB3-194D-9B50-C5B0D0C27507}"/>
+                <a16:creationId xmlns:a16="http://schemas.microsoft.com/office/drawing/2014/main" id="{933305B9-B2A6-4CE1-8868-E225789424C8}"/>
+              </a:ext>
+            </a:extLst>
+          </p:cNvPr>
+          <p:cNvSpPr txBox="1"/>
+          <p:nvPr/>
+        </p:nvSpPr>
+        <p:spPr>
+          <a:xfrm>
+            <a:off x="2368853" y="2305192"/>
+            <a:ext cx="1133644" cy="369332"/>
+          </a:xfrm>
+          <a:prstGeom prst="rect">
+            <a:avLst/>
+          </a:prstGeom>
+          <a:noFill/>
+        </p:spPr>
+        <p:txBody>
+          <a:bodyPr wrap="none" rtlCol="0">
+            <a:spAutoFit/>
+          </a:bodyPr>
+          <a:lstStyle/>
+          <a:p>
+            <a:r>
+              <a:rPr lang="en-US" dirty="0"/>
+              <a:t>Module 2</a:t>
+            </a:r>
+          </a:p>
+        </p:txBody>
+      </p:sp>
+      <p:sp>
+        <p:nvSpPr>
+          <p:cNvPr id="74" name="Right Brace 73">
+            <a:extLst>
+              <a:ext uri="{FF2B5EF4-FFF2-40B4-BE49-F238E27FC236}">
+                <a16:creationId xmlns:a16="http://schemas.microsoft.com/office/drawing/2014/main" id="{33FC5B2B-79A8-4EBB-889B-BB194FA5DA3F}"/>
               </a:ext>
             </a:extLst>
           </p:cNvPr>
@@ -4382,11 +5219,58 @@
           <p:nvPr/>
         </p:nvSpPr>
         <p:spPr>
-          <a:xfrm>
-            <a:off x="8339326" y="2903487"/>
-            <a:ext cx="328928" cy="196773"/>
+          <a:xfrm rot="-5400000">
+            <a:off x="2799672" y="203511"/>
+            <a:ext cx="274320" cy="5276088"/>
           </a:xfrm>
-          <a:prstGeom prst="rightArrow">
+          <a:prstGeom prst="rightBrace">
+            <a:avLst/>
+          </a:prstGeom>
+          <a:ln w="31750" cap="flat">
+            <a:miter lim="800000"/>
+          </a:ln>
+        </p:spPr>
+        <p:style>
+          <a:lnRef idx="1">
+            <a:schemeClr val="accent1"/>
+          </a:lnRef>
+          <a:fillRef idx="0">
+            <a:schemeClr val="accent1"/>
+          </a:fillRef>
+          <a:effectRef idx="0">
+            <a:schemeClr val="accent1"/>
+          </a:effectRef>
+          <a:fontRef idx="minor">
+            <a:schemeClr val="tx1"/>
+          </a:fontRef>
+        </p:style>
+        <p:txBody>
+          <a:bodyPr rtlCol="0" anchor="ctr"/>
+          <a:lstStyle/>
+          <a:p>
+            <a:pPr algn="ctr"/>
+            <a:endParaRPr lang="en-US"/>
+          </a:p>
+        </p:txBody>
+      </p:sp>
+      <p:sp>
+        <p:nvSpPr>
+          <p:cNvPr id="75" name="Arrow: Bent 74">
+            <a:extLst>
+              <a:ext uri="{FF2B5EF4-FFF2-40B4-BE49-F238E27FC236}">
+                <a16:creationId xmlns:a16="http://schemas.microsoft.com/office/drawing/2014/main" id="{E059CF04-4171-4FAF-ACD7-A364D61604E6}"/>
+              </a:ext>
+            </a:extLst>
+          </p:cNvPr>
+          <p:cNvSpPr/>
+          <p:nvPr/>
+        </p:nvSpPr>
+        <p:spPr>
+          <a:xfrm rot="16200000">
+            <a:off x="1098783" y="5103364"/>
+            <a:ext cx="960120" cy="521208"/>
+          </a:xfrm>
+          <a:prstGeom prst="bentArrow">
             <a:avLst/>
           </a:prstGeom>
         </p:spPr>
@@ -4411,58 +5295,6 @@
           <a:lstStyle/>
           <a:p>
             <a:pPr algn="ctr"/>
-            <a:endParaRPr lang="en-US"/>
-          </a:p>
-        </p:txBody>
-      </p:sp>
-      <p:sp>
-        <p:nvSpPr>
-          <p:cNvPr id="46" name="U-Turn Arrow 45">
-            <a:extLst>
-              <a:ext uri="{FF2B5EF4-FFF2-40B4-BE49-F238E27FC236}">
-                <a16:creationId xmlns:a16="http://schemas.microsoft.com/office/drawing/2014/main" id="{89B0BE2E-48D4-0241-8B00-E376230C5315}"/>
-              </a:ext>
-            </a:extLst>
-          </p:cNvPr>
-          <p:cNvSpPr/>
-          <p:nvPr/>
-        </p:nvSpPr>
-        <p:spPr>
-          <a:xfrm rot="5400000">
-            <a:off x="10382294" y="3870094"/>
-            <a:ext cx="2270714" cy="439390"/>
-          </a:xfrm>
-          <a:prstGeom prst="uturnArrow">
-            <a:avLst>
-              <a:gd name="adj1" fmla="val 28221"/>
-              <a:gd name="adj2" fmla="val 25000"/>
-              <a:gd name="adj3" fmla="val 25000"/>
-              <a:gd name="adj4" fmla="val 43750"/>
-              <a:gd name="adj5" fmla="val 75000"/>
-            </a:avLst>
-          </a:prstGeom>
-        </p:spPr>
-        <p:style>
-          <a:lnRef idx="2">
-            <a:schemeClr val="accent1">
-              <a:shade val="50000"/>
-            </a:schemeClr>
-          </a:lnRef>
-          <a:fillRef idx="1">
-            <a:schemeClr val="accent1"/>
-          </a:fillRef>
-          <a:effectRef idx="0">
-            <a:schemeClr val="accent1"/>
-          </a:effectRef>
-          <a:fontRef idx="minor">
-            <a:schemeClr val="lt1"/>
-          </a:fontRef>
-        </p:style>
-        <p:txBody>
-          <a:bodyPr rtlCol="0" anchor="ctr"/>
-          <a:lstStyle/>
-          <a:p>
-            <a:pPr algn="ctr"/>
             <a:endParaRPr lang="en-US">
               <a:solidFill>
                 <a:schemeClr val="tx1"/>
@@ -4471,336 +5303,10 @@
           </a:p>
         </p:txBody>
       </p:sp>
-      <p:sp>
-        <p:nvSpPr>
-          <p:cNvPr id="2" name="Left Brace 1">
-            <a:extLst>
-              <a:ext uri="{FF2B5EF4-FFF2-40B4-BE49-F238E27FC236}">
-                <a16:creationId xmlns:a16="http://schemas.microsoft.com/office/drawing/2014/main" id="{E5AED0CF-06E6-A741-BB61-59565F7A4361}"/>
-              </a:ext>
-            </a:extLst>
-          </p:cNvPr>
-          <p:cNvSpPr/>
-          <p:nvPr/>
-        </p:nvSpPr>
-        <p:spPr>
-          <a:xfrm rot="5400000">
-            <a:off x="6837337" y="1085814"/>
-            <a:ext cx="294440" cy="1777115"/>
-          </a:xfrm>
-          <a:prstGeom prst="leftBrace">
-            <a:avLst>
-              <a:gd name="adj1" fmla="val 66327"/>
-              <a:gd name="adj2" fmla="val 52421"/>
-            </a:avLst>
-          </a:prstGeom>
-          <a:noFill/>
-          <a:ln w="47625">
-            <a:solidFill>
-              <a:srgbClr val="800000"/>
-            </a:solidFill>
-          </a:ln>
-        </p:spPr>
-        <p:style>
-          <a:lnRef idx="2">
-            <a:schemeClr val="accent3"/>
-          </a:lnRef>
-          <a:fillRef idx="0">
-            <a:schemeClr val="accent3"/>
-          </a:fillRef>
-          <a:effectRef idx="1">
-            <a:schemeClr val="accent3"/>
-          </a:effectRef>
-          <a:fontRef idx="minor">
-            <a:schemeClr val="tx1"/>
-          </a:fontRef>
-        </p:style>
-        <p:txBody>
-          <a:bodyPr rtlCol="0" anchor="ctr"/>
-          <a:lstStyle/>
-          <a:p>
-            <a:pPr algn="ctr"/>
-            <a:endParaRPr lang="en-US">
-              <a:ln>
-                <a:solidFill>
-                  <a:schemeClr val="accent1">
-                    <a:lumMod val="60000"/>
-                    <a:lumOff val="40000"/>
-                  </a:schemeClr>
-                </a:solidFill>
-              </a:ln>
-            </a:endParaRPr>
-          </a:p>
-        </p:txBody>
-      </p:sp>
-      <p:sp>
-        <p:nvSpPr>
-          <p:cNvPr id="5" name="TextBox 4">
-            <a:extLst>
-              <a:ext uri="{FF2B5EF4-FFF2-40B4-BE49-F238E27FC236}">
-                <a16:creationId xmlns:a16="http://schemas.microsoft.com/office/drawing/2014/main" id="{2FB07946-146B-5542-B4C9-211A1FF77CEA}"/>
-              </a:ext>
-            </a:extLst>
-          </p:cNvPr>
-          <p:cNvSpPr txBox="1"/>
-          <p:nvPr/>
-        </p:nvSpPr>
-        <p:spPr>
-          <a:xfrm>
-            <a:off x="6417735" y="1428684"/>
-            <a:ext cx="1133644" cy="369332"/>
-          </a:xfrm>
-          <a:prstGeom prst="rect">
-            <a:avLst/>
-          </a:prstGeom>
-          <a:noFill/>
-        </p:spPr>
-        <p:txBody>
-          <a:bodyPr wrap="none" rtlCol="0">
-            <a:spAutoFit/>
-          </a:bodyPr>
-          <a:lstStyle/>
-          <a:p>
-            <a:r>
-              <a:rPr lang="en-US" dirty="0"/>
-              <a:t>Module 1</a:t>
-            </a:r>
-          </a:p>
-        </p:txBody>
-      </p:sp>
-      <p:sp>
-        <p:nvSpPr>
-          <p:cNvPr id="33" name="TextBox 32">
-            <a:extLst>
-              <a:ext uri="{FF2B5EF4-FFF2-40B4-BE49-F238E27FC236}">
-                <a16:creationId xmlns:a16="http://schemas.microsoft.com/office/drawing/2014/main" id="{7B349268-6D52-3F4A-B9E9-5C3456882036}"/>
-              </a:ext>
-            </a:extLst>
-          </p:cNvPr>
-          <p:cNvSpPr txBox="1"/>
-          <p:nvPr/>
-        </p:nvSpPr>
-        <p:spPr>
-          <a:xfrm>
-            <a:off x="10214502" y="4463523"/>
-            <a:ext cx="1133644" cy="369332"/>
-          </a:xfrm>
-          <a:prstGeom prst="rect">
-            <a:avLst/>
-          </a:prstGeom>
-          <a:noFill/>
-        </p:spPr>
-        <p:txBody>
-          <a:bodyPr wrap="none" rtlCol="0">
-            <a:spAutoFit/>
-          </a:bodyPr>
-          <a:lstStyle/>
-          <a:p>
-            <a:r>
-              <a:rPr lang="en-US" dirty="0"/>
-              <a:t>Module 4</a:t>
-            </a:r>
-          </a:p>
-        </p:txBody>
-      </p:sp>
-      <p:sp>
-        <p:nvSpPr>
-          <p:cNvPr id="34" name="Left Brace 33">
-            <a:extLst>
-              <a:ext uri="{FF2B5EF4-FFF2-40B4-BE49-F238E27FC236}">
-                <a16:creationId xmlns:a16="http://schemas.microsoft.com/office/drawing/2014/main" id="{95277AF3-F10B-6F4F-A7CC-E7276D8BD2BD}"/>
-              </a:ext>
-            </a:extLst>
-          </p:cNvPr>
-          <p:cNvSpPr/>
-          <p:nvPr/>
-        </p:nvSpPr>
-        <p:spPr>
-          <a:xfrm rot="5400000">
-            <a:off x="2719571" y="-399496"/>
-            <a:ext cx="310567" cy="4705592"/>
-          </a:xfrm>
-          <a:prstGeom prst="leftBrace">
-            <a:avLst>
-              <a:gd name="adj1" fmla="val 66327"/>
-              <a:gd name="adj2" fmla="val 52421"/>
-            </a:avLst>
-          </a:prstGeom>
-          <a:noFill/>
-          <a:ln w="47625">
-            <a:solidFill>
-              <a:srgbClr val="800000"/>
-            </a:solidFill>
-          </a:ln>
-        </p:spPr>
-        <p:style>
-          <a:lnRef idx="2">
-            <a:schemeClr val="accent3"/>
-          </a:lnRef>
-          <a:fillRef idx="0">
-            <a:schemeClr val="accent3"/>
-          </a:fillRef>
-          <a:effectRef idx="1">
-            <a:schemeClr val="accent3"/>
-          </a:effectRef>
-          <a:fontRef idx="minor">
-            <a:schemeClr val="tx1"/>
-          </a:fontRef>
-        </p:style>
-        <p:txBody>
-          <a:bodyPr rtlCol="0" anchor="ctr"/>
-          <a:lstStyle/>
-          <a:p>
-            <a:pPr algn="ctr"/>
-            <a:endParaRPr lang="en-US">
-              <a:ln>
-                <a:solidFill>
-                  <a:schemeClr val="accent1">
-                    <a:lumMod val="60000"/>
-                    <a:lumOff val="40000"/>
-                  </a:schemeClr>
-                </a:solidFill>
-              </a:ln>
-            </a:endParaRPr>
-          </a:p>
-        </p:txBody>
-      </p:sp>
-      <p:sp>
-        <p:nvSpPr>
-          <p:cNvPr id="35" name="Left Brace 34">
-            <a:extLst>
-              <a:ext uri="{FF2B5EF4-FFF2-40B4-BE49-F238E27FC236}">
-                <a16:creationId xmlns:a16="http://schemas.microsoft.com/office/drawing/2014/main" id="{71336F3B-61B1-244F-8DBB-B8198997DB34}"/>
-              </a:ext>
-            </a:extLst>
-          </p:cNvPr>
-          <p:cNvSpPr/>
-          <p:nvPr/>
-        </p:nvSpPr>
-        <p:spPr>
-          <a:xfrm rot="5400000" flipH="1">
-            <a:off x="5374836" y="1927986"/>
-            <a:ext cx="381986" cy="4705592"/>
-          </a:xfrm>
-          <a:prstGeom prst="leftBrace">
-            <a:avLst>
-              <a:gd name="adj1" fmla="val 66327"/>
-              <a:gd name="adj2" fmla="val 52421"/>
-            </a:avLst>
-          </a:prstGeom>
-          <a:noFill/>
-          <a:ln w="47625">
-            <a:solidFill>
-              <a:srgbClr val="800000"/>
-            </a:solidFill>
-          </a:ln>
-        </p:spPr>
-        <p:style>
-          <a:lnRef idx="2">
-            <a:schemeClr val="accent3"/>
-          </a:lnRef>
-          <a:fillRef idx="0">
-            <a:schemeClr val="accent3"/>
-          </a:fillRef>
-          <a:effectRef idx="1">
-            <a:schemeClr val="accent3"/>
-          </a:effectRef>
-          <a:fontRef idx="minor">
-            <a:schemeClr val="tx1"/>
-          </a:fontRef>
-        </p:style>
-        <p:txBody>
-          <a:bodyPr rtlCol="0" anchor="ctr"/>
-          <a:lstStyle/>
-          <a:p>
-            <a:pPr algn="ctr"/>
-            <a:endParaRPr lang="en-US">
-              <a:ln>
-                <a:solidFill>
-                  <a:schemeClr val="accent1">
-                    <a:lumMod val="60000"/>
-                    <a:lumOff val="40000"/>
-                  </a:schemeClr>
-                </a:solidFill>
-              </a:ln>
-            </a:endParaRPr>
-          </a:p>
-        </p:txBody>
-      </p:sp>
-      <p:sp>
-        <p:nvSpPr>
-          <p:cNvPr id="36" name="TextBox 35">
-            <a:extLst>
-              <a:ext uri="{FF2B5EF4-FFF2-40B4-BE49-F238E27FC236}">
-                <a16:creationId xmlns:a16="http://schemas.microsoft.com/office/drawing/2014/main" id="{A93D2CE0-C6B4-9042-8459-F8320BA142D3}"/>
-              </a:ext>
-            </a:extLst>
-          </p:cNvPr>
-          <p:cNvSpPr txBox="1"/>
-          <p:nvPr/>
-        </p:nvSpPr>
-        <p:spPr>
-          <a:xfrm>
-            <a:off x="2169643" y="1454521"/>
-            <a:ext cx="1133644" cy="369332"/>
-          </a:xfrm>
-          <a:prstGeom prst="rect">
-            <a:avLst/>
-          </a:prstGeom>
-          <a:noFill/>
-        </p:spPr>
-        <p:txBody>
-          <a:bodyPr wrap="none" rtlCol="0">
-            <a:spAutoFit/>
-          </a:bodyPr>
-          <a:lstStyle/>
-          <a:p>
-            <a:r>
-              <a:rPr lang="en-US" dirty="0"/>
-              <a:t>Module 2</a:t>
-            </a:r>
-          </a:p>
-        </p:txBody>
-      </p:sp>
-      <p:sp>
-        <p:nvSpPr>
-          <p:cNvPr id="37" name="TextBox 36">
-            <a:extLst>
-              <a:ext uri="{FF2B5EF4-FFF2-40B4-BE49-F238E27FC236}">
-                <a16:creationId xmlns:a16="http://schemas.microsoft.com/office/drawing/2014/main" id="{8EC02717-612C-3F45-9BC2-1E15CA0FCD9D}"/>
-              </a:ext>
-            </a:extLst>
-          </p:cNvPr>
-          <p:cNvSpPr txBox="1"/>
-          <p:nvPr/>
-        </p:nvSpPr>
-        <p:spPr>
-          <a:xfrm>
-            <a:off x="4903332" y="4486788"/>
-            <a:ext cx="1133644" cy="369332"/>
-          </a:xfrm>
-          <a:prstGeom prst="rect">
-            <a:avLst/>
-          </a:prstGeom>
-          <a:noFill/>
-        </p:spPr>
-        <p:txBody>
-          <a:bodyPr wrap="none" rtlCol="0">
-            <a:spAutoFit/>
-          </a:bodyPr>
-          <a:lstStyle/>
-          <a:p>
-            <a:r>
-              <a:rPr lang="en-US" dirty="0"/>
-              <a:t>Module 3</a:t>
-            </a:r>
-          </a:p>
-        </p:txBody>
-      </p:sp>
     </p:spTree>
     <p:extLst>
       <p:ext uri="{BB962C8B-B14F-4D97-AF65-F5344CB8AC3E}">
-        <p14:creationId xmlns:p14="http://schemas.microsoft.com/office/powerpoint/2010/main" val="3872930338"/>
+        <p14:creationId xmlns:p14="http://schemas.microsoft.com/office/powerpoint/2010/main" val="3837285340"/>
       </p:ext>
     </p:extLst>
   </p:cSld>

--- a/module-2/ppt/2.0-introduction.pptx
+++ b/module-2/ppt/2.0-introduction.pptx
@@ -3560,6 +3560,104 @@
           <a:chExt cx="0" cy="0"/>
         </a:xfrm>
       </p:grpSpPr>
+      <p:sp>
+        <p:nvSpPr>
+          <p:cNvPr id="43" name="Rectangle 42">
+            <a:extLst>
+              <a:ext uri="{FF2B5EF4-FFF2-40B4-BE49-F238E27FC236}">
+                <a16:creationId xmlns:a16="http://schemas.microsoft.com/office/drawing/2014/main" id="{5D175768-E063-DC40-B400-7D1D6BCDD38A}"/>
+              </a:ext>
+            </a:extLst>
+          </p:cNvPr>
+          <p:cNvSpPr/>
+          <p:nvPr/>
+        </p:nvSpPr>
+        <p:spPr>
+          <a:xfrm>
+            <a:off x="1757067" y="32953"/>
+            <a:ext cx="3609832" cy="2214496"/>
+          </a:xfrm>
+          <a:prstGeom prst="rect">
+            <a:avLst/>
+          </a:prstGeom>
+          <a:ln w="63500">
+            <a:solidFill>
+              <a:srgbClr val="7F0000"/>
+            </a:solidFill>
+          </a:ln>
+        </p:spPr>
+        <p:style>
+          <a:lnRef idx="2">
+            <a:schemeClr val="accent6"/>
+          </a:lnRef>
+          <a:fillRef idx="1">
+            <a:schemeClr val="lt1"/>
+          </a:fillRef>
+          <a:effectRef idx="0">
+            <a:schemeClr val="accent6"/>
+          </a:effectRef>
+          <a:fontRef idx="minor">
+            <a:schemeClr val="dk1"/>
+          </a:fontRef>
+        </p:style>
+        <p:txBody>
+          <a:bodyPr rtlCol="0" anchor="ctr"/>
+          <a:lstStyle/>
+          <a:p>
+            <a:pPr algn="ctr"/>
+            <a:endParaRPr lang="en-US"/>
+          </a:p>
+        </p:txBody>
+      </p:sp>
+      <p:sp>
+        <p:nvSpPr>
+          <p:cNvPr id="41" name="Rectangle 40">
+            <a:extLst>
+              <a:ext uri="{FF2B5EF4-FFF2-40B4-BE49-F238E27FC236}">
+                <a16:creationId xmlns:a16="http://schemas.microsoft.com/office/drawing/2014/main" id="{9CE44CC2-20ED-5844-9797-147A037AF608}"/>
+              </a:ext>
+            </a:extLst>
+          </p:cNvPr>
+          <p:cNvSpPr/>
+          <p:nvPr/>
+        </p:nvSpPr>
+        <p:spPr>
+          <a:xfrm>
+            <a:off x="125194" y="2332674"/>
+            <a:ext cx="5892547" cy="2615289"/>
+          </a:xfrm>
+          <a:prstGeom prst="rect">
+            <a:avLst/>
+          </a:prstGeom>
+          <a:ln w="63500">
+            <a:solidFill>
+              <a:srgbClr val="7F0000"/>
+            </a:solidFill>
+          </a:ln>
+        </p:spPr>
+        <p:style>
+          <a:lnRef idx="2">
+            <a:schemeClr val="accent6"/>
+          </a:lnRef>
+          <a:fillRef idx="1">
+            <a:schemeClr val="lt1"/>
+          </a:fillRef>
+          <a:effectRef idx="0">
+            <a:schemeClr val="accent6"/>
+          </a:effectRef>
+          <a:fontRef idx="minor">
+            <a:schemeClr val="dk1"/>
+          </a:fontRef>
+        </p:style>
+        <p:txBody>
+          <a:bodyPr rtlCol="0" anchor="ctr"/>
+          <a:lstStyle/>
+          <a:p>
+            <a:pPr algn="ctr"/>
+            <a:endParaRPr lang="en-US"/>
+          </a:p>
+        </p:txBody>
+      </p:sp>
       <p:grpSp>
         <p:nvGrpSpPr>
           <p:cNvPr id="28" name="Group 27">
@@ -5185,7 +5283,7 @@
         </p:nvSpPr>
         <p:spPr>
           <a:xfrm>
-            <a:off x="2368853" y="2305192"/>
+            <a:off x="2368853" y="2379334"/>
             <a:ext cx="1133644" cy="369332"/>
           </a:xfrm>
           <a:prstGeom prst="rect">
